--- a/강의/Lecture7.pptx
+++ b/강의/Lecture7.pptx
@@ -233,7 +233,7 @@
           <a:p>
             <a:fld id="{63A8C7BE-EE36-44DC-8DE2-54CEB92E8F58}" type="datetimeFigureOut">
               <a:rPr lang="ko-KR" altLang="en-US" smtClean="0"/>
-              <a:t>2019-04-29</a:t>
+              <a:t>2019-05-08</a:t>
             </a:fld>
             <a:endParaRPr lang="ko-KR" altLang="en-US"/>
           </a:p>
@@ -297,38 +297,37 @@
           <a:p>
             <a:pPr lvl="0"/>
             <a:r>
-              <a:rPr lang="ko-KR" altLang="en-US" smtClean="0"/>
+              <a:rPr lang="ko-KR" altLang="en-US"/>
               <a:t>마스터 텍스트 스타일을 편집합니다</a:t>
             </a:r>
           </a:p>
           <a:p>
             <a:pPr lvl="1"/>
             <a:r>
-              <a:rPr lang="ko-KR" altLang="en-US" smtClean="0"/>
+              <a:rPr lang="ko-KR" altLang="en-US"/>
               <a:t>둘째 수준</a:t>
             </a:r>
           </a:p>
           <a:p>
             <a:pPr lvl="2"/>
             <a:r>
-              <a:rPr lang="ko-KR" altLang="en-US" smtClean="0"/>
+              <a:rPr lang="ko-KR" altLang="en-US"/>
               <a:t>셋째 수준</a:t>
             </a:r>
           </a:p>
           <a:p>
             <a:pPr lvl="3"/>
             <a:r>
-              <a:rPr lang="ko-KR" altLang="en-US" smtClean="0"/>
+              <a:rPr lang="ko-KR" altLang="en-US"/>
               <a:t>넷째 수준</a:t>
             </a:r>
           </a:p>
           <a:p>
             <a:pPr lvl="4"/>
             <a:r>
-              <a:rPr lang="ko-KR" altLang="en-US" smtClean="0"/>
+              <a:rPr lang="ko-KR" altLang="en-US"/>
               <a:t>다섯째 수준</a:t>
             </a:r>
-            <a:endParaRPr lang="ko-KR" altLang="en-US"/>
           </a:p>
         </p:txBody>
       </p:sp>
@@ -501,6 +500,284 @@
 </p:notesMaster>
 </file>
 
+<file path=ppt/notesSlides/notesSlide1.xml><?xml version="1.0" encoding="utf-8"?>
+<p:notes xmlns:a="http://schemas.openxmlformats.org/drawingml/2006/main" xmlns:r="http://schemas.openxmlformats.org/officeDocument/2006/relationships" xmlns:p="http://schemas.openxmlformats.org/presentationml/2006/main">
+  <p:cSld>
+    <p:spTree>
+      <p:nvGrpSpPr>
+        <p:cNvPr id="1" name=""/>
+        <p:cNvGrpSpPr/>
+        <p:nvPr/>
+      </p:nvGrpSpPr>
+      <p:grpSpPr>
+        <a:xfrm>
+          <a:off x="0" y="0"/>
+          <a:ext cx="0" cy="0"/>
+          <a:chOff x="0" y="0"/>
+          <a:chExt cx="0" cy="0"/>
+        </a:xfrm>
+      </p:grpSpPr>
+      <p:sp>
+        <p:nvSpPr>
+          <p:cNvPr id="2" name="슬라이드 이미지 개체 틀 1"/>
+          <p:cNvSpPr>
+            <a:spLocks noGrp="1" noRot="1" noChangeAspect="1"/>
+          </p:cNvSpPr>
+          <p:nvPr>
+            <p:ph type="sldImg"/>
+          </p:nvPr>
+        </p:nvSpPr>
+        <p:spPr/>
+      </p:sp>
+      <p:sp>
+        <p:nvSpPr>
+          <p:cNvPr id="3" name="슬라이드 노트 개체 틀 2"/>
+          <p:cNvSpPr>
+            <a:spLocks noGrp="1"/>
+          </p:cNvSpPr>
+          <p:nvPr>
+            <p:ph type="body" idx="1"/>
+          </p:nvPr>
+        </p:nvSpPr>
+        <p:spPr/>
+        <p:txBody>
+          <a:bodyPr/>
+          <a:lstStyle/>
+          <a:p>
+            <a:r>
+              <a:rPr lang="en-US" altLang="ko-KR" dirty="0"/>
+              <a:t>Vertex</a:t>
+            </a:r>
+            <a:r>
+              <a:rPr lang="ko-KR" altLang="en-US" dirty="0"/>
+              <a:t> </a:t>
+            </a:r>
+            <a:r>
+              <a:rPr lang="en-US" altLang="ko-KR" dirty="0"/>
+              <a:t>Buffer</a:t>
+            </a:r>
+            <a:r>
+              <a:rPr lang="ko-KR" altLang="en-US" dirty="0"/>
+              <a:t> </a:t>
+            </a:r>
+            <a:r>
+              <a:rPr lang="en-US" altLang="ko-KR" dirty="0"/>
+              <a:t>Object. Vertex</a:t>
+            </a:r>
+            <a:r>
+              <a:rPr lang="ko-KR" altLang="en-US" dirty="0"/>
+              <a:t> 정보를 넣어 씀</a:t>
+            </a:r>
+            <a:r>
+              <a:rPr lang="en-US" altLang="ko-KR" dirty="0"/>
+              <a:t>.</a:t>
+            </a:r>
+          </a:p>
+          <a:p>
+            <a:r>
+              <a:rPr lang="en-US" altLang="ko-KR" dirty="0"/>
+              <a:t>Vertex -&gt; vertex Buffer -&gt; GPU</a:t>
+            </a:r>
+          </a:p>
+          <a:p>
+            <a:pPr marL="171450" indent="-171450">
+              <a:buFont typeface="Symbol" panose="05050102010706020507" pitchFamily="18" charset="2"/>
+              <a:buChar char="Þ"/>
+            </a:pPr>
+            <a:r>
+              <a:rPr lang="ko-KR" altLang="en-US" dirty="0"/>
+              <a:t>위 내용은 </a:t>
+            </a:r>
+            <a:r>
+              <a:rPr lang="en-US" altLang="ko-KR" dirty="0"/>
+              <a:t>GPU </a:t>
+            </a:r>
+            <a:r>
+              <a:rPr lang="ko-KR" altLang="en-US" dirty="0"/>
+              <a:t>메모리를 잡아서 바인딩된 내용을 </a:t>
+            </a:r>
+            <a:r>
+              <a:rPr lang="en-US" altLang="ko-KR" dirty="0"/>
+              <a:t>GPU </a:t>
+            </a:r>
+            <a:r>
+              <a:rPr lang="ko-KR" altLang="en-US" dirty="0"/>
+              <a:t>메모리에 올려주는 것</a:t>
+            </a:r>
+            <a:r>
+              <a:rPr lang="en-US" altLang="ko-KR" dirty="0"/>
+              <a:t>.</a:t>
+            </a:r>
+          </a:p>
+          <a:p>
+            <a:pPr marL="171450" indent="-171450">
+              <a:buFont typeface="Symbol" panose="05050102010706020507" pitchFamily="18" charset="2"/>
+              <a:buChar char="Þ"/>
+            </a:pPr>
+            <a:r>
+              <a:rPr lang="en-US" altLang="ko-KR" dirty="0"/>
+              <a:t>MAP. CPU</a:t>
+            </a:r>
+            <a:r>
+              <a:rPr lang="ko-KR" altLang="en-US" dirty="0"/>
+              <a:t>에 업데이트하면 </a:t>
+            </a:r>
+            <a:r>
+              <a:rPr lang="en-US" altLang="ko-KR" dirty="0"/>
+              <a:t>GPU</a:t>
+            </a:r>
+            <a:r>
+              <a:rPr lang="ko-KR" altLang="en-US" dirty="0"/>
+              <a:t>에 알아서 올려주는 </a:t>
+            </a:r>
+            <a:r>
+              <a:rPr lang="en-US" altLang="ko-KR" dirty="0"/>
+              <a:t>???</a:t>
+            </a:r>
+          </a:p>
+          <a:p>
+            <a:pPr marL="171450" indent="-171450">
+              <a:buFont typeface="Symbol" panose="05050102010706020507" pitchFamily="18" charset="2"/>
+              <a:buChar char="Þ"/>
+            </a:pPr>
+            <a:r>
+              <a:rPr lang="ko-KR" altLang="en-US" dirty="0"/>
+              <a:t>☆☆☆☆ 아무튼 중요</a:t>
+            </a:r>
+            <a:r>
+              <a:rPr lang="en-US" altLang="ko-KR" dirty="0"/>
+              <a:t>!</a:t>
+            </a:r>
+          </a:p>
+          <a:p>
+            <a:pPr marL="171450" indent="-171450">
+              <a:buFont typeface="Symbol" panose="05050102010706020507" pitchFamily="18" charset="2"/>
+              <a:buChar char="Þ"/>
+            </a:pPr>
+            <a:endParaRPr lang="ko-KR" altLang="en-US" dirty="0"/>
+          </a:p>
+        </p:txBody>
+      </p:sp>
+      <p:sp>
+        <p:nvSpPr>
+          <p:cNvPr id="4" name="슬라이드 번호 개체 틀 3"/>
+          <p:cNvSpPr>
+            <a:spLocks noGrp="1"/>
+          </p:cNvSpPr>
+          <p:nvPr>
+            <p:ph type="sldNum" sz="quarter" idx="5"/>
+          </p:nvPr>
+        </p:nvSpPr>
+        <p:spPr/>
+        <p:txBody>
+          <a:bodyPr/>
+          <a:lstStyle/>
+          <a:p>
+            <a:fld id="{82E666EE-6754-4FD2-AFEB-F882C7A70BC6}" type="slidenum">
+              <a:rPr lang="ko-KR" altLang="en-US" smtClean="0"/>
+              <a:t>13</a:t>
+            </a:fld>
+            <a:endParaRPr lang="ko-KR" altLang="en-US"/>
+          </a:p>
+        </p:txBody>
+      </p:sp>
+    </p:spTree>
+    <p:extLst>
+      <p:ext uri="{BB962C8B-B14F-4D97-AF65-F5344CB8AC3E}">
+        <p14:creationId xmlns:p14="http://schemas.microsoft.com/office/powerpoint/2010/main" val="1899505528"/>
+      </p:ext>
+    </p:extLst>
+  </p:cSld>
+  <p:clrMapOvr>
+    <a:masterClrMapping/>
+  </p:clrMapOvr>
+</p:notes>
+</file>
+
+<file path=ppt/notesSlides/notesSlide2.xml><?xml version="1.0" encoding="utf-8"?>
+<p:notes xmlns:a="http://schemas.openxmlformats.org/drawingml/2006/main" xmlns:r="http://schemas.openxmlformats.org/officeDocument/2006/relationships" xmlns:p="http://schemas.openxmlformats.org/presentationml/2006/main">
+  <p:cSld>
+    <p:spTree>
+      <p:nvGrpSpPr>
+        <p:cNvPr id="1" name=""/>
+        <p:cNvGrpSpPr/>
+        <p:nvPr/>
+      </p:nvGrpSpPr>
+      <p:grpSpPr>
+        <a:xfrm>
+          <a:off x="0" y="0"/>
+          <a:ext cx="0" cy="0"/>
+          <a:chOff x="0" y="0"/>
+          <a:chExt cx="0" cy="0"/>
+        </a:xfrm>
+      </p:grpSpPr>
+      <p:sp>
+        <p:nvSpPr>
+          <p:cNvPr id="2" name="슬라이드 이미지 개체 틀 1"/>
+          <p:cNvSpPr>
+            <a:spLocks noGrp="1" noRot="1" noChangeAspect="1"/>
+          </p:cNvSpPr>
+          <p:nvPr>
+            <p:ph type="sldImg"/>
+          </p:nvPr>
+        </p:nvSpPr>
+        <p:spPr/>
+      </p:sp>
+      <p:sp>
+        <p:nvSpPr>
+          <p:cNvPr id="3" name="슬라이드 노트 개체 틀 2"/>
+          <p:cNvSpPr>
+            <a:spLocks noGrp="1"/>
+          </p:cNvSpPr>
+          <p:nvPr>
+            <p:ph type="body" idx="1"/>
+          </p:nvPr>
+        </p:nvSpPr>
+        <p:spPr/>
+        <p:txBody>
+          <a:bodyPr/>
+          <a:lstStyle/>
+          <a:p>
+            <a:endParaRPr lang="ko-KR" altLang="en-US" dirty="0"/>
+          </a:p>
+        </p:txBody>
+      </p:sp>
+      <p:sp>
+        <p:nvSpPr>
+          <p:cNvPr id="4" name="슬라이드 번호 개체 틀 3"/>
+          <p:cNvSpPr>
+            <a:spLocks noGrp="1"/>
+          </p:cNvSpPr>
+          <p:nvPr>
+            <p:ph type="sldNum" sz="quarter" idx="5"/>
+          </p:nvPr>
+        </p:nvSpPr>
+        <p:spPr/>
+        <p:txBody>
+          <a:bodyPr/>
+          <a:lstStyle/>
+          <a:p>
+            <a:fld id="{82E666EE-6754-4FD2-AFEB-F882C7A70BC6}" type="slidenum">
+              <a:rPr lang="ko-KR" altLang="en-US" smtClean="0"/>
+              <a:t>14</a:t>
+            </a:fld>
+            <a:endParaRPr lang="ko-KR" altLang="en-US"/>
+          </a:p>
+        </p:txBody>
+      </p:sp>
+    </p:spTree>
+    <p:extLst>
+      <p:ext uri="{BB962C8B-B14F-4D97-AF65-F5344CB8AC3E}">
+        <p14:creationId xmlns:p14="http://schemas.microsoft.com/office/powerpoint/2010/main" val="2330316510"/>
+      </p:ext>
+    </p:extLst>
+  </p:cSld>
+  <p:clrMapOvr>
+    <a:masterClrMapping/>
+  </p:clrMapOvr>
+</p:notes>
+</file>
+
 <file path=ppt/slideLayouts/slideLayout1.xml><?xml version="1.0" encoding="utf-8"?>
 <p:sldLayout xmlns:a="http://schemas.openxmlformats.org/drawingml/2006/main" xmlns:r="http://schemas.openxmlformats.org/officeDocument/2006/relationships" xmlns:p="http://schemas.openxmlformats.org/presentationml/2006/main" type="title" preserve="1">
   <p:cSld name="제목 슬라이드">
@@ -539,10 +816,9 @@
           <a:lstStyle/>
           <a:p>
             <a:r>
-              <a:rPr lang="ko-KR" altLang="en-US" smtClean="0"/>
+              <a:rPr lang="ko-KR" altLang="en-US"/>
               <a:t>마스터 제목 스타일 편집</a:t>
             </a:r>
-            <a:endParaRPr lang="ko-KR" altLang="en-US"/>
           </a:p>
         </p:txBody>
       </p:sp>
@@ -658,10 +934,9 @@
           </a:lstStyle>
           <a:p>
             <a:r>
-              <a:rPr lang="ko-KR" altLang="en-US" smtClean="0"/>
+              <a:rPr lang="ko-KR" altLang="en-US"/>
               <a:t>마스터 부제목 스타일 편집</a:t>
             </a:r>
-            <a:endParaRPr lang="ko-KR" altLang="en-US"/>
           </a:p>
         </p:txBody>
       </p:sp>
@@ -682,7 +957,7 @@
           <a:p>
             <a:fld id="{FB30EDBD-1C2D-4C1E-B459-B60219FAB484}" type="datetimeFigureOut">
               <a:rPr lang="ko-KR" altLang="en-US" smtClean="0"/>
-              <a:t>2019-04-29</a:t>
+              <a:t>2019-05-08</a:t>
             </a:fld>
             <a:endParaRPr lang="ko-KR" altLang="en-US"/>
           </a:p>
@@ -771,10 +1046,9 @@
           <a:lstStyle/>
           <a:p>
             <a:r>
-              <a:rPr lang="ko-KR" altLang="en-US" smtClean="0"/>
+              <a:rPr lang="ko-KR" altLang="en-US"/>
               <a:t>마스터 제목 스타일 편집</a:t>
             </a:r>
-            <a:endParaRPr lang="ko-KR" altLang="en-US"/>
           </a:p>
         </p:txBody>
       </p:sp>
@@ -795,38 +1069,37 @@
           <a:p>
             <a:pPr lvl="0"/>
             <a:r>
-              <a:rPr lang="ko-KR" altLang="en-US" smtClean="0"/>
+              <a:rPr lang="ko-KR" altLang="en-US"/>
               <a:t>마스터 텍스트 스타일을 편집합니다</a:t>
             </a:r>
           </a:p>
           <a:p>
             <a:pPr lvl="1"/>
             <a:r>
-              <a:rPr lang="ko-KR" altLang="en-US" smtClean="0"/>
+              <a:rPr lang="ko-KR" altLang="en-US"/>
               <a:t>둘째 수준</a:t>
             </a:r>
           </a:p>
           <a:p>
             <a:pPr lvl="2"/>
             <a:r>
-              <a:rPr lang="ko-KR" altLang="en-US" smtClean="0"/>
+              <a:rPr lang="ko-KR" altLang="en-US"/>
               <a:t>셋째 수준</a:t>
             </a:r>
           </a:p>
           <a:p>
             <a:pPr lvl="3"/>
             <a:r>
-              <a:rPr lang="ko-KR" altLang="en-US" smtClean="0"/>
+              <a:rPr lang="ko-KR" altLang="en-US"/>
               <a:t>넷째 수준</a:t>
             </a:r>
           </a:p>
           <a:p>
             <a:pPr lvl="4"/>
             <a:r>
-              <a:rPr lang="ko-KR" altLang="en-US" smtClean="0"/>
+              <a:rPr lang="ko-KR" altLang="en-US"/>
               <a:t>다섯째 수준</a:t>
             </a:r>
-            <a:endParaRPr lang="ko-KR" altLang="en-US"/>
           </a:p>
         </p:txBody>
       </p:sp>
@@ -847,7 +1120,7 @@
           <a:p>
             <a:fld id="{FB30EDBD-1C2D-4C1E-B459-B60219FAB484}" type="datetimeFigureOut">
               <a:rPr lang="ko-KR" altLang="en-US" smtClean="0"/>
-              <a:t>2019-04-29</a:t>
+              <a:t>2019-05-08</a:t>
             </a:fld>
             <a:endParaRPr lang="ko-KR" altLang="en-US"/>
           </a:p>
@@ -941,10 +1214,9 @@
           <a:lstStyle/>
           <a:p>
             <a:r>
-              <a:rPr lang="ko-KR" altLang="en-US" smtClean="0"/>
+              <a:rPr lang="ko-KR" altLang="en-US"/>
               <a:t>마스터 제목 스타일 편집</a:t>
             </a:r>
-            <a:endParaRPr lang="ko-KR" altLang="en-US"/>
           </a:p>
         </p:txBody>
       </p:sp>
@@ -970,38 +1242,37 @@
           <a:p>
             <a:pPr lvl="0"/>
             <a:r>
-              <a:rPr lang="ko-KR" altLang="en-US" smtClean="0"/>
+              <a:rPr lang="ko-KR" altLang="en-US"/>
               <a:t>마스터 텍스트 스타일을 편집합니다</a:t>
             </a:r>
           </a:p>
           <a:p>
             <a:pPr lvl="1"/>
             <a:r>
-              <a:rPr lang="ko-KR" altLang="en-US" smtClean="0"/>
+              <a:rPr lang="ko-KR" altLang="en-US"/>
               <a:t>둘째 수준</a:t>
             </a:r>
           </a:p>
           <a:p>
             <a:pPr lvl="2"/>
             <a:r>
-              <a:rPr lang="ko-KR" altLang="en-US" smtClean="0"/>
+              <a:rPr lang="ko-KR" altLang="en-US"/>
               <a:t>셋째 수준</a:t>
             </a:r>
           </a:p>
           <a:p>
             <a:pPr lvl="3"/>
             <a:r>
-              <a:rPr lang="ko-KR" altLang="en-US" smtClean="0"/>
+              <a:rPr lang="ko-KR" altLang="en-US"/>
               <a:t>넷째 수준</a:t>
             </a:r>
           </a:p>
           <a:p>
             <a:pPr lvl="4"/>
             <a:r>
-              <a:rPr lang="ko-KR" altLang="en-US" smtClean="0"/>
+              <a:rPr lang="ko-KR" altLang="en-US"/>
               <a:t>다섯째 수준</a:t>
             </a:r>
-            <a:endParaRPr lang="ko-KR" altLang="en-US"/>
           </a:p>
         </p:txBody>
       </p:sp>
@@ -1022,7 +1293,7 @@
           <a:p>
             <a:fld id="{FB30EDBD-1C2D-4C1E-B459-B60219FAB484}" type="datetimeFigureOut">
               <a:rPr lang="ko-KR" altLang="en-US" smtClean="0"/>
-              <a:t>2019-04-29</a:t>
+              <a:t>2019-05-08</a:t>
             </a:fld>
             <a:endParaRPr lang="ko-KR" altLang="en-US"/>
           </a:p>
@@ -1111,10 +1382,9 @@
           <a:lstStyle/>
           <a:p>
             <a:r>
-              <a:rPr lang="ko-KR" altLang="en-US" smtClean="0"/>
+              <a:rPr lang="ko-KR" altLang="en-US"/>
               <a:t>마스터 제목 스타일 편집</a:t>
             </a:r>
-            <a:endParaRPr lang="ko-KR" altLang="en-US"/>
           </a:p>
         </p:txBody>
       </p:sp>
@@ -1135,38 +1405,37 @@
           <a:p>
             <a:pPr lvl="0"/>
             <a:r>
-              <a:rPr lang="ko-KR" altLang="en-US" smtClean="0"/>
+              <a:rPr lang="ko-KR" altLang="en-US"/>
               <a:t>마스터 텍스트 스타일을 편집합니다</a:t>
             </a:r>
           </a:p>
           <a:p>
             <a:pPr lvl="1"/>
             <a:r>
-              <a:rPr lang="ko-KR" altLang="en-US" smtClean="0"/>
+              <a:rPr lang="ko-KR" altLang="en-US"/>
               <a:t>둘째 수준</a:t>
             </a:r>
           </a:p>
           <a:p>
             <a:pPr lvl="2"/>
             <a:r>
-              <a:rPr lang="ko-KR" altLang="en-US" smtClean="0"/>
+              <a:rPr lang="ko-KR" altLang="en-US"/>
               <a:t>셋째 수준</a:t>
             </a:r>
           </a:p>
           <a:p>
             <a:pPr lvl="3"/>
             <a:r>
-              <a:rPr lang="ko-KR" altLang="en-US" smtClean="0"/>
+              <a:rPr lang="ko-KR" altLang="en-US"/>
               <a:t>넷째 수준</a:t>
             </a:r>
           </a:p>
           <a:p>
             <a:pPr lvl="4"/>
             <a:r>
-              <a:rPr lang="ko-KR" altLang="en-US" smtClean="0"/>
+              <a:rPr lang="ko-KR" altLang="en-US"/>
               <a:t>다섯째 수준</a:t>
             </a:r>
-            <a:endParaRPr lang="ko-KR" altLang="en-US"/>
           </a:p>
         </p:txBody>
       </p:sp>
@@ -1187,7 +1456,7 @@
           <a:p>
             <a:fld id="{FB30EDBD-1C2D-4C1E-B459-B60219FAB484}" type="datetimeFigureOut">
               <a:rPr lang="ko-KR" altLang="en-US" smtClean="0"/>
-              <a:t>2019-04-29</a:t>
+              <a:t>2019-05-08</a:t>
             </a:fld>
             <a:endParaRPr lang="ko-KR" altLang="en-US"/>
           </a:p>
@@ -1285,10 +1554,9 @@
           </a:lstStyle>
           <a:p>
             <a:r>
-              <a:rPr lang="ko-KR" altLang="en-US" smtClean="0"/>
+              <a:rPr lang="ko-KR" altLang="en-US"/>
               <a:t>마스터 제목 스타일 편집</a:t>
             </a:r>
-            <a:endParaRPr lang="ko-KR" altLang="en-US"/>
           </a:p>
         </p:txBody>
       </p:sp>
@@ -1405,7 +1673,7 @@
           <a:p>
             <a:pPr lvl="0"/>
             <a:r>
-              <a:rPr lang="ko-KR" altLang="en-US" smtClean="0"/>
+              <a:rPr lang="ko-KR" altLang="en-US"/>
               <a:t>마스터 텍스트 스타일을 편집합니다</a:t>
             </a:r>
           </a:p>
@@ -1428,7 +1696,7 @@
           <a:p>
             <a:fld id="{FB30EDBD-1C2D-4C1E-B459-B60219FAB484}" type="datetimeFigureOut">
               <a:rPr lang="ko-KR" altLang="en-US" smtClean="0"/>
-              <a:t>2019-04-29</a:t>
+              <a:t>2019-05-08</a:t>
             </a:fld>
             <a:endParaRPr lang="ko-KR" altLang="en-US"/>
           </a:p>
@@ -1517,10 +1785,9 @@
           <a:lstStyle/>
           <a:p>
             <a:r>
-              <a:rPr lang="ko-KR" altLang="en-US" smtClean="0"/>
+              <a:rPr lang="ko-KR" altLang="en-US"/>
               <a:t>마스터 제목 스타일 편집</a:t>
             </a:r>
-            <a:endParaRPr lang="ko-KR" altLang="en-US"/>
           </a:p>
         </p:txBody>
       </p:sp>
@@ -1574,38 +1841,37 @@
           <a:p>
             <a:pPr lvl="0"/>
             <a:r>
-              <a:rPr lang="ko-KR" altLang="en-US" smtClean="0"/>
+              <a:rPr lang="ko-KR" altLang="en-US"/>
               <a:t>마스터 텍스트 스타일을 편집합니다</a:t>
             </a:r>
           </a:p>
           <a:p>
             <a:pPr lvl="1"/>
             <a:r>
-              <a:rPr lang="ko-KR" altLang="en-US" smtClean="0"/>
+              <a:rPr lang="ko-KR" altLang="en-US"/>
               <a:t>둘째 수준</a:t>
             </a:r>
           </a:p>
           <a:p>
             <a:pPr lvl="2"/>
             <a:r>
-              <a:rPr lang="ko-KR" altLang="en-US" smtClean="0"/>
+              <a:rPr lang="ko-KR" altLang="en-US"/>
               <a:t>셋째 수준</a:t>
             </a:r>
           </a:p>
           <a:p>
             <a:pPr lvl="3"/>
             <a:r>
-              <a:rPr lang="ko-KR" altLang="en-US" smtClean="0"/>
+              <a:rPr lang="ko-KR" altLang="en-US"/>
               <a:t>넷째 수준</a:t>
             </a:r>
           </a:p>
           <a:p>
             <a:pPr lvl="4"/>
             <a:r>
-              <a:rPr lang="ko-KR" altLang="en-US" smtClean="0"/>
+              <a:rPr lang="ko-KR" altLang="en-US"/>
               <a:t>다섯째 수준</a:t>
             </a:r>
-            <a:endParaRPr lang="ko-KR" altLang="en-US"/>
           </a:p>
         </p:txBody>
       </p:sp>
@@ -1659,38 +1925,37 @@
           <a:p>
             <a:pPr lvl="0"/>
             <a:r>
-              <a:rPr lang="ko-KR" altLang="en-US" smtClean="0"/>
+              <a:rPr lang="ko-KR" altLang="en-US"/>
               <a:t>마스터 텍스트 스타일을 편집합니다</a:t>
             </a:r>
           </a:p>
           <a:p>
             <a:pPr lvl="1"/>
             <a:r>
-              <a:rPr lang="ko-KR" altLang="en-US" smtClean="0"/>
+              <a:rPr lang="ko-KR" altLang="en-US"/>
               <a:t>둘째 수준</a:t>
             </a:r>
           </a:p>
           <a:p>
             <a:pPr lvl="2"/>
             <a:r>
-              <a:rPr lang="ko-KR" altLang="en-US" smtClean="0"/>
+              <a:rPr lang="ko-KR" altLang="en-US"/>
               <a:t>셋째 수준</a:t>
             </a:r>
           </a:p>
           <a:p>
             <a:pPr lvl="3"/>
             <a:r>
-              <a:rPr lang="ko-KR" altLang="en-US" smtClean="0"/>
+              <a:rPr lang="ko-KR" altLang="en-US"/>
               <a:t>넷째 수준</a:t>
             </a:r>
           </a:p>
           <a:p>
             <a:pPr lvl="4"/>
             <a:r>
-              <a:rPr lang="ko-KR" altLang="en-US" smtClean="0"/>
+              <a:rPr lang="ko-KR" altLang="en-US"/>
               <a:t>다섯째 수준</a:t>
             </a:r>
-            <a:endParaRPr lang="ko-KR" altLang="en-US"/>
           </a:p>
         </p:txBody>
       </p:sp>
@@ -1711,7 +1976,7 @@
           <a:p>
             <a:fld id="{FB30EDBD-1C2D-4C1E-B459-B60219FAB484}" type="datetimeFigureOut">
               <a:rPr lang="ko-KR" altLang="en-US" smtClean="0"/>
-              <a:t>2019-04-29</a:t>
+              <a:t>2019-05-08</a:t>
             </a:fld>
             <a:endParaRPr lang="ko-KR" altLang="en-US"/>
           </a:p>
@@ -1804,10 +2069,9 @@
           </a:lstStyle>
           <a:p>
             <a:r>
-              <a:rPr lang="ko-KR" altLang="en-US" smtClean="0"/>
+              <a:rPr lang="ko-KR" altLang="en-US"/>
               <a:t>마스터 제목 스타일 편집</a:t>
             </a:r>
-            <a:endParaRPr lang="ko-KR" altLang="en-US"/>
           </a:p>
         </p:txBody>
       </p:sp>
@@ -1870,7 +2134,7 @@
           <a:p>
             <a:pPr lvl="0"/>
             <a:r>
-              <a:rPr lang="ko-KR" altLang="en-US" smtClean="0"/>
+              <a:rPr lang="ko-KR" altLang="en-US"/>
               <a:t>마스터 텍스트 스타일을 편집합니다</a:t>
             </a:r>
           </a:p>
@@ -1926,38 +2190,37 @@
           <a:p>
             <a:pPr lvl="0"/>
             <a:r>
-              <a:rPr lang="ko-KR" altLang="en-US" smtClean="0"/>
+              <a:rPr lang="ko-KR" altLang="en-US"/>
               <a:t>마스터 텍스트 스타일을 편집합니다</a:t>
             </a:r>
           </a:p>
           <a:p>
             <a:pPr lvl="1"/>
             <a:r>
-              <a:rPr lang="ko-KR" altLang="en-US" smtClean="0"/>
+              <a:rPr lang="ko-KR" altLang="en-US"/>
               <a:t>둘째 수준</a:t>
             </a:r>
           </a:p>
           <a:p>
             <a:pPr lvl="2"/>
             <a:r>
-              <a:rPr lang="ko-KR" altLang="en-US" smtClean="0"/>
+              <a:rPr lang="ko-KR" altLang="en-US"/>
               <a:t>셋째 수준</a:t>
             </a:r>
           </a:p>
           <a:p>
             <a:pPr lvl="3"/>
             <a:r>
-              <a:rPr lang="ko-KR" altLang="en-US" smtClean="0"/>
+              <a:rPr lang="ko-KR" altLang="en-US"/>
               <a:t>넷째 수준</a:t>
             </a:r>
           </a:p>
           <a:p>
             <a:pPr lvl="4"/>
             <a:r>
-              <a:rPr lang="ko-KR" altLang="en-US" smtClean="0"/>
+              <a:rPr lang="ko-KR" altLang="en-US"/>
               <a:t>다섯째 수준</a:t>
             </a:r>
-            <a:endParaRPr lang="ko-KR" altLang="en-US"/>
           </a:p>
         </p:txBody>
       </p:sp>
@@ -2020,7 +2283,7 @@
           <a:p>
             <a:pPr lvl="0"/>
             <a:r>
-              <a:rPr lang="ko-KR" altLang="en-US" smtClean="0"/>
+              <a:rPr lang="ko-KR" altLang="en-US"/>
               <a:t>마스터 텍스트 스타일을 편집합니다</a:t>
             </a:r>
           </a:p>
@@ -2076,38 +2339,37 @@
           <a:p>
             <a:pPr lvl="0"/>
             <a:r>
-              <a:rPr lang="ko-KR" altLang="en-US" smtClean="0"/>
+              <a:rPr lang="ko-KR" altLang="en-US"/>
               <a:t>마스터 텍스트 스타일을 편집합니다</a:t>
             </a:r>
           </a:p>
           <a:p>
             <a:pPr lvl="1"/>
             <a:r>
-              <a:rPr lang="ko-KR" altLang="en-US" smtClean="0"/>
+              <a:rPr lang="ko-KR" altLang="en-US"/>
               <a:t>둘째 수준</a:t>
             </a:r>
           </a:p>
           <a:p>
             <a:pPr lvl="2"/>
             <a:r>
-              <a:rPr lang="ko-KR" altLang="en-US" smtClean="0"/>
+              <a:rPr lang="ko-KR" altLang="en-US"/>
               <a:t>셋째 수준</a:t>
             </a:r>
           </a:p>
           <a:p>
             <a:pPr lvl="3"/>
             <a:r>
-              <a:rPr lang="ko-KR" altLang="en-US" smtClean="0"/>
+              <a:rPr lang="ko-KR" altLang="en-US"/>
               <a:t>넷째 수준</a:t>
             </a:r>
           </a:p>
           <a:p>
             <a:pPr lvl="4"/>
             <a:r>
-              <a:rPr lang="ko-KR" altLang="en-US" smtClean="0"/>
+              <a:rPr lang="ko-KR" altLang="en-US"/>
               <a:t>다섯째 수준</a:t>
             </a:r>
-            <a:endParaRPr lang="ko-KR" altLang="en-US"/>
           </a:p>
         </p:txBody>
       </p:sp>
@@ -2128,7 +2390,7 @@
           <a:p>
             <a:fld id="{FB30EDBD-1C2D-4C1E-B459-B60219FAB484}" type="datetimeFigureOut">
               <a:rPr lang="ko-KR" altLang="en-US" smtClean="0"/>
-              <a:t>2019-04-29</a:t>
+              <a:t>2019-05-08</a:t>
             </a:fld>
             <a:endParaRPr lang="ko-KR" altLang="en-US"/>
           </a:p>
@@ -2217,10 +2479,9 @@
           <a:lstStyle/>
           <a:p>
             <a:r>
-              <a:rPr lang="ko-KR" altLang="en-US" smtClean="0"/>
+              <a:rPr lang="ko-KR" altLang="en-US"/>
               <a:t>마스터 제목 스타일 편집</a:t>
             </a:r>
-            <a:endParaRPr lang="ko-KR" altLang="en-US"/>
           </a:p>
         </p:txBody>
       </p:sp>
@@ -2241,7 +2502,7 @@
           <a:p>
             <a:fld id="{FB30EDBD-1C2D-4C1E-B459-B60219FAB484}" type="datetimeFigureOut">
               <a:rPr lang="ko-KR" altLang="en-US" smtClean="0"/>
-              <a:t>2019-04-29</a:t>
+              <a:t>2019-05-08</a:t>
             </a:fld>
             <a:endParaRPr lang="ko-KR" altLang="en-US"/>
           </a:p>
@@ -2331,7 +2592,7 @@
           <a:p>
             <a:fld id="{FB30EDBD-1C2D-4C1E-B459-B60219FAB484}" type="datetimeFigureOut">
               <a:rPr lang="ko-KR" altLang="en-US" smtClean="0"/>
-              <a:t>2019-04-29</a:t>
+              <a:t>2019-05-08</a:t>
             </a:fld>
             <a:endParaRPr lang="ko-KR" altLang="en-US"/>
           </a:p>
@@ -2429,10 +2690,9 @@
           </a:lstStyle>
           <a:p>
             <a:r>
-              <a:rPr lang="ko-KR" altLang="en-US" smtClean="0"/>
+              <a:rPr lang="ko-KR" altLang="en-US"/>
               <a:t>마스터 제목 스타일 편집</a:t>
             </a:r>
-            <a:endParaRPr lang="ko-KR" altLang="en-US"/>
           </a:p>
         </p:txBody>
       </p:sp>
@@ -2486,38 +2746,37 @@
           <a:p>
             <a:pPr lvl="0"/>
             <a:r>
-              <a:rPr lang="ko-KR" altLang="en-US" smtClean="0"/>
+              <a:rPr lang="ko-KR" altLang="en-US"/>
               <a:t>마스터 텍스트 스타일을 편집합니다</a:t>
             </a:r>
           </a:p>
           <a:p>
             <a:pPr lvl="1"/>
             <a:r>
-              <a:rPr lang="ko-KR" altLang="en-US" smtClean="0"/>
+              <a:rPr lang="ko-KR" altLang="en-US"/>
               <a:t>둘째 수준</a:t>
             </a:r>
           </a:p>
           <a:p>
             <a:pPr lvl="2"/>
             <a:r>
-              <a:rPr lang="ko-KR" altLang="en-US" smtClean="0"/>
+              <a:rPr lang="ko-KR" altLang="en-US"/>
               <a:t>셋째 수준</a:t>
             </a:r>
           </a:p>
           <a:p>
             <a:pPr lvl="3"/>
             <a:r>
-              <a:rPr lang="ko-KR" altLang="en-US" smtClean="0"/>
+              <a:rPr lang="ko-KR" altLang="en-US"/>
               <a:t>넷째 수준</a:t>
             </a:r>
           </a:p>
           <a:p>
             <a:pPr lvl="4"/>
             <a:r>
-              <a:rPr lang="ko-KR" altLang="en-US" smtClean="0"/>
+              <a:rPr lang="ko-KR" altLang="en-US"/>
               <a:t>다섯째 수준</a:t>
             </a:r>
-            <a:endParaRPr lang="ko-KR" altLang="en-US"/>
           </a:p>
         </p:txBody>
       </p:sp>
@@ -2580,7 +2839,7 @@
           <a:p>
             <a:pPr lvl="0"/>
             <a:r>
-              <a:rPr lang="ko-KR" altLang="en-US" smtClean="0"/>
+              <a:rPr lang="ko-KR" altLang="en-US"/>
               <a:t>마스터 텍스트 스타일을 편집합니다</a:t>
             </a:r>
           </a:p>
@@ -2603,7 +2862,7 @@
           <a:p>
             <a:fld id="{FB30EDBD-1C2D-4C1E-B459-B60219FAB484}" type="datetimeFigureOut">
               <a:rPr lang="ko-KR" altLang="en-US" smtClean="0"/>
-              <a:t>2019-04-29</a:t>
+              <a:t>2019-05-08</a:t>
             </a:fld>
             <a:endParaRPr lang="ko-KR" altLang="en-US"/>
           </a:p>
@@ -2701,10 +2960,9 @@
           </a:lstStyle>
           <a:p>
             <a:r>
-              <a:rPr lang="ko-KR" altLang="en-US" smtClean="0"/>
+              <a:rPr lang="ko-KR" altLang="en-US"/>
               <a:t>마스터 제목 스타일 편집</a:t>
             </a:r>
-            <a:endParaRPr lang="ko-KR" altLang="en-US"/>
           </a:p>
         </p:txBody>
       </p:sp>
@@ -2828,7 +3086,7 @@
           <a:p>
             <a:pPr lvl="0"/>
             <a:r>
-              <a:rPr lang="ko-KR" altLang="en-US" smtClean="0"/>
+              <a:rPr lang="ko-KR" altLang="en-US"/>
               <a:t>마스터 텍스트 스타일을 편집합니다</a:t>
             </a:r>
           </a:p>
@@ -2851,7 +3109,7 @@
           <a:p>
             <a:fld id="{FB30EDBD-1C2D-4C1E-B459-B60219FAB484}" type="datetimeFigureOut">
               <a:rPr lang="ko-KR" altLang="en-US" smtClean="0"/>
-              <a:t>2019-04-29</a:t>
+              <a:t>2019-05-08</a:t>
             </a:fld>
             <a:endParaRPr lang="ko-KR" altLang="en-US"/>
           </a:p>
@@ -2955,10 +3213,9 @@
           <a:lstStyle/>
           <a:p>
             <a:r>
-              <a:rPr lang="ko-KR" altLang="en-US" smtClean="0"/>
+              <a:rPr lang="ko-KR" altLang="en-US"/>
               <a:t>마스터 제목 스타일 편집</a:t>
             </a:r>
-            <a:endParaRPr lang="ko-KR" altLang="en-US"/>
           </a:p>
         </p:txBody>
       </p:sp>
@@ -2989,38 +3246,37 @@
           <a:p>
             <a:pPr lvl="0"/>
             <a:r>
-              <a:rPr lang="ko-KR" altLang="en-US" smtClean="0"/>
+              <a:rPr lang="ko-KR" altLang="en-US"/>
               <a:t>마스터 텍스트 스타일을 편집합니다</a:t>
             </a:r>
           </a:p>
           <a:p>
             <a:pPr lvl="1"/>
             <a:r>
-              <a:rPr lang="ko-KR" altLang="en-US" smtClean="0"/>
+              <a:rPr lang="ko-KR" altLang="en-US"/>
               <a:t>둘째 수준</a:t>
             </a:r>
           </a:p>
           <a:p>
             <a:pPr lvl="2"/>
             <a:r>
-              <a:rPr lang="ko-KR" altLang="en-US" smtClean="0"/>
+              <a:rPr lang="ko-KR" altLang="en-US"/>
               <a:t>셋째 수준</a:t>
             </a:r>
           </a:p>
           <a:p>
             <a:pPr lvl="3"/>
             <a:r>
-              <a:rPr lang="ko-KR" altLang="en-US" smtClean="0"/>
+              <a:rPr lang="ko-KR" altLang="en-US"/>
               <a:t>넷째 수준</a:t>
             </a:r>
           </a:p>
           <a:p>
             <a:pPr lvl="4"/>
             <a:r>
-              <a:rPr lang="ko-KR" altLang="en-US" smtClean="0"/>
+              <a:rPr lang="ko-KR" altLang="en-US"/>
               <a:t>다섯째 수준</a:t>
             </a:r>
-            <a:endParaRPr lang="ko-KR" altLang="en-US"/>
           </a:p>
         </p:txBody>
       </p:sp>
@@ -3059,7 +3315,7 @@
           <a:p>
             <a:fld id="{FB30EDBD-1C2D-4C1E-B459-B60219FAB484}" type="datetimeFigureOut">
               <a:rPr lang="ko-KR" altLang="en-US" smtClean="0"/>
-              <a:t>2019-04-29</a:t>
+              <a:t>2019-05-08</a:t>
             </a:fld>
             <a:endParaRPr lang="ko-KR" altLang="en-US"/>
           </a:p>
@@ -3445,8 +3701,8 @@
           <a:lstStyle/>
           <a:p>
             <a:r>
-              <a:rPr lang="ko-KR" altLang="en-US" dirty="0" smtClean="0"/>
-              <a:t>전공특강</a:t>
+              <a:rPr lang="ko-KR" altLang="en-US"/>
+              <a:t>셰이더프로그래밍</a:t>
             </a:r>
             <a:endParaRPr lang="ko-KR" altLang="en-US" dirty="0"/>
           </a:p>
@@ -3468,18 +3724,14 @@
           <a:lstStyle/>
           <a:p>
             <a:r>
-              <a:rPr lang="en-US" altLang="ko-KR" dirty="0" smtClean="0"/>
+              <a:rPr lang="en-US" altLang="ko-KR" dirty="0"/>
               <a:t>Lecture 7</a:t>
             </a:r>
           </a:p>
           <a:p>
             <a:r>
-              <a:rPr lang="ko-KR" altLang="en-US" dirty="0" err="1" smtClean="0"/>
-              <a:t>이택</a:t>
-            </a:r>
-            <a:r>
               <a:rPr lang="ko-KR" altLang="en-US" dirty="0" err="1"/>
-              <a:t>희</a:t>
+              <a:t>이택희</a:t>
             </a:r>
             <a:endParaRPr lang="ko-KR" altLang="en-US" dirty="0"/>
           </a:p>
@@ -3569,10 +3821,9 @@
           <a:lstStyle/>
           <a:p>
             <a:r>
-              <a:rPr lang="ko-KR" altLang="en-US" dirty="0" smtClean="0"/>
+              <a:rPr lang="ko-KR" altLang="en-US" dirty="0"/>
               <a:t>실험 데이터 준비</a:t>
             </a:r>
-            <a:endParaRPr lang="ko-KR" altLang="en-US" dirty="0"/>
           </a:p>
         </p:txBody>
       </p:sp>
@@ -3716,39 +3967,7 @@
                   <a:srgbClr val="0066FF"/>
                 </a:solidFill>
               </a:rPr>
-              <a:t>0.5f</a:t>
-            </a:r>
-            <a:r>
-              <a:rPr lang="en-US" altLang="ko-KR" dirty="0">
-                <a:solidFill>
-                  <a:srgbClr val="0066FF"/>
-                </a:solidFill>
-              </a:rPr>
-              <a:t>, </a:t>
-            </a:r>
-            <a:r>
-              <a:rPr lang="en-US" altLang="ko-KR" dirty="0">
-                <a:solidFill>
-                  <a:srgbClr val="0066FF"/>
-                </a:solidFill>
-              </a:rPr>
-              <a:t>0.5f</a:t>
-            </a:r>
-            <a:r>
-              <a:rPr lang="en-US" altLang="ko-KR" dirty="0">
-                <a:solidFill>
-                  <a:srgbClr val="0066FF"/>
-                </a:solidFill>
-              </a:rPr>
-              <a:t>, </a:t>
-            </a:r>
-            <a:r>
-              <a:rPr lang="en-US" altLang="ko-KR" dirty="0">
-                <a:solidFill>
-                  <a:srgbClr val="0066FF"/>
-                </a:solidFill>
-              </a:rPr>
-              <a:t>0.0f, 1.0f, 1.0f</a:t>
+              <a:t>0.5f, 0.5f, 0.0f, 1.0f, 1.0f</a:t>
             </a:r>
             <a:r>
               <a:rPr lang="en-US" altLang="ko-KR" dirty="0"/>
@@ -3763,51 +3982,7 @@
                   </a:schemeClr>
                 </a:solidFill>
               </a:rPr>
-              <a:t>-0.5f</a:t>
-            </a:r>
-            <a:r>
-              <a:rPr lang="en-US" altLang="ko-KR" dirty="0">
-                <a:solidFill>
-                  <a:schemeClr val="tx1">
-                    <a:lumMod val="95000"/>
-                    <a:lumOff val="5000"/>
-                  </a:schemeClr>
-                </a:solidFill>
-              </a:rPr>
-              <a:t>, </a:t>
-            </a:r>
-            <a:r>
-              <a:rPr lang="en-US" altLang="ko-KR" dirty="0">
-                <a:solidFill>
-                  <a:schemeClr val="tx1">
-                    <a:lumMod val="95000"/>
-                    <a:lumOff val="5000"/>
-                  </a:schemeClr>
-                </a:solidFill>
-              </a:rPr>
-              <a:t>-0.5f</a:t>
-            </a:r>
-            <a:r>
-              <a:rPr lang="en-US" altLang="ko-KR" dirty="0">
-                <a:solidFill>
-                  <a:schemeClr val="tx1">
-                    <a:lumMod val="95000"/>
-                    <a:lumOff val="5000"/>
-                  </a:schemeClr>
-                </a:solidFill>
-              </a:rPr>
-              <a:t>, </a:t>
-            </a:r>
-            <a:r>
-              <a:rPr lang="en-US" altLang="ko-KR" dirty="0">
-                <a:solidFill>
-                  <a:schemeClr val="tx1">
-                    <a:lumMod val="95000"/>
-                    <a:lumOff val="5000"/>
-                  </a:schemeClr>
-                </a:solidFill>
-              </a:rPr>
-              <a:t>0.0f, 0.0f, 0.0f</a:t>
+              <a:t>-0.5f, -0.5f, 0.0f, 0.0f, 0.0f</a:t>
             </a:r>
             <a:r>
               <a:rPr lang="en-US" altLang="ko-KR" dirty="0"/>
@@ -3819,39 +3994,7 @@
                   <a:srgbClr val="CC0099"/>
                 </a:solidFill>
               </a:rPr>
-              <a:t>0.5f</a:t>
-            </a:r>
-            <a:r>
-              <a:rPr lang="en-US" altLang="ko-KR" dirty="0">
-                <a:solidFill>
-                  <a:srgbClr val="CC0099"/>
-                </a:solidFill>
-              </a:rPr>
-              <a:t>, </a:t>
-            </a:r>
-            <a:r>
-              <a:rPr lang="en-US" altLang="ko-KR" dirty="0">
-                <a:solidFill>
-                  <a:srgbClr val="CC0099"/>
-                </a:solidFill>
-              </a:rPr>
-              <a:t>-0.5f</a:t>
-            </a:r>
-            <a:r>
-              <a:rPr lang="en-US" altLang="ko-KR" dirty="0">
-                <a:solidFill>
-                  <a:srgbClr val="CC0099"/>
-                </a:solidFill>
-              </a:rPr>
-              <a:t>, </a:t>
-            </a:r>
-            <a:r>
-              <a:rPr lang="en-US" altLang="ko-KR" dirty="0">
-                <a:solidFill>
-                  <a:srgbClr val="CC0099"/>
-                </a:solidFill>
-              </a:rPr>
-              <a:t>0.0f, 1.0f, 0.0f </a:t>
+              <a:t>0.5f, -0.5f, 0.0f, 1.0f, 0.0f </a:t>
             </a:r>
           </a:p>
           <a:p>
@@ -4177,15 +4320,7 @@
                   <a:srgbClr val="FF0000"/>
                 </a:solidFill>
               </a:rPr>
-              <a:t>-0.5f, 0.5f, 0.0f, </a:t>
-            </a:r>
-            <a:r>
-              <a:rPr lang="en-US" altLang="ko-KR" sz="1200" dirty="0">
-                <a:solidFill>
-                  <a:srgbClr val="FF0000"/>
-                </a:solidFill>
-              </a:rPr>
-              <a:t>0.0f, 1.f</a:t>
+              <a:t>-0.5f, 0.5f, 0.0f, 0.0f, 1.f</a:t>
             </a:r>
             <a:endParaRPr lang="ko-KR" altLang="en-US" sz="1200" dirty="0"/>
           </a:p>
@@ -4218,15 +4353,7 @@
                   <a:srgbClr val="3333CC"/>
                 </a:solidFill>
               </a:rPr>
-              <a:t>-0.5f, -0.5f, 0.0f, </a:t>
-            </a:r>
-            <a:r>
-              <a:rPr lang="en-US" altLang="ko-KR" sz="1200" dirty="0">
-                <a:solidFill>
-                  <a:srgbClr val="3333CC"/>
-                </a:solidFill>
-              </a:rPr>
-              <a:t>0.0f, 0.0f</a:t>
+              <a:t>-0.5f, -0.5f, 0.0f, 0.0f, 0.0f</a:t>
             </a:r>
             <a:endParaRPr lang="ko-KR" altLang="en-US" sz="1200" dirty="0"/>
           </a:p>
@@ -4261,17 +4388,7 @@
                   </a:schemeClr>
                 </a:solidFill>
               </a:rPr>
-              <a:t>0.5f, 0.5f, 0.0f, </a:t>
-            </a:r>
-            <a:r>
-              <a:rPr lang="en-US" altLang="ko-KR" sz="1200" dirty="0">
-                <a:solidFill>
-                  <a:schemeClr val="accent3">
-                    <a:lumMod val="50000"/>
-                  </a:schemeClr>
-                </a:solidFill>
-              </a:rPr>
-              <a:t>1.0f, 1.0f</a:t>
+              <a:t>0.5f, 0.5f, 0.0f, 1.0f, 1.0f</a:t>
             </a:r>
             <a:endParaRPr lang="ko-KR" altLang="en-US" sz="1200" dirty="0"/>
           </a:p>
@@ -4304,15 +4421,7 @@
                   <a:srgbClr val="0066FF"/>
                 </a:solidFill>
               </a:rPr>
-              <a:t>0.5f, 0.5f, 0.0f, </a:t>
-            </a:r>
-            <a:r>
-              <a:rPr lang="en-US" altLang="ko-KR" sz="1200" dirty="0">
-                <a:solidFill>
-                  <a:srgbClr val="0066FF"/>
-                </a:solidFill>
-              </a:rPr>
-              <a:t>1.0f, 1.0f</a:t>
+              <a:t>0.5f, 0.5f, 0.0f, 1.0f, 1.0f</a:t>
             </a:r>
             <a:endParaRPr lang="ko-KR" altLang="en-US" sz="1200" dirty="0"/>
           </a:p>
@@ -4348,18 +4457,7 @@
                   </a:schemeClr>
                 </a:solidFill>
               </a:rPr>
-              <a:t>-0.5f, -0.5f, 0.0f, </a:t>
-            </a:r>
-            <a:r>
-              <a:rPr lang="en-US" altLang="ko-KR" sz="1200" dirty="0">
-                <a:solidFill>
-                  <a:schemeClr val="tx1">
-                    <a:lumMod val="95000"/>
-                    <a:lumOff val="5000"/>
-                  </a:schemeClr>
-                </a:solidFill>
-              </a:rPr>
-              <a:t>0.0f, 0.0f</a:t>
+              <a:t>-0.5f, -0.5f, 0.0f, 0.0f, 0.0f</a:t>
             </a:r>
             <a:endParaRPr lang="ko-KR" altLang="en-US" sz="1200" dirty="0"/>
           </a:p>
@@ -4392,15 +4490,7 @@
                   <a:srgbClr val="CC0099"/>
                 </a:solidFill>
               </a:rPr>
-              <a:t>0.5f, -0.5f, 0.0f, </a:t>
-            </a:r>
-            <a:r>
-              <a:rPr lang="en-US" altLang="ko-KR" sz="1200" dirty="0">
-                <a:solidFill>
-                  <a:srgbClr val="CC0099"/>
-                </a:solidFill>
-              </a:rPr>
-              <a:t>1.0f, 0.0f </a:t>
+              <a:t>0.5f, -0.5f, 0.0f, 1.0f, 0.0f </a:t>
             </a:r>
             <a:endParaRPr lang="ko-KR" altLang="en-US" sz="1200" dirty="0"/>
           </a:p>
@@ -4416,13 +4506,6 @@
   <p:clrMapOvr>
     <a:masterClrMapping/>
   </p:clrMapOvr>
-  <p:timing>
-    <p:tnLst>
-      <p:par>
-        <p:cTn id="1" dur="indefinite" restart="never" nodeType="tmRoot"/>
-      </p:par>
-    </p:tnLst>
-  </p:timing>
 </p:sld>
 </file>
 
@@ -4567,7 +4650,17 @@
           <a:p>
             <a:r>
               <a:rPr lang="en-US" altLang="ko-KR" sz="1600" dirty="0"/>
-              <a:t>in vec3 Position</a:t>
+              <a:t>in vec3 Position;</a:t>
+            </a:r>
+          </a:p>
+          <a:p>
+            <a:r>
+              <a:rPr lang="en-US" altLang="ko-KR" sz="1600" dirty="0"/>
+              <a:t>in vec2 </a:t>
+            </a:r>
+            <a:r>
+              <a:rPr lang="en-US" altLang="ko-KR" sz="1600" dirty="0" err="1"/>
+              <a:t>TexPos</a:t>
             </a:r>
             <a:r>
               <a:rPr lang="en-US" altLang="ko-KR" sz="1600" dirty="0"/>
@@ -4575,17 +4668,16 @@
             </a:r>
           </a:p>
           <a:p>
+            <a:endParaRPr lang="en-US" altLang="ko-KR" sz="1600" dirty="0"/>
+          </a:p>
+          <a:p>
             <a:r>
               <a:rPr lang="en-US" altLang="ko-KR" sz="1600" dirty="0"/>
-              <a:t>i</a:t>
-            </a:r>
-            <a:r>
-              <a:rPr lang="en-US" altLang="ko-KR" sz="1600" dirty="0"/>
-              <a:t>n vec2 </a:t>
+              <a:t>out vec2 </a:t>
             </a:r>
             <a:r>
               <a:rPr lang="en-US" altLang="ko-KR" sz="1600" dirty="0" err="1"/>
-              <a:t>TexPos</a:t>
+              <a:t>vTexPos</a:t>
             </a:r>
             <a:r>
               <a:rPr lang="en-US" altLang="ko-KR" sz="1600" dirty="0"/>
@@ -4593,24 +4685,6 @@
             </a:r>
           </a:p>
           <a:p>
-            <a:endParaRPr lang="en-US" altLang="ko-KR" sz="1600" dirty="0"/>
-          </a:p>
-          <a:p>
-            <a:r>
-              <a:rPr lang="en-US" altLang="ko-KR" sz="1600" dirty="0"/>
-              <a:t>out vec2 </a:t>
-            </a:r>
-            <a:r>
-              <a:rPr lang="en-US" altLang="ko-KR" sz="1600" dirty="0" err="1"/>
-              <a:t>vTexPos</a:t>
-            </a:r>
-            <a:r>
-              <a:rPr lang="en-US" altLang="ko-KR" sz="1600" dirty="0"/>
-              <a:t>;</a:t>
-            </a:r>
-            <a:endParaRPr lang="en-US" altLang="ko-KR" sz="1600" dirty="0"/>
-          </a:p>
-          <a:p>
             <a:endParaRPr lang="ko-KR" altLang="en-US" sz="1600" dirty="0"/>
           </a:p>
           <a:p>
@@ -4636,21 +4710,13 @@
             </a:r>
             <a:r>
               <a:rPr lang="en-US" altLang="ko-KR" sz="1600" dirty="0"/>
-              <a:t> = vec4(Position, 1.0</a:t>
-            </a:r>
+              <a:t> = vec4(Position, 1.0);</a:t>
+            </a:r>
+          </a:p>
+          <a:p>
             <a:r>
               <a:rPr lang="en-US" altLang="ko-KR" sz="1600" dirty="0"/>
-              <a:t>);</a:t>
-            </a:r>
-          </a:p>
-          <a:p>
-            <a:r>
-              <a:rPr lang="en-US" altLang="ko-KR" sz="1600" dirty="0"/>
-              <a:t> </a:t>
-            </a:r>
-            <a:r>
-              <a:rPr lang="en-US" altLang="ko-KR" sz="1600" dirty="0"/>
-              <a:t>   </a:t>
+              <a:t>    </a:t>
             </a:r>
             <a:r>
               <a:rPr lang="en-US" altLang="ko-KR" sz="1600" dirty="0" err="1"/>
@@ -4771,11 +4837,7 @@
           <a:p>
             <a:r>
               <a:rPr lang="en-US" altLang="ko-KR" sz="1600" dirty="0"/>
-              <a:t>#version </a:t>
-            </a:r>
-            <a:r>
-              <a:rPr lang="en-US" altLang="ko-KR" sz="1600" dirty="0"/>
-              <a:t>330</a:t>
+              <a:t>#version 330</a:t>
             </a:r>
           </a:p>
           <a:p>
@@ -4893,13 +4955,6 @@
   <p:clrMapOvr>
     <a:masterClrMapping/>
   </p:clrMapOvr>
-  <p:timing>
-    <p:tnLst>
-      <p:par>
-        <p:cTn id="1" dur="indefinite" restart="never" nodeType="tmRoot"/>
-      </p:par>
-    </p:tnLst>
-  </p:timing>
 </p:sld>
 </file>
 
@@ -5022,7 +5077,17 @@
           <a:p>
             <a:r>
               <a:rPr lang="en-US" altLang="ko-KR" sz="1600" dirty="0"/>
-              <a:t>in vec3 Position</a:t>
+              <a:t>in vec3 Position;</a:t>
+            </a:r>
+          </a:p>
+          <a:p>
+            <a:r>
+              <a:rPr lang="en-US" altLang="ko-KR" sz="1600" dirty="0"/>
+              <a:t>in vec2 </a:t>
+            </a:r>
+            <a:r>
+              <a:rPr lang="en-US" altLang="ko-KR" sz="1600" dirty="0" err="1"/>
+              <a:t>TexPos</a:t>
             </a:r>
             <a:r>
               <a:rPr lang="en-US" altLang="ko-KR" sz="1600" dirty="0"/>
@@ -5030,17 +5095,16 @@
             </a:r>
           </a:p>
           <a:p>
+            <a:endParaRPr lang="en-US" altLang="ko-KR" sz="1600" dirty="0"/>
+          </a:p>
+          <a:p>
             <a:r>
               <a:rPr lang="en-US" altLang="ko-KR" sz="1600" dirty="0"/>
-              <a:t>i</a:t>
-            </a:r>
-            <a:r>
-              <a:rPr lang="en-US" altLang="ko-KR" sz="1600" dirty="0"/>
-              <a:t>n vec2 </a:t>
+              <a:t>out vec2 </a:t>
             </a:r>
             <a:r>
               <a:rPr lang="en-US" altLang="ko-KR" sz="1600" dirty="0" err="1"/>
-              <a:t>TexPos</a:t>
+              <a:t>vTexPos</a:t>
             </a:r>
             <a:r>
               <a:rPr lang="en-US" altLang="ko-KR" sz="1600" dirty="0"/>
@@ -5048,24 +5112,6 @@
             </a:r>
           </a:p>
           <a:p>
-            <a:endParaRPr lang="en-US" altLang="ko-KR" sz="1600" dirty="0"/>
-          </a:p>
-          <a:p>
-            <a:r>
-              <a:rPr lang="en-US" altLang="ko-KR" sz="1600" dirty="0"/>
-              <a:t>out vec2 </a:t>
-            </a:r>
-            <a:r>
-              <a:rPr lang="en-US" altLang="ko-KR" sz="1600" dirty="0" err="1"/>
-              <a:t>vTexPos</a:t>
-            </a:r>
-            <a:r>
-              <a:rPr lang="en-US" altLang="ko-KR" sz="1600" dirty="0"/>
-              <a:t>;</a:t>
-            </a:r>
-            <a:endParaRPr lang="en-US" altLang="ko-KR" sz="1600" dirty="0"/>
-          </a:p>
-          <a:p>
             <a:endParaRPr lang="ko-KR" altLang="en-US" sz="1600" dirty="0"/>
           </a:p>
           <a:p>
@@ -5091,21 +5137,13 @@
             </a:r>
             <a:r>
               <a:rPr lang="en-US" altLang="ko-KR" sz="1600" dirty="0"/>
-              <a:t> = vec4(Position, 1.0</a:t>
-            </a:r>
+              <a:t> = vec4(Position, 1.0);</a:t>
+            </a:r>
+          </a:p>
+          <a:p>
             <a:r>
               <a:rPr lang="en-US" altLang="ko-KR" sz="1600" dirty="0"/>
-              <a:t>);</a:t>
-            </a:r>
-          </a:p>
-          <a:p>
-            <a:r>
-              <a:rPr lang="en-US" altLang="ko-KR" sz="1600" dirty="0"/>
-              <a:t> </a:t>
-            </a:r>
-            <a:r>
-              <a:rPr lang="en-US" altLang="ko-KR" sz="1600" dirty="0"/>
-              <a:t>   </a:t>
+              <a:t>    </a:t>
             </a:r>
             <a:r>
               <a:rPr lang="en-US" altLang="ko-KR" sz="1600" dirty="0" err="1"/>
@@ -5360,13 +5398,6 @@
   <p:clrMapOvr>
     <a:masterClrMapping/>
   </p:clrMapOvr>
-  <p:timing>
-    <p:tnLst>
-      <p:par>
-        <p:cTn id="1" dur="indefinite" restart="never" nodeType="tmRoot"/>
-      </p:par>
-    </p:tnLst>
-  </p:timing>
 </p:sld>
 </file>
 
@@ -5441,15 +5472,7 @@
             </a:r>
             <a:r>
               <a:rPr lang="en-US" altLang="ko-KR" dirty="0"/>
-              <a:t>[30</a:t>
-            </a:r>
-            <a:r>
-              <a:rPr lang="en-US" altLang="ko-KR" dirty="0"/>
-              <a:t>] </a:t>
-            </a:r>
-            <a:r>
-              <a:rPr lang="en-US" altLang="ko-KR" dirty="0"/>
-              <a:t>= </a:t>
+              <a:t>[30] = </a:t>
             </a:r>
           </a:p>
           <a:p>
@@ -5619,11 +5642,7 @@
             </a:r>
             <a:r>
               <a:rPr lang="en-US" altLang="ko-KR" dirty="0"/>
-              <a:t>, </a:t>
-            </a:r>
-            <a:r>
-              <a:rPr lang="en-US" altLang="ko-KR" dirty="0"/>
-              <a:t>GL_STATIC_DRAW);</a:t>
+              <a:t>, GL_STATIC_DRAW);</a:t>
             </a:r>
           </a:p>
         </p:txBody>
@@ -5672,13 +5691,6 @@
   <p:clrMapOvr>
     <a:masterClrMapping/>
   </p:clrMapOvr>
-  <p:timing>
-    <p:tnLst>
-      <p:par>
-        <p:cTn id="1" dur="indefinite" restart="never" nodeType="tmRoot"/>
-      </p:par>
-    </p:tnLst>
-  </p:timing>
 </p:sld>
 </file>
 
@@ -5836,11 +5848,7 @@
             </a:r>
             <a:r>
               <a:rPr lang="en-US" altLang="ko-KR" sz="1200" dirty="0"/>
-              <a:t>(1, </a:t>
-            </a:r>
-            <a:r>
-              <a:rPr lang="en-US" altLang="ko-KR" sz="1200" dirty="0"/>
-              <a:t>&amp;</a:t>
+              <a:t>(1, &amp;</a:t>
             </a:r>
             <a:r>
               <a:rPr lang="en-US" altLang="ko-KR" sz="1200" dirty="0" err="1"/>
@@ -5890,11 +5898,7 @@
             </a:r>
             <a:r>
               <a:rPr lang="en-US" altLang="ko-KR" sz="1200" dirty="0"/>
-              <a:t>(GL_TEXTURE_2D</a:t>
-            </a:r>
-            <a:r>
-              <a:rPr lang="en-US" altLang="ko-KR" sz="1200" dirty="0"/>
-              <a:t>, GL_TEXTURE_MIN_FILTER, GL_NEAREST);</a:t>
+              <a:t>(GL_TEXTURE_2D, GL_TEXTURE_MIN_FILTER, GL_NEAREST);</a:t>
             </a:r>
           </a:p>
           <a:p>
@@ -5926,7 +5930,6 @@
               <a:rPr lang="en-US" altLang="ko-KR" sz="1200" dirty="0"/>
               <a:t>(GL_TEXTURE_2D, GL_TEXTURE_WRAP_T, GL_CLAMP_TO_EDGE);</a:t>
             </a:r>
-            <a:endParaRPr lang="en-US" altLang="ko-KR" sz="1200" dirty="0"/>
           </a:p>
         </p:txBody>
       </p:sp>
@@ -5974,13 +5977,6 @@
   <p:clrMapOvr>
     <a:masterClrMapping/>
   </p:clrMapOvr>
-  <p:timing>
-    <p:tnLst>
-      <p:par>
-        <p:cTn id="1" dur="indefinite" restart="never" nodeType="tmRoot"/>
-      </p:par>
-    </p:tnLst>
-  </p:timing>
 </p:sld>
 </file>
 
@@ -6402,13 +6398,6 @@
   <p:clrMapOvr>
     <a:masterClrMapping/>
   </p:clrMapOvr>
-  <p:timing>
-    <p:tnLst>
-      <p:par>
-        <p:cTn id="1" dur="indefinite" restart="never" nodeType="tmRoot"/>
-      </p:par>
-    </p:tnLst>
-  </p:timing>
 </p:sld>
 </file>
 
@@ -6445,14 +6434,13 @@
           <a:lstStyle/>
           <a:p>
             <a:r>
-              <a:rPr lang="ko-KR" altLang="en-US" dirty="0" err="1" smtClean="0"/>
+              <a:rPr lang="ko-KR" altLang="en-US" dirty="0" err="1"/>
               <a:t>렌더링</a:t>
             </a:r>
             <a:r>
-              <a:rPr lang="ko-KR" altLang="en-US" dirty="0" smtClean="0"/>
+              <a:rPr lang="ko-KR" altLang="en-US" dirty="0"/>
               <a:t> 시작</a:t>
             </a:r>
-            <a:endParaRPr lang="ko-KR" altLang="en-US" dirty="0"/>
           </a:p>
         </p:txBody>
       </p:sp>
@@ -6549,13 +6537,6 @@
   <p:clrMapOvr>
     <a:masterClrMapping/>
   </p:clrMapOvr>
-  <p:timing>
-    <p:tnLst>
-      <p:par>
-        <p:cTn id="1" dur="indefinite" restart="never" nodeType="tmRoot"/>
-      </p:par>
-    </p:tnLst>
-  </p:timing>
 </p:sld>
 </file>
 
@@ -6630,10 +6611,9 @@
           <a:lstStyle/>
           <a:p>
             <a:r>
-              <a:rPr lang="ko-KR" altLang="en-US" dirty="0" smtClean="0"/>
+              <a:rPr lang="ko-KR" altLang="en-US" dirty="0"/>
               <a:t>파이프라인에서 일어나는 일</a:t>
             </a:r>
-            <a:endParaRPr lang="ko-KR" altLang="en-US" dirty="0"/>
           </a:p>
         </p:txBody>
       </p:sp>
@@ -6664,23 +6644,7 @@
                   <a:srgbClr val="FF0000"/>
                 </a:solidFill>
               </a:rPr>
-              <a:t>1. -0.5f</a:t>
-            </a:r>
-            <a:r>
-              <a:rPr lang="en-US" altLang="ko-KR" sz="1400" dirty="0">
-                <a:solidFill>
-                  <a:srgbClr val="FF0000"/>
-                </a:solidFill>
-              </a:rPr>
-              <a:t>, 0.5f, </a:t>
-            </a:r>
-            <a:r>
-              <a:rPr lang="en-US" altLang="ko-KR" sz="1400" dirty="0">
-                <a:solidFill>
-                  <a:srgbClr val="FF0000"/>
-                </a:solidFill>
-              </a:rPr>
-              <a:t>0.0f, 0.0f, 1.0f</a:t>
+              <a:t>1. -0.5f, 0.5f, 0.0f, 0.0f, 1.0f</a:t>
             </a:r>
             <a:endParaRPr lang="ko-KR" altLang="en-US" sz="1400" dirty="0"/>
           </a:p>
@@ -6713,23 +6677,7 @@
                   <a:srgbClr val="3333CC"/>
                 </a:solidFill>
               </a:rPr>
-              <a:t>2. -0.5f</a:t>
-            </a:r>
-            <a:r>
-              <a:rPr lang="en-US" altLang="ko-KR" sz="1400" dirty="0">
-                <a:solidFill>
-                  <a:srgbClr val="3333CC"/>
-                </a:solidFill>
-              </a:rPr>
-              <a:t>, -0.5f, </a:t>
-            </a:r>
-            <a:r>
-              <a:rPr lang="en-US" altLang="ko-KR" sz="1400" dirty="0">
-                <a:solidFill>
-                  <a:srgbClr val="3333CC"/>
-                </a:solidFill>
-              </a:rPr>
-              <a:t>0.0f, 0.0f, 0.0f</a:t>
+              <a:t>2. -0.5f, -0.5f, 0.0f, 0.0f, 0.0f</a:t>
             </a:r>
             <a:endParaRPr lang="ko-KR" altLang="en-US" sz="1400" dirty="0"/>
           </a:p>
@@ -6764,27 +6712,7 @@
                   </a:schemeClr>
                 </a:solidFill>
               </a:rPr>
-              <a:t>3. 0.5f</a:t>
-            </a:r>
-            <a:r>
-              <a:rPr lang="en-US" altLang="ko-KR" sz="1400" dirty="0">
-                <a:solidFill>
-                  <a:schemeClr val="accent3">
-                    <a:lumMod val="50000"/>
-                  </a:schemeClr>
-                </a:solidFill>
-              </a:rPr>
-              <a:t>, 0.5f, </a:t>
-            </a:r>
-            <a:r>
-              <a:rPr lang="en-US" altLang="ko-KR" sz="1400" dirty="0">
-                <a:solidFill>
-                  <a:schemeClr val="accent3">
-                    <a:lumMod val="50000"/>
-                  </a:schemeClr>
-                </a:solidFill>
-              </a:rPr>
-              <a:t>0.0f, 1.0f, 1.0f</a:t>
+              <a:t>3. 0.5f, 0.5f, 0.0f, 1.0f, 1.0f</a:t>
             </a:r>
             <a:endParaRPr lang="ko-KR" altLang="en-US" sz="1400" dirty="0"/>
           </a:p>
@@ -6817,23 +6745,7 @@
                   <a:srgbClr val="0066FF"/>
                 </a:solidFill>
               </a:rPr>
-              <a:t>4. 0.5f</a:t>
-            </a:r>
-            <a:r>
-              <a:rPr lang="en-US" altLang="ko-KR" sz="1400" dirty="0">
-                <a:solidFill>
-                  <a:srgbClr val="0066FF"/>
-                </a:solidFill>
-              </a:rPr>
-              <a:t>, 0.5f, </a:t>
-            </a:r>
-            <a:r>
-              <a:rPr lang="en-US" altLang="ko-KR" sz="1400" dirty="0">
-                <a:solidFill>
-                  <a:srgbClr val="0066FF"/>
-                </a:solidFill>
-              </a:rPr>
-              <a:t>0.0f, 1.0f, 1.0f</a:t>
+              <a:t>4. 0.5f, 0.5f, 0.0f, 1.0f, 1.0f</a:t>
             </a:r>
             <a:endParaRPr lang="ko-KR" altLang="en-US" sz="1400" dirty="0"/>
           </a:p>
@@ -6869,29 +6781,7 @@
                   </a:schemeClr>
                 </a:solidFill>
               </a:rPr>
-              <a:t>5. -0.5f</a:t>
-            </a:r>
-            <a:r>
-              <a:rPr lang="en-US" altLang="ko-KR" sz="1400" dirty="0">
-                <a:solidFill>
-                  <a:schemeClr val="tx1">
-                    <a:lumMod val="95000"/>
-                    <a:lumOff val="5000"/>
-                  </a:schemeClr>
-                </a:solidFill>
-              </a:rPr>
-              <a:t>, -0.5f, </a:t>
-            </a:r>
-            <a:r>
-              <a:rPr lang="en-US" altLang="ko-KR" sz="1400" dirty="0">
-                <a:solidFill>
-                  <a:schemeClr val="tx1">
-                    <a:lumMod val="95000"/>
-                    <a:lumOff val="5000"/>
-                  </a:schemeClr>
-                </a:solidFill>
-              </a:rPr>
-              <a:t>0.0f, 0.0f, 0.0f</a:t>
+              <a:t>5. -0.5f, -0.5f, 0.0f, 0.0f, 0.0f</a:t>
             </a:r>
             <a:endParaRPr lang="ko-KR" altLang="en-US" sz="1400" dirty="0"/>
           </a:p>
@@ -6924,23 +6814,7 @@
                   <a:srgbClr val="CC0099"/>
                 </a:solidFill>
               </a:rPr>
-              <a:t>6. 0.5f</a:t>
-            </a:r>
-            <a:r>
-              <a:rPr lang="en-US" altLang="ko-KR" sz="1400" dirty="0">
-                <a:solidFill>
-                  <a:srgbClr val="CC0099"/>
-                </a:solidFill>
-              </a:rPr>
-              <a:t>, -0.5f, </a:t>
-            </a:r>
-            <a:r>
-              <a:rPr lang="en-US" altLang="ko-KR" sz="1400" dirty="0">
-                <a:solidFill>
-                  <a:srgbClr val="CC0099"/>
-                </a:solidFill>
-              </a:rPr>
-              <a:t>0.0f, 1.0f, 0.0f </a:t>
+              <a:t>6. 0.5f, -0.5f, 0.0f, 1.0f, 0.0f </a:t>
             </a:r>
             <a:endParaRPr lang="ko-KR" altLang="en-US" sz="1400" dirty="0"/>
           </a:p>
@@ -6973,15 +6847,7 @@
                   <a:srgbClr val="FF0000"/>
                 </a:solidFill>
               </a:rPr>
-              <a:t>-0.5f, 0.5f, </a:t>
-            </a:r>
-            <a:r>
-              <a:rPr lang="en-US" altLang="ko-KR" sz="1400" dirty="0">
-                <a:solidFill>
-                  <a:srgbClr val="FF0000"/>
-                </a:solidFill>
-              </a:rPr>
-              <a:t>0.0f, 0.0f, 1.0f</a:t>
+              <a:t>-0.5f, 0.5f, 0.0f, 0.0f, 1.0f</a:t>
             </a:r>
             <a:endParaRPr lang="ko-KR" altLang="en-US" sz="1400" dirty="0"/>
           </a:p>
@@ -7066,11 +6932,7 @@
             </a:r>
             <a:r>
               <a:rPr lang="en-US" altLang="ko-KR" sz="1400" dirty="0"/>
-              <a:t> = </a:t>
-            </a:r>
-            <a:r>
-              <a:rPr lang="en-US" altLang="ko-KR" sz="1400" dirty="0"/>
-              <a:t>(0.0f, 1.0f)</a:t>
+              <a:t> = (0.0f, 1.0f)</a:t>
             </a:r>
             <a:endParaRPr lang="ko-KR" altLang="en-US" sz="1400" dirty="0"/>
           </a:p>
@@ -7335,7 +7197,17 @@
           <a:p>
             <a:r>
               <a:rPr lang="en-US" altLang="ko-KR" sz="1600" dirty="0"/>
-              <a:t>in vec3 Position</a:t>
+              <a:t>in vec3 Position;</a:t>
+            </a:r>
+          </a:p>
+          <a:p>
+            <a:r>
+              <a:rPr lang="en-US" altLang="ko-KR" sz="1600" dirty="0"/>
+              <a:t>in vec2 </a:t>
+            </a:r>
+            <a:r>
+              <a:rPr lang="en-US" altLang="ko-KR" sz="1600" dirty="0" err="1"/>
+              <a:t>TexPos</a:t>
             </a:r>
             <a:r>
               <a:rPr lang="en-US" altLang="ko-KR" sz="1600" dirty="0"/>
@@ -7343,17 +7215,16 @@
             </a:r>
           </a:p>
           <a:p>
+            <a:endParaRPr lang="en-US" altLang="ko-KR" sz="1600" dirty="0"/>
+          </a:p>
+          <a:p>
             <a:r>
               <a:rPr lang="en-US" altLang="ko-KR" sz="1600" dirty="0"/>
-              <a:t>i</a:t>
-            </a:r>
-            <a:r>
-              <a:rPr lang="en-US" altLang="ko-KR" sz="1600" dirty="0"/>
-              <a:t>n vec2 </a:t>
+              <a:t>out vec2 </a:t>
             </a:r>
             <a:r>
               <a:rPr lang="en-US" altLang="ko-KR" sz="1600" dirty="0" err="1"/>
-              <a:t>TexPos</a:t>
+              <a:t>vTexPos</a:t>
             </a:r>
             <a:r>
               <a:rPr lang="en-US" altLang="ko-KR" sz="1600" dirty="0"/>
@@ -7361,24 +7232,6 @@
             </a:r>
           </a:p>
           <a:p>
-            <a:endParaRPr lang="en-US" altLang="ko-KR" sz="1600" dirty="0"/>
-          </a:p>
-          <a:p>
-            <a:r>
-              <a:rPr lang="en-US" altLang="ko-KR" sz="1600" dirty="0"/>
-              <a:t>out vec2 </a:t>
-            </a:r>
-            <a:r>
-              <a:rPr lang="en-US" altLang="ko-KR" sz="1600" dirty="0" err="1"/>
-              <a:t>vTexPos</a:t>
-            </a:r>
-            <a:r>
-              <a:rPr lang="en-US" altLang="ko-KR" sz="1600" dirty="0"/>
-              <a:t>;</a:t>
-            </a:r>
-            <a:endParaRPr lang="en-US" altLang="ko-KR" sz="1600" dirty="0"/>
-          </a:p>
-          <a:p>
             <a:endParaRPr lang="ko-KR" altLang="en-US" sz="1600" dirty="0"/>
           </a:p>
           <a:p>
@@ -7404,21 +7257,13 @@
             </a:r>
             <a:r>
               <a:rPr lang="en-US" altLang="ko-KR" sz="1600" dirty="0"/>
-              <a:t> = vec4(Position, 1.0</a:t>
-            </a:r>
+              <a:t> = vec4(Position, 1.0);</a:t>
+            </a:r>
+          </a:p>
+          <a:p>
             <a:r>
               <a:rPr lang="en-US" altLang="ko-KR" sz="1600" dirty="0"/>
-              <a:t>);</a:t>
-            </a:r>
-          </a:p>
-          <a:p>
-            <a:r>
-              <a:rPr lang="en-US" altLang="ko-KR" sz="1600" dirty="0"/>
-              <a:t> </a:t>
-            </a:r>
-            <a:r>
-              <a:rPr lang="en-US" altLang="ko-KR" sz="1600" dirty="0"/>
-              <a:t>   </a:t>
+              <a:t>    </a:t>
             </a:r>
             <a:r>
               <a:rPr lang="en-US" altLang="ko-KR" sz="1600" dirty="0" err="1"/>
@@ -7538,13 +7383,6 @@
   <p:clrMapOvr>
     <a:masterClrMapping/>
   </p:clrMapOvr>
-  <p:timing>
-    <p:tnLst>
-      <p:par>
-        <p:cTn id="1" dur="indefinite" restart="never" nodeType="tmRoot"/>
-      </p:par>
-    </p:tnLst>
-  </p:timing>
 </p:sld>
 </file>
 
@@ -7619,10 +7457,9 @@
           <a:lstStyle/>
           <a:p>
             <a:r>
-              <a:rPr lang="ko-KR" altLang="en-US" dirty="0" smtClean="0"/>
+              <a:rPr lang="ko-KR" altLang="en-US" dirty="0"/>
               <a:t>파이프라인에서 일어나는 일</a:t>
             </a:r>
-            <a:endParaRPr lang="ko-KR" altLang="en-US" dirty="0"/>
           </a:p>
         </p:txBody>
       </p:sp>
@@ -7653,23 +7490,7 @@
                   <a:srgbClr val="FF0000"/>
                 </a:solidFill>
               </a:rPr>
-              <a:t>1. -0.5f</a:t>
-            </a:r>
-            <a:r>
-              <a:rPr lang="en-US" altLang="ko-KR" sz="1400" dirty="0">
-                <a:solidFill>
-                  <a:srgbClr val="FF0000"/>
-                </a:solidFill>
-              </a:rPr>
-              <a:t>, 0.5f, </a:t>
-            </a:r>
-            <a:r>
-              <a:rPr lang="en-US" altLang="ko-KR" sz="1400" dirty="0">
-                <a:solidFill>
-                  <a:srgbClr val="FF0000"/>
-                </a:solidFill>
-              </a:rPr>
-              <a:t>0.0f, 0.0f, 1.0f</a:t>
+              <a:t>1. -0.5f, 0.5f, 0.0f, 0.0f, 1.0f</a:t>
             </a:r>
             <a:endParaRPr lang="ko-KR" altLang="en-US" sz="1400" dirty="0"/>
           </a:p>
@@ -7702,23 +7523,7 @@
                   <a:srgbClr val="3333CC"/>
                 </a:solidFill>
               </a:rPr>
-              <a:t>2. -0.5f</a:t>
-            </a:r>
-            <a:r>
-              <a:rPr lang="en-US" altLang="ko-KR" sz="1400" dirty="0">
-                <a:solidFill>
-                  <a:srgbClr val="3333CC"/>
-                </a:solidFill>
-              </a:rPr>
-              <a:t>, -0.5f, </a:t>
-            </a:r>
-            <a:r>
-              <a:rPr lang="en-US" altLang="ko-KR" sz="1400" dirty="0">
-                <a:solidFill>
-                  <a:srgbClr val="3333CC"/>
-                </a:solidFill>
-              </a:rPr>
-              <a:t>0.0f, 0.0f, 0.0f</a:t>
+              <a:t>2. -0.5f, -0.5f, 0.0f, 0.0f, 0.0f</a:t>
             </a:r>
             <a:endParaRPr lang="ko-KR" altLang="en-US" sz="1400" dirty="0"/>
           </a:p>
@@ -7753,27 +7558,7 @@
                   </a:schemeClr>
                 </a:solidFill>
               </a:rPr>
-              <a:t>3. 0.5f</a:t>
-            </a:r>
-            <a:r>
-              <a:rPr lang="en-US" altLang="ko-KR" sz="1400" dirty="0">
-                <a:solidFill>
-                  <a:schemeClr val="accent3">
-                    <a:lumMod val="50000"/>
-                  </a:schemeClr>
-                </a:solidFill>
-              </a:rPr>
-              <a:t>, 0.5f, </a:t>
-            </a:r>
-            <a:r>
-              <a:rPr lang="en-US" altLang="ko-KR" sz="1400" dirty="0">
-                <a:solidFill>
-                  <a:schemeClr val="accent3">
-                    <a:lumMod val="50000"/>
-                  </a:schemeClr>
-                </a:solidFill>
-              </a:rPr>
-              <a:t>0.0f, 1.0f, 1.0f</a:t>
+              <a:t>3. 0.5f, 0.5f, 0.0f, 1.0f, 1.0f</a:t>
             </a:r>
             <a:endParaRPr lang="ko-KR" altLang="en-US" sz="1400" dirty="0"/>
           </a:p>
@@ -7806,23 +7591,7 @@
                   <a:srgbClr val="0066FF"/>
                 </a:solidFill>
               </a:rPr>
-              <a:t>4. 0.5f</a:t>
-            </a:r>
-            <a:r>
-              <a:rPr lang="en-US" altLang="ko-KR" sz="1400" dirty="0">
-                <a:solidFill>
-                  <a:srgbClr val="0066FF"/>
-                </a:solidFill>
-              </a:rPr>
-              <a:t>, 0.5f, </a:t>
-            </a:r>
-            <a:r>
-              <a:rPr lang="en-US" altLang="ko-KR" sz="1400" dirty="0">
-                <a:solidFill>
-                  <a:srgbClr val="0066FF"/>
-                </a:solidFill>
-              </a:rPr>
-              <a:t>0.0f, 1.0f, 1.0f</a:t>
+              <a:t>4. 0.5f, 0.5f, 0.0f, 1.0f, 1.0f</a:t>
             </a:r>
             <a:endParaRPr lang="ko-KR" altLang="en-US" sz="1400" dirty="0"/>
           </a:p>
@@ -7858,29 +7627,7 @@
                   </a:schemeClr>
                 </a:solidFill>
               </a:rPr>
-              <a:t>5. -0.5f</a:t>
-            </a:r>
-            <a:r>
-              <a:rPr lang="en-US" altLang="ko-KR" sz="1400" dirty="0">
-                <a:solidFill>
-                  <a:schemeClr val="tx1">
-                    <a:lumMod val="95000"/>
-                    <a:lumOff val="5000"/>
-                  </a:schemeClr>
-                </a:solidFill>
-              </a:rPr>
-              <a:t>, -0.5f, </a:t>
-            </a:r>
-            <a:r>
-              <a:rPr lang="en-US" altLang="ko-KR" sz="1400" dirty="0">
-                <a:solidFill>
-                  <a:schemeClr val="tx1">
-                    <a:lumMod val="95000"/>
-                    <a:lumOff val="5000"/>
-                  </a:schemeClr>
-                </a:solidFill>
-              </a:rPr>
-              <a:t>0.0f, 0.0f, 0.0f</a:t>
+              <a:t>5. -0.5f, -0.5f, 0.0f, 0.0f, 0.0f</a:t>
             </a:r>
             <a:endParaRPr lang="ko-KR" altLang="en-US" sz="1400" dirty="0"/>
           </a:p>
@@ -7913,23 +7660,7 @@
                   <a:srgbClr val="CC0099"/>
                 </a:solidFill>
               </a:rPr>
-              <a:t>6. 0.5f</a:t>
-            </a:r>
-            <a:r>
-              <a:rPr lang="en-US" altLang="ko-KR" sz="1400" dirty="0">
-                <a:solidFill>
-                  <a:srgbClr val="CC0099"/>
-                </a:solidFill>
-              </a:rPr>
-              <a:t>, -0.5f, </a:t>
-            </a:r>
-            <a:r>
-              <a:rPr lang="en-US" altLang="ko-KR" sz="1400" dirty="0">
-                <a:solidFill>
-                  <a:srgbClr val="CC0099"/>
-                </a:solidFill>
-              </a:rPr>
-              <a:t>0.0f, 1.0f, 0.0f </a:t>
+              <a:t>6. 0.5f, -0.5f, 0.0f, 1.0f, 0.0f </a:t>
             </a:r>
             <a:endParaRPr lang="ko-KR" altLang="en-US" sz="1400" dirty="0"/>
           </a:p>
@@ -8048,11 +7779,7 @@
             </a:r>
             <a:r>
               <a:rPr lang="en-US" altLang="ko-KR" sz="1400" dirty="0"/>
-              <a:t> = </a:t>
-            </a:r>
-            <a:r>
-              <a:rPr lang="en-US" altLang="ko-KR" sz="1400" dirty="0"/>
-              <a:t>(0.0f, 0.0f)</a:t>
+              <a:t> = (0.0f, 0.0f)</a:t>
             </a:r>
             <a:endParaRPr lang="ko-KR" altLang="en-US" sz="1400" dirty="0"/>
           </a:p>
@@ -8317,7 +8044,17 @@
           <a:p>
             <a:r>
               <a:rPr lang="en-US" altLang="ko-KR" sz="1600" dirty="0"/>
-              <a:t>in vec3 Position</a:t>
+              <a:t>in vec3 Position;</a:t>
+            </a:r>
+          </a:p>
+          <a:p>
+            <a:r>
+              <a:rPr lang="en-US" altLang="ko-KR" sz="1600" dirty="0"/>
+              <a:t>in vec2 </a:t>
+            </a:r>
+            <a:r>
+              <a:rPr lang="en-US" altLang="ko-KR" sz="1600" dirty="0" err="1"/>
+              <a:t>TexPos</a:t>
             </a:r>
             <a:r>
               <a:rPr lang="en-US" altLang="ko-KR" sz="1600" dirty="0"/>
@@ -8325,17 +8062,16 @@
             </a:r>
           </a:p>
           <a:p>
+            <a:endParaRPr lang="en-US" altLang="ko-KR" sz="1600" dirty="0"/>
+          </a:p>
+          <a:p>
             <a:r>
               <a:rPr lang="en-US" altLang="ko-KR" sz="1600" dirty="0"/>
-              <a:t>i</a:t>
-            </a:r>
-            <a:r>
-              <a:rPr lang="en-US" altLang="ko-KR" sz="1600" dirty="0"/>
-              <a:t>n vec2 </a:t>
+              <a:t>out vec2 </a:t>
             </a:r>
             <a:r>
               <a:rPr lang="en-US" altLang="ko-KR" sz="1600" dirty="0" err="1"/>
-              <a:t>TexPos</a:t>
+              <a:t>vTexPos</a:t>
             </a:r>
             <a:r>
               <a:rPr lang="en-US" altLang="ko-KR" sz="1600" dirty="0"/>
@@ -8343,24 +8079,6 @@
             </a:r>
           </a:p>
           <a:p>
-            <a:endParaRPr lang="en-US" altLang="ko-KR" sz="1600" dirty="0"/>
-          </a:p>
-          <a:p>
-            <a:r>
-              <a:rPr lang="en-US" altLang="ko-KR" sz="1600" dirty="0"/>
-              <a:t>out vec2 </a:t>
-            </a:r>
-            <a:r>
-              <a:rPr lang="en-US" altLang="ko-KR" sz="1600" dirty="0" err="1"/>
-              <a:t>vTexPos</a:t>
-            </a:r>
-            <a:r>
-              <a:rPr lang="en-US" altLang="ko-KR" sz="1600" dirty="0"/>
-              <a:t>;</a:t>
-            </a:r>
-            <a:endParaRPr lang="en-US" altLang="ko-KR" sz="1600" dirty="0"/>
-          </a:p>
-          <a:p>
             <a:endParaRPr lang="ko-KR" altLang="en-US" sz="1600" dirty="0"/>
           </a:p>
           <a:p>
@@ -8386,21 +8104,13 @@
             </a:r>
             <a:r>
               <a:rPr lang="en-US" altLang="ko-KR" sz="1600" dirty="0"/>
-              <a:t> = vec4(Position, 1.0</a:t>
-            </a:r>
+              <a:t> = vec4(Position, 1.0);</a:t>
+            </a:r>
+          </a:p>
+          <a:p>
             <a:r>
               <a:rPr lang="en-US" altLang="ko-KR" sz="1600" dirty="0"/>
-              <a:t>);</a:t>
-            </a:r>
-          </a:p>
-          <a:p>
-            <a:r>
-              <a:rPr lang="en-US" altLang="ko-KR" sz="1600" dirty="0"/>
-              <a:t> </a:t>
-            </a:r>
-            <a:r>
-              <a:rPr lang="en-US" altLang="ko-KR" sz="1600" dirty="0"/>
-              <a:t>   </a:t>
+              <a:t>    </a:t>
             </a:r>
             <a:r>
               <a:rPr lang="en-US" altLang="ko-KR" sz="1600" dirty="0" err="1"/>
@@ -8590,13 +8300,6 @@
   <p:clrMapOvr>
     <a:masterClrMapping/>
   </p:clrMapOvr>
-  <p:timing>
-    <p:tnLst>
-      <p:par>
-        <p:cTn id="1" dur="indefinite" restart="never" nodeType="tmRoot"/>
-      </p:par>
-    </p:tnLst>
-  </p:timing>
 </p:sld>
 </file>
 
@@ -8671,10 +8374,9 @@
           <a:lstStyle/>
           <a:p>
             <a:r>
-              <a:rPr lang="ko-KR" altLang="en-US" dirty="0" smtClean="0"/>
+              <a:rPr lang="ko-KR" altLang="en-US" dirty="0"/>
               <a:t>파이프라인에서 일어나는 일</a:t>
             </a:r>
-            <a:endParaRPr lang="ko-KR" altLang="en-US" dirty="0"/>
           </a:p>
         </p:txBody>
       </p:sp>
@@ -8705,23 +8407,7 @@
                   <a:srgbClr val="FF0000"/>
                 </a:solidFill>
               </a:rPr>
-              <a:t>1. -0.5f</a:t>
-            </a:r>
-            <a:r>
-              <a:rPr lang="en-US" altLang="ko-KR" sz="1400" dirty="0">
-                <a:solidFill>
-                  <a:srgbClr val="FF0000"/>
-                </a:solidFill>
-              </a:rPr>
-              <a:t>, 0.5f, </a:t>
-            </a:r>
-            <a:r>
-              <a:rPr lang="en-US" altLang="ko-KR" sz="1400" dirty="0">
-                <a:solidFill>
-                  <a:srgbClr val="FF0000"/>
-                </a:solidFill>
-              </a:rPr>
-              <a:t>0.0f, 0.0f, 1.0f</a:t>
+              <a:t>1. -0.5f, 0.5f, 0.0f, 0.0f, 1.0f</a:t>
             </a:r>
             <a:endParaRPr lang="ko-KR" altLang="en-US" sz="1400" dirty="0"/>
           </a:p>
@@ -8754,23 +8440,7 @@
                   <a:srgbClr val="3333CC"/>
                 </a:solidFill>
               </a:rPr>
-              <a:t>2. -0.5f</a:t>
-            </a:r>
-            <a:r>
-              <a:rPr lang="en-US" altLang="ko-KR" sz="1400" dirty="0">
-                <a:solidFill>
-                  <a:srgbClr val="3333CC"/>
-                </a:solidFill>
-              </a:rPr>
-              <a:t>, -0.5f, </a:t>
-            </a:r>
-            <a:r>
-              <a:rPr lang="en-US" altLang="ko-KR" sz="1400" dirty="0">
-                <a:solidFill>
-                  <a:srgbClr val="3333CC"/>
-                </a:solidFill>
-              </a:rPr>
-              <a:t>0.0f, 0.0f, 0.0f</a:t>
+              <a:t>2. -0.5f, -0.5f, 0.0f, 0.0f, 0.0f</a:t>
             </a:r>
             <a:endParaRPr lang="ko-KR" altLang="en-US" sz="1400" dirty="0"/>
           </a:p>
@@ -8805,27 +8475,7 @@
                   </a:schemeClr>
                 </a:solidFill>
               </a:rPr>
-              <a:t>3. 0.5f</a:t>
-            </a:r>
-            <a:r>
-              <a:rPr lang="en-US" altLang="ko-KR" sz="1400" dirty="0">
-                <a:solidFill>
-                  <a:schemeClr val="accent3">
-                    <a:lumMod val="50000"/>
-                  </a:schemeClr>
-                </a:solidFill>
-              </a:rPr>
-              <a:t>, 0.5f, </a:t>
-            </a:r>
-            <a:r>
-              <a:rPr lang="en-US" altLang="ko-KR" sz="1400" dirty="0">
-                <a:solidFill>
-                  <a:schemeClr val="accent3">
-                    <a:lumMod val="50000"/>
-                  </a:schemeClr>
-                </a:solidFill>
-              </a:rPr>
-              <a:t>0.0f, 1.0f, 1.0f</a:t>
+              <a:t>3. 0.5f, 0.5f, 0.0f, 1.0f, 1.0f</a:t>
             </a:r>
             <a:endParaRPr lang="ko-KR" altLang="en-US" sz="1400" dirty="0"/>
           </a:p>
@@ -8858,23 +8508,7 @@
                   <a:srgbClr val="0066FF"/>
                 </a:solidFill>
               </a:rPr>
-              <a:t>4. 0.5f</a:t>
-            </a:r>
-            <a:r>
-              <a:rPr lang="en-US" altLang="ko-KR" sz="1400" dirty="0">
-                <a:solidFill>
-                  <a:srgbClr val="0066FF"/>
-                </a:solidFill>
-              </a:rPr>
-              <a:t>, 0.5f, </a:t>
-            </a:r>
-            <a:r>
-              <a:rPr lang="en-US" altLang="ko-KR" sz="1400" dirty="0">
-                <a:solidFill>
-                  <a:srgbClr val="0066FF"/>
-                </a:solidFill>
-              </a:rPr>
-              <a:t>0.0f, 1.0f, 1.0f</a:t>
+              <a:t>4. 0.5f, 0.5f, 0.0f, 1.0f, 1.0f</a:t>
             </a:r>
             <a:endParaRPr lang="ko-KR" altLang="en-US" sz="1400" dirty="0"/>
           </a:p>
@@ -8910,29 +8544,7 @@
                   </a:schemeClr>
                 </a:solidFill>
               </a:rPr>
-              <a:t>5. -0.5f</a:t>
-            </a:r>
-            <a:r>
-              <a:rPr lang="en-US" altLang="ko-KR" sz="1400" dirty="0">
-                <a:solidFill>
-                  <a:schemeClr val="tx1">
-                    <a:lumMod val="95000"/>
-                    <a:lumOff val="5000"/>
-                  </a:schemeClr>
-                </a:solidFill>
-              </a:rPr>
-              <a:t>, -0.5f, </a:t>
-            </a:r>
-            <a:r>
-              <a:rPr lang="en-US" altLang="ko-KR" sz="1400" dirty="0">
-                <a:solidFill>
-                  <a:schemeClr val="tx1">
-                    <a:lumMod val="95000"/>
-                    <a:lumOff val="5000"/>
-                  </a:schemeClr>
-                </a:solidFill>
-              </a:rPr>
-              <a:t>0.0f, 0.0f, 0.0f</a:t>
+              <a:t>5. -0.5f, -0.5f, 0.0f, 0.0f, 0.0f</a:t>
             </a:r>
             <a:endParaRPr lang="ko-KR" altLang="en-US" sz="1400" dirty="0"/>
           </a:p>
@@ -8965,23 +8577,7 @@
                   <a:srgbClr val="CC0099"/>
                 </a:solidFill>
               </a:rPr>
-              <a:t>6. 0.5f</a:t>
-            </a:r>
-            <a:r>
-              <a:rPr lang="en-US" altLang="ko-KR" sz="1400" dirty="0">
-                <a:solidFill>
-                  <a:srgbClr val="CC0099"/>
-                </a:solidFill>
-              </a:rPr>
-              <a:t>, -0.5f, </a:t>
-            </a:r>
-            <a:r>
-              <a:rPr lang="en-US" altLang="ko-KR" sz="1400" dirty="0">
-                <a:solidFill>
-                  <a:srgbClr val="CC0099"/>
-                </a:solidFill>
-              </a:rPr>
-              <a:t>0.0f, 1.0f, 0.0f </a:t>
+              <a:t>6. 0.5f, -0.5f, 0.0f, 1.0f, 0.0f </a:t>
             </a:r>
             <a:endParaRPr lang="ko-KR" altLang="en-US" sz="1400" dirty="0"/>
           </a:p>
@@ -9102,11 +8698,7 @@
             </a:r>
             <a:r>
               <a:rPr lang="en-US" altLang="ko-KR" sz="1400" dirty="0"/>
-              <a:t> = </a:t>
-            </a:r>
-            <a:r>
-              <a:rPr lang="en-US" altLang="ko-KR" sz="1400" dirty="0"/>
-              <a:t>(1.0f, 1.0f)</a:t>
+              <a:t> = (1.0f, 1.0f)</a:t>
             </a:r>
             <a:endParaRPr lang="ko-KR" altLang="en-US" sz="1400" dirty="0"/>
           </a:p>
@@ -9371,7 +8963,17 @@
           <a:p>
             <a:r>
               <a:rPr lang="en-US" altLang="ko-KR" sz="1600" dirty="0"/>
-              <a:t>in vec3 Position</a:t>
+              <a:t>in vec3 Position;</a:t>
+            </a:r>
+          </a:p>
+          <a:p>
+            <a:r>
+              <a:rPr lang="en-US" altLang="ko-KR" sz="1600" dirty="0"/>
+              <a:t>in vec2 </a:t>
+            </a:r>
+            <a:r>
+              <a:rPr lang="en-US" altLang="ko-KR" sz="1600" dirty="0" err="1"/>
+              <a:t>TexPos</a:t>
             </a:r>
             <a:r>
               <a:rPr lang="en-US" altLang="ko-KR" sz="1600" dirty="0"/>
@@ -9379,17 +8981,16 @@
             </a:r>
           </a:p>
           <a:p>
+            <a:endParaRPr lang="en-US" altLang="ko-KR" sz="1600" dirty="0"/>
+          </a:p>
+          <a:p>
             <a:r>
               <a:rPr lang="en-US" altLang="ko-KR" sz="1600" dirty="0"/>
-              <a:t>i</a:t>
-            </a:r>
-            <a:r>
-              <a:rPr lang="en-US" altLang="ko-KR" sz="1600" dirty="0"/>
-              <a:t>n vec2 </a:t>
+              <a:t>out vec2 </a:t>
             </a:r>
             <a:r>
               <a:rPr lang="en-US" altLang="ko-KR" sz="1600" dirty="0" err="1"/>
-              <a:t>TexPos</a:t>
+              <a:t>vTexPos</a:t>
             </a:r>
             <a:r>
               <a:rPr lang="en-US" altLang="ko-KR" sz="1600" dirty="0"/>
@@ -9397,24 +8998,6 @@
             </a:r>
           </a:p>
           <a:p>
-            <a:endParaRPr lang="en-US" altLang="ko-KR" sz="1600" dirty="0"/>
-          </a:p>
-          <a:p>
-            <a:r>
-              <a:rPr lang="en-US" altLang="ko-KR" sz="1600" dirty="0"/>
-              <a:t>out vec2 </a:t>
-            </a:r>
-            <a:r>
-              <a:rPr lang="en-US" altLang="ko-KR" sz="1600" dirty="0" err="1"/>
-              <a:t>vTexPos</a:t>
-            </a:r>
-            <a:r>
-              <a:rPr lang="en-US" altLang="ko-KR" sz="1600" dirty="0"/>
-              <a:t>;</a:t>
-            </a:r>
-            <a:endParaRPr lang="en-US" altLang="ko-KR" sz="1600" dirty="0"/>
-          </a:p>
-          <a:p>
             <a:endParaRPr lang="ko-KR" altLang="en-US" sz="1600" dirty="0"/>
           </a:p>
           <a:p>
@@ -9440,21 +9023,13 @@
             </a:r>
             <a:r>
               <a:rPr lang="en-US" altLang="ko-KR" sz="1600" dirty="0"/>
-              <a:t> = vec4(Position, 1.0</a:t>
-            </a:r>
+              <a:t> = vec4(Position, 1.0);</a:t>
+            </a:r>
+          </a:p>
+          <a:p>
             <a:r>
               <a:rPr lang="en-US" altLang="ko-KR" sz="1600" dirty="0"/>
-              <a:t>);</a:t>
-            </a:r>
-          </a:p>
-          <a:p>
-            <a:r>
-              <a:rPr lang="en-US" altLang="ko-KR" sz="1600" dirty="0"/>
-              <a:t> </a:t>
-            </a:r>
-            <a:r>
-              <a:rPr lang="en-US" altLang="ko-KR" sz="1600" dirty="0"/>
-              <a:t>   </a:t>
+              <a:t>    </a:t>
             </a:r>
             <a:r>
               <a:rPr lang="en-US" altLang="ko-KR" sz="1600" dirty="0" err="1"/>
@@ -9717,13 +9292,6 @@
   <p:clrMapOvr>
     <a:masterClrMapping/>
   </p:clrMapOvr>
-  <p:timing>
-    <p:tnLst>
-      <p:par>
-        <p:cTn id="1" dur="indefinite" restart="never" nodeType="tmRoot"/>
-      </p:par>
-    </p:tnLst>
-  </p:timing>
 </p:sld>
 </file>
 
@@ -9760,10 +9328,9 @@
           <a:lstStyle/>
           <a:p>
             <a:r>
-              <a:rPr lang="ko-KR" altLang="en-US" dirty="0" smtClean="0"/>
+              <a:rPr lang="ko-KR" altLang="en-US" dirty="0"/>
               <a:t>개요</a:t>
             </a:r>
-            <a:endParaRPr lang="ko-KR" altLang="en-US" dirty="0"/>
           </a:p>
         </p:txBody>
       </p:sp>
@@ -9783,10 +9350,9 @@
           <a:lstStyle/>
           <a:p>
             <a:r>
-              <a:rPr lang="ko-KR" altLang="en-US" dirty="0" smtClean="0"/>
+              <a:rPr lang="ko-KR" altLang="en-US" dirty="0"/>
               <a:t>텍스처 응용</a:t>
             </a:r>
-            <a:endParaRPr lang="ko-KR" altLang="en-US" dirty="0"/>
           </a:p>
         </p:txBody>
       </p:sp>
@@ -9800,13 +9366,6 @@
   <p:clrMapOvr>
     <a:masterClrMapping/>
   </p:clrMapOvr>
-  <p:timing>
-    <p:tnLst>
-      <p:par>
-        <p:cTn id="1" dur="indefinite" restart="never" nodeType="tmRoot"/>
-      </p:par>
-    </p:tnLst>
-  </p:timing>
 </p:sld>
 </file>
 
@@ -10674,13 +10233,6 @@
   <p:clrMapOvr>
     <a:masterClrMapping/>
   </p:clrMapOvr>
-  <p:timing>
-    <p:tnLst>
-      <p:par>
-        <p:cTn id="1" dur="indefinite" restart="never" nodeType="tmRoot"/>
-      </p:par>
-    </p:tnLst>
-  </p:timing>
 </p:sld>
 </file>
 
@@ -13262,13 +12814,6 @@
   <p:clrMapOvr>
     <a:masterClrMapping/>
   </p:clrMapOvr>
-  <p:timing>
-    <p:tnLst>
-      <p:par>
-        <p:cTn id="1" dur="indefinite" restart="never" nodeType="tmRoot"/>
-      </p:par>
-    </p:tnLst>
-  </p:timing>
 </p:sld>
 </file>
 
@@ -15649,13 +15194,6 @@
   <p:clrMapOvr>
     <a:masterClrMapping/>
   </p:clrMapOvr>
-  <p:timing>
-    <p:tnLst>
-      <p:par>
-        <p:cTn id="1" dur="indefinite" restart="never" nodeType="tmRoot"/>
-      </p:par>
-    </p:tnLst>
-  </p:timing>
 </p:sld>
 </file>
 
@@ -16132,7 +15670,7 @@
                     <a:p>
                       <a:pPr algn="ctr" latinLnBrk="1"/>
                       <a:r>
-                        <a:rPr lang="en-US" altLang="ko-KR" sz="900" dirty="0" smtClean="0"/>
+                        <a:rPr lang="en-US" altLang="ko-KR" sz="900" dirty="0"/>
                         <a:t>0.0f, 1.0f</a:t>
                       </a:r>
                       <a:endParaRPr lang="ko-KR" altLang="en-US" sz="900" dirty="0"/>
@@ -16170,10 +15708,10 @@
                         <a:defRPr/>
                       </a:pPr>
                       <a:r>
-                        <a:rPr lang="en-US" altLang="ko-KR" sz="900" dirty="0" smtClean="0"/>
+                        <a:rPr lang="en-US" altLang="ko-KR" sz="900" dirty="0"/>
                         <a:t>0.2f, 1.0f</a:t>
                       </a:r>
-                      <a:endParaRPr lang="ko-KR" altLang="en-US" sz="900" dirty="0" smtClean="0"/>
+                      <a:endParaRPr lang="ko-KR" altLang="en-US" sz="900" dirty="0"/>
                     </a:p>
                   </a:txBody>
                   <a:tcPr marL="0" marR="0" marT="0" marB="0" anchor="ctr">
@@ -16192,7 +15730,7 @@
                     <a:p>
                       <a:pPr algn="ctr" latinLnBrk="1"/>
                       <a:r>
-                        <a:rPr lang="en-US" altLang="ko-KR" sz="900" dirty="0" smtClean="0"/>
+                        <a:rPr lang="en-US" altLang="ko-KR" sz="900" dirty="0"/>
                         <a:t>0.3f, 1.0f</a:t>
                       </a:r>
                       <a:endParaRPr lang="ko-KR" altLang="en-US" sz="900" dirty="0"/>
@@ -16214,7 +15752,7 @@
                     <a:p>
                       <a:pPr algn="ctr" latinLnBrk="1"/>
                       <a:r>
-                        <a:rPr lang="en-US" altLang="ko-KR" sz="900" dirty="0" smtClean="0"/>
+                        <a:rPr lang="en-US" altLang="ko-KR" sz="900" dirty="0"/>
                         <a:t>0.5f, 1.0f</a:t>
                       </a:r>
                       <a:endParaRPr lang="ko-KR" altLang="en-US" sz="900" dirty="0"/>
@@ -16236,7 +15774,7 @@
                     <a:p>
                       <a:pPr algn="ctr" latinLnBrk="1"/>
                       <a:r>
-                        <a:rPr lang="en-US" altLang="ko-KR" sz="900" dirty="0" smtClean="0"/>
+                        <a:rPr lang="en-US" altLang="ko-KR" sz="900" dirty="0"/>
                         <a:t>0.7f, 1.0f</a:t>
                       </a:r>
                       <a:endParaRPr lang="ko-KR" altLang="en-US" sz="900" dirty="0"/>
@@ -16258,7 +15796,7 @@
                     <a:p>
                       <a:pPr algn="ctr" latinLnBrk="1"/>
                       <a:r>
-                        <a:rPr lang="en-US" altLang="ko-KR" sz="900" dirty="0" smtClean="0"/>
+                        <a:rPr lang="en-US" altLang="ko-KR" sz="900" dirty="0"/>
                         <a:t>0.8f, 1.0f</a:t>
                       </a:r>
                       <a:endParaRPr lang="ko-KR" altLang="en-US" sz="900" dirty="0"/>
@@ -16280,7 +15818,7 @@
                     <a:p>
                       <a:pPr algn="ctr" latinLnBrk="1"/>
                       <a:r>
-                        <a:rPr lang="en-US" altLang="ko-KR" sz="900" dirty="0" smtClean="0"/>
+                        <a:rPr lang="en-US" altLang="ko-KR" sz="900" dirty="0"/>
                         <a:t>1.0f, 1.0f</a:t>
                       </a:r>
                       <a:endParaRPr lang="ko-KR" altLang="en-US" sz="900" dirty="0"/>
@@ -16372,7 +15910,7 @@
                     <a:p>
                       <a:pPr algn="ctr" latinLnBrk="1"/>
                       <a:r>
-                        <a:rPr lang="en-US" altLang="ko-KR" sz="900" dirty="0" smtClean="0"/>
+                        <a:rPr lang="en-US" altLang="ko-KR" sz="900" dirty="0"/>
                         <a:t>0.0f, 0.8f</a:t>
                       </a:r>
                       <a:endParaRPr lang="ko-KR" altLang="en-US" sz="900" dirty="0"/>
@@ -16394,7 +15932,7 @@
                     <a:p>
                       <a:pPr algn="ctr" latinLnBrk="1"/>
                       <a:r>
-                        <a:rPr lang="en-US" altLang="ko-KR" sz="900" dirty="0" smtClean="0"/>
+                        <a:rPr lang="en-US" altLang="ko-KR" sz="900" dirty="0"/>
                         <a:t>0.2f, 0.8f</a:t>
                       </a:r>
                       <a:endParaRPr lang="ko-KR" altLang="en-US" sz="900" dirty="0"/>
@@ -16416,7 +15954,7 @@
                     <a:p>
                       <a:pPr algn="ctr" latinLnBrk="1"/>
                       <a:r>
-                        <a:rPr lang="en-US" altLang="ko-KR" sz="900" dirty="0" smtClean="0"/>
+                        <a:rPr lang="en-US" altLang="ko-KR" sz="900" dirty="0"/>
                         <a:t>0.3f, 0.8f</a:t>
                       </a:r>
                       <a:endParaRPr lang="ko-KR" altLang="en-US" sz="900" dirty="0"/>
@@ -16438,7 +15976,7 @@
                     <a:p>
                       <a:pPr algn="ctr" latinLnBrk="1"/>
                       <a:r>
-                        <a:rPr lang="en-US" altLang="ko-KR" sz="900" dirty="0" smtClean="0"/>
+                        <a:rPr lang="en-US" altLang="ko-KR" sz="900" dirty="0"/>
                         <a:t>0.5f, 0.8f</a:t>
                       </a:r>
                       <a:endParaRPr lang="ko-KR" altLang="en-US" sz="900" dirty="0"/>
@@ -16460,7 +15998,7 @@
                     <a:p>
                       <a:pPr algn="ctr" latinLnBrk="1"/>
                       <a:r>
-                        <a:rPr lang="en-US" altLang="ko-KR" sz="900" dirty="0" smtClean="0"/>
+                        <a:rPr lang="en-US" altLang="ko-KR" sz="900" dirty="0"/>
                         <a:t>0.7f, 0.8f</a:t>
                       </a:r>
                       <a:endParaRPr lang="ko-KR" altLang="en-US" sz="900" dirty="0"/>
@@ -16482,7 +16020,7 @@
                     <a:p>
                       <a:pPr algn="ctr" latinLnBrk="1"/>
                       <a:r>
-                        <a:rPr lang="en-US" altLang="ko-KR" sz="900" dirty="0" smtClean="0"/>
+                        <a:rPr lang="en-US" altLang="ko-KR" sz="900" dirty="0"/>
                         <a:t>0.8f, 0.8f</a:t>
                       </a:r>
                       <a:endParaRPr lang="ko-KR" altLang="en-US" sz="900" dirty="0"/>
@@ -16504,7 +16042,7 @@
                     <a:p>
                       <a:pPr algn="ctr" latinLnBrk="1"/>
                       <a:r>
-                        <a:rPr lang="en-US" altLang="ko-KR" sz="900" dirty="0" smtClean="0"/>
+                        <a:rPr lang="en-US" altLang="ko-KR" sz="900" dirty="0"/>
                         <a:t>1.0f, 0.8f</a:t>
                       </a:r>
                       <a:endParaRPr lang="ko-KR" altLang="en-US" sz="900" dirty="0"/>
@@ -16596,7 +16134,7 @@
                     <a:p>
                       <a:pPr algn="ctr" latinLnBrk="1"/>
                       <a:r>
-                        <a:rPr lang="en-US" altLang="ko-KR" sz="900" dirty="0" smtClean="0"/>
+                        <a:rPr lang="en-US" altLang="ko-KR" sz="900" dirty="0"/>
                         <a:t>0.0f, 0.6f</a:t>
                       </a:r>
                       <a:endParaRPr lang="ko-KR" altLang="en-US" sz="900" dirty="0"/>
@@ -16618,7 +16156,7 @@
                     <a:p>
                       <a:pPr algn="ctr" latinLnBrk="1"/>
                       <a:r>
-                        <a:rPr lang="en-US" altLang="ko-KR" sz="900" dirty="0" smtClean="0"/>
+                        <a:rPr lang="en-US" altLang="ko-KR" sz="900" dirty="0"/>
                         <a:t>0.2f, 0.6f</a:t>
                       </a:r>
                       <a:endParaRPr lang="ko-KR" altLang="en-US" sz="900" dirty="0"/>
@@ -16640,7 +16178,7 @@
                     <a:p>
                       <a:pPr algn="ctr" latinLnBrk="1"/>
                       <a:r>
-                        <a:rPr lang="en-US" altLang="ko-KR" sz="900" dirty="0" smtClean="0"/>
+                        <a:rPr lang="en-US" altLang="ko-KR" sz="900" dirty="0"/>
                         <a:t>0.3f, 0.6f</a:t>
                       </a:r>
                       <a:endParaRPr lang="ko-KR" altLang="en-US" sz="900" dirty="0"/>
@@ -16662,7 +16200,7 @@
                     <a:p>
                       <a:pPr algn="ctr" latinLnBrk="1"/>
                       <a:r>
-                        <a:rPr lang="en-US" altLang="ko-KR" sz="900" dirty="0" smtClean="0"/>
+                        <a:rPr lang="en-US" altLang="ko-KR" sz="900" dirty="0"/>
                         <a:t>0.5f, 0.6f</a:t>
                       </a:r>
                       <a:endParaRPr lang="ko-KR" altLang="en-US" sz="900" dirty="0"/>
@@ -16684,7 +16222,7 @@
                     <a:p>
                       <a:pPr algn="ctr" latinLnBrk="1"/>
                       <a:r>
-                        <a:rPr lang="en-US" altLang="ko-KR" sz="900" dirty="0" smtClean="0"/>
+                        <a:rPr lang="en-US" altLang="ko-KR" sz="900" dirty="0"/>
                         <a:t>0.7f, 0.6f</a:t>
                       </a:r>
                       <a:endParaRPr lang="ko-KR" altLang="en-US" sz="900" dirty="0"/>
@@ -16706,7 +16244,7 @@
                     <a:p>
                       <a:pPr algn="ctr" latinLnBrk="1"/>
                       <a:r>
-                        <a:rPr lang="en-US" altLang="ko-KR" sz="900" dirty="0" smtClean="0"/>
+                        <a:rPr lang="en-US" altLang="ko-KR" sz="900" dirty="0"/>
                         <a:t>0.8f, 0.6f</a:t>
                       </a:r>
                       <a:endParaRPr lang="ko-KR" altLang="en-US" sz="900" dirty="0"/>
@@ -16805,11 +16343,11 @@
                     <a:p>
                       <a:pPr algn="ctr" latinLnBrk="1"/>
                       <a:r>
-                        <a:rPr lang="en-US" altLang="ko-KR" sz="900" dirty="0" smtClean="0"/>
+                        <a:rPr lang="en-US" altLang="ko-KR" sz="900" dirty="0"/>
                         <a:t>0.0f,</a:t>
                       </a:r>
                       <a:r>
-                        <a:rPr lang="en-US" altLang="ko-KR" sz="900" baseline="0" dirty="0" smtClean="0"/>
+                        <a:rPr lang="en-US" altLang="ko-KR" sz="900" baseline="0" dirty="0"/>
                         <a:t> 0.4f</a:t>
                       </a:r>
                       <a:endParaRPr lang="ko-KR" altLang="en-US" sz="900" dirty="0"/>
@@ -16831,11 +16369,11 @@
                     <a:p>
                       <a:pPr algn="ctr" latinLnBrk="1"/>
                       <a:r>
-                        <a:rPr lang="en-US" altLang="ko-KR" sz="900" dirty="0" smtClean="0"/>
+                        <a:rPr lang="en-US" altLang="ko-KR" sz="900" dirty="0"/>
                         <a:t>0.2f,</a:t>
                       </a:r>
                       <a:r>
-                        <a:rPr lang="en-US" altLang="ko-KR" sz="900" baseline="0" dirty="0" smtClean="0"/>
+                        <a:rPr lang="en-US" altLang="ko-KR" sz="900" baseline="0" dirty="0"/>
                         <a:t> 0.4f</a:t>
                       </a:r>
                       <a:endParaRPr lang="ko-KR" altLang="en-US" sz="900" dirty="0"/>
@@ -16857,11 +16395,11 @@
                     <a:p>
                       <a:pPr algn="ctr" latinLnBrk="1"/>
                       <a:r>
-                        <a:rPr lang="en-US" altLang="ko-KR" sz="900" dirty="0" smtClean="0"/>
+                        <a:rPr lang="en-US" altLang="ko-KR" sz="900" dirty="0"/>
                         <a:t>0.3f,</a:t>
                       </a:r>
                       <a:r>
-                        <a:rPr lang="en-US" altLang="ko-KR" sz="900" baseline="0" dirty="0" smtClean="0"/>
+                        <a:rPr lang="en-US" altLang="ko-KR" sz="900" baseline="0" dirty="0"/>
                         <a:t> 0.4f</a:t>
                       </a:r>
                       <a:endParaRPr lang="ko-KR" altLang="en-US" sz="900" dirty="0"/>
@@ -16883,11 +16421,11 @@
                     <a:p>
                       <a:pPr algn="ctr" latinLnBrk="1"/>
                       <a:r>
-                        <a:rPr lang="en-US" altLang="ko-KR" sz="900" dirty="0" smtClean="0"/>
+                        <a:rPr lang="en-US" altLang="ko-KR" sz="900" dirty="0"/>
                         <a:t>0.5f,</a:t>
                       </a:r>
                       <a:r>
-                        <a:rPr lang="en-US" altLang="ko-KR" sz="900" baseline="0" dirty="0" smtClean="0"/>
+                        <a:rPr lang="en-US" altLang="ko-KR" sz="900" baseline="0" dirty="0"/>
                         <a:t> 0.4f</a:t>
                       </a:r>
                       <a:endParaRPr lang="ko-KR" altLang="en-US" sz="900" dirty="0"/>
@@ -17008,7 +16546,7 @@
                     <a:p>
                       <a:pPr algn="ctr" latinLnBrk="1"/>
                       <a:r>
-                        <a:rPr lang="en-US" altLang="ko-KR" sz="900" dirty="0" smtClean="0"/>
+                        <a:rPr lang="en-US" altLang="ko-KR" sz="900" dirty="0"/>
                         <a:t>0.0f, 0.2f</a:t>
                       </a:r>
                       <a:endParaRPr lang="ko-KR" altLang="en-US" sz="900" dirty="0"/>
@@ -17030,7 +16568,7 @@
                     <a:p>
                       <a:pPr algn="ctr" latinLnBrk="1"/>
                       <a:r>
-                        <a:rPr lang="en-US" altLang="ko-KR" sz="900" dirty="0" smtClean="0"/>
+                        <a:rPr lang="en-US" altLang="ko-KR" sz="900" dirty="0"/>
                         <a:t>0.2f, 0.2f</a:t>
                       </a:r>
                       <a:endParaRPr lang="ko-KR" altLang="en-US" sz="900" dirty="0"/>
@@ -17052,7 +16590,7 @@
                     <a:p>
                       <a:pPr algn="ctr" latinLnBrk="1"/>
                       <a:r>
-                        <a:rPr lang="en-US" altLang="ko-KR" sz="900" dirty="0" smtClean="0"/>
+                        <a:rPr lang="en-US" altLang="ko-KR" sz="900" dirty="0"/>
                         <a:t>0.3f, 0.2f</a:t>
                       </a:r>
                       <a:endParaRPr lang="ko-KR" altLang="en-US" sz="900" dirty="0"/>
@@ -17180,11 +16718,11 @@
                     <a:p>
                       <a:pPr algn="ctr" latinLnBrk="1"/>
                       <a:r>
-                        <a:rPr lang="en-US" altLang="ko-KR" sz="900" dirty="0" smtClean="0"/>
+                        <a:rPr lang="en-US" altLang="ko-KR" sz="900" dirty="0"/>
                         <a:t>0.0f,</a:t>
                       </a:r>
                       <a:r>
-                        <a:rPr lang="en-US" altLang="ko-KR" sz="900" baseline="0" dirty="0" smtClean="0"/>
+                        <a:rPr lang="en-US" altLang="ko-KR" sz="900" baseline="0" dirty="0"/>
                         <a:t> 0.0f</a:t>
                       </a:r>
                       <a:endParaRPr lang="ko-KR" altLang="en-US" sz="900" dirty="0"/>
@@ -17974,13 +17512,6 @@
   <p:clrMapOvr>
     <a:masterClrMapping/>
   </p:clrMapOvr>
-  <p:timing>
-    <p:tnLst>
-      <p:par>
-        <p:cTn id="1" dur="indefinite" restart="never" nodeType="tmRoot"/>
-      </p:par>
-    </p:tnLst>
-  </p:timing>
 </p:sld>
 </file>
 
@@ -18544,7 +18075,7 @@
                     <a:p>
                       <a:pPr algn="ctr" latinLnBrk="1"/>
                       <a:r>
-                        <a:rPr lang="en-US" altLang="ko-KR" sz="500" dirty="0" smtClean="0"/>
+                        <a:rPr lang="en-US" altLang="ko-KR" sz="500" dirty="0"/>
                         <a:t>0.0f, 1.0f</a:t>
                       </a:r>
                       <a:endParaRPr lang="ko-KR" altLang="en-US" sz="500" dirty="0"/>
@@ -18582,10 +18113,10 @@
                         <a:defRPr/>
                       </a:pPr>
                       <a:r>
-                        <a:rPr lang="en-US" altLang="ko-KR" sz="500" dirty="0" smtClean="0"/>
+                        <a:rPr lang="en-US" altLang="ko-KR" sz="500" dirty="0"/>
                         <a:t>0.2f, 1.0f</a:t>
                       </a:r>
-                      <a:endParaRPr lang="ko-KR" altLang="en-US" sz="500" dirty="0" smtClean="0"/>
+                      <a:endParaRPr lang="ko-KR" altLang="en-US" sz="500" dirty="0"/>
                     </a:p>
                   </a:txBody>
                   <a:tcPr marL="0" marR="0" marT="0" marB="0" anchor="ctr">
@@ -18604,7 +18135,7 @@
                     <a:p>
                       <a:pPr algn="ctr" latinLnBrk="1"/>
                       <a:r>
-                        <a:rPr lang="en-US" altLang="ko-KR" sz="500" dirty="0" smtClean="0"/>
+                        <a:rPr lang="en-US" altLang="ko-KR" sz="500" dirty="0"/>
                         <a:t>0.3f, 1.0f</a:t>
                       </a:r>
                       <a:endParaRPr lang="ko-KR" altLang="en-US" sz="500" dirty="0"/>
@@ -18626,7 +18157,7 @@
                     <a:p>
                       <a:pPr algn="ctr" latinLnBrk="1"/>
                       <a:r>
-                        <a:rPr lang="en-US" altLang="ko-KR" sz="500" dirty="0" smtClean="0"/>
+                        <a:rPr lang="en-US" altLang="ko-KR" sz="500" dirty="0"/>
                         <a:t>0.5f, 1.0f</a:t>
                       </a:r>
                       <a:endParaRPr lang="ko-KR" altLang="en-US" sz="500" dirty="0"/>
@@ -18648,7 +18179,7 @@
                     <a:p>
                       <a:pPr algn="ctr" latinLnBrk="1"/>
                       <a:r>
-                        <a:rPr lang="en-US" altLang="ko-KR" sz="500" dirty="0" smtClean="0"/>
+                        <a:rPr lang="en-US" altLang="ko-KR" sz="500" dirty="0"/>
                         <a:t>0.7f, 1.0f</a:t>
                       </a:r>
                       <a:endParaRPr lang="ko-KR" altLang="en-US" sz="500" dirty="0"/>
@@ -18670,7 +18201,7 @@
                     <a:p>
                       <a:pPr algn="ctr" latinLnBrk="1"/>
                       <a:r>
-                        <a:rPr lang="en-US" altLang="ko-KR" sz="500" dirty="0" smtClean="0"/>
+                        <a:rPr lang="en-US" altLang="ko-KR" sz="500" dirty="0"/>
                         <a:t>0.8f, 1.0f</a:t>
                       </a:r>
                       <a:endParaRPr lang="ko-KR" altLang="en-US" sz="500" dirty="0"/>
@@ -18692,7 +18223,7 @@
                     <a:p>
                       <a:pPr algn="ctr" latinLnBrk="1"/>
                       <a:r>
-                        <a:rPr lang="en-US" altLang="ko-KR" sz="500" dirty="0" smtClean="0"/>
+                        <a:rPr lang="en-US" altLang="ko-KR" sz="500" dirty="0"/>
                         <a:t>1.0f, 1.0f</a:t>
                       </a:r>
                       <a:endParaRPr lang="ko-KR" altLang="en-US" sz="500" dirty="0"/>
@@ -18784,7 +18315,7 @@
                     <a:p>
                       <a:pPr algn="ctr" latinLnBrk="1"/>
                       <a:r>
-                        <a:rPr lang="en-US" altLang="ko-KR" sz="500" dirty="0" smtClean="0"/>
+                        <a:rPr lang="en-US" altLang="ko-KR" sz="500" dirty="0"/>
                         <a:t>0.0f, 0.8f</a:t>
                       </a:r>
                       <a:endParaRPr lang="ko-KR" altLang="en-US" sz="500" dirty="0"/>
@@ -18806,7 +18337,7 @@
                     <a:p>
                       <a:pPr algn="ctr" latinLnBrk="1"/>
                       <a:r>
-                        <a:rPr lang="en-US" altLang="ko-KR" sz="500" dirty="0" smtClean="0"/>
+                        <a:rPr lang="en-US" altLang="ko-KR" sz="500" dirty="0"/>
                         <a:t>0.2f, 0.8f</a:t>
                       </a:r>
                       <a:endParaRPr lang="ko-KR" altLang="en-US" sz="500" dirty="0"/>
@@ -18828,7 +18359,7 @@
                     <a:p>
                       <a:pPr algn="ctr" latinLnBrk="1"/>
                       <a:r>
-                        <a:rPr lang="en-US" altLang="ko-KR" sz="500" dirty="0" smtClean="0"/>
+                        <a:rPr lang="en-US" altLang="ko-KR" sz="500" dirty="0"/>
                         <a:t>0.3f, 0.8f</a:t>
                       </a:r>
                       <a:endParaRPr lang="ko-KR" altLang="en-US" sz="500" dirty="0"/>
@@ -18850,7 +18381,7 @@
                     <a:p>
                       <a:pPr algn="ctr" latinLnBrk="1"/>
                       <a:r>
-                        <a:rPr lang="en-US" altLang="ko-KR" sz="500" dirty="0" smtClean="0"/>
+                        <a:rPr lang="en-US" altLang="ko-KR" sz="500" dirty="0"/>
                         <a:t>0.5f, 0.8f</a:t>
                       </a:r>
                       <a:endParaRPr lang="ko-KR" altLang="en-US" sz="500" dirty="0"/>
@@ -18872,7 +18403,7 @@
                     <a:p>
                       <a:pPr algn="ctr" latinLnBrk="1"/>
                       <a:r>
-                        <a:rPr lang="en-US" altLang="ko-KR" sz="500" dirty="0" smtClean="0"/>
+                        <a:rPr lang="en-US" altLang="ko-KR" sz="500" dirty="0"/>
                         <a:t>0.7f, 0.8f</a:t>
                       </a:r>
                       <a:endParaRPr lang="ko-KR" altLang="en-US" sz="500" dirty="0"/>
@@ -18894,7 +18425,7 @@
                     <a:p>
                       <a:pPr algn="ctr" latinLnBrk="1"/>
                       <a:r>
-                        <a:rPr lang="en-US" altLang="ko-KR" sz="500" dirty="0" smtClean="0"/>
+                        <a:rPr lang="en-US" altLang="ko-KR" sz="500" dirty="0"/>
                         <a:t>0.8f, 0.8f</a:t>
                       </a:r>
                       <a:endParaRPr lang="ko-KR" altLang="en-US" sz="500" dirty="0"/>
@@ -18916,7 +18447,7 @@
                     <a:p>
                       <a:pPr algn="ctr" latinLnBrk="1"/>
                       <a:r>
-                        <a:rPr lang="en-US" altLang="ko-KR" sz="500" dirty="0" smtClean="0"/>
+                        <a:rPr lang="en-US" altLang="ko-KR" sz="500" dirty="0"/>
                         <a:t>1.0f, 0.8f</a:t>
                       </a:r>
                       <a:endParaRPr lang="ko-KR" altLang="en-US" sz="500" dirty="0"/>
@@ -19008,7 +18539,7 @@
                     <a:p>
                       <a:pPr algn="ctr" latinLnBrk="1"/>
                       <a:r>
-                        <a:rPr lang="en-US" altLang="ko-KR" sz="500" dirty="0" smtClean="0"/>
+                        <a:rPr lang="en-US" altLang="ko-KR" sz="500" dirty="0"/>
                         <a:t>0.0f, 0.6f</a:t>
                       </a:r>
                       <a:endParaRPr lang="ko-KR" altLang="en-US" sz="500" dirty="0"/>
@@ -19030,7 +18561,7 @@
                     <a:p>
                       <a:pPr algn="ctr" latinLnBrk="1"/>
                       <a:r>
-                        <a:rPr lang="en-US" altLang="ko-KR" sz="500" dirty="0" smtClean="0"/>
+                        <a:rPr lang="en-US" altLang="ko-KR" sz="500" dirty="0"/>
                         <a:t>0.2f, 0.6f</a:t>
                       </a:r>
                       <a:endParaRPr lang="ko-KR" altLang="en-US" sz="500" dirty="0"/>
@@ -19052,7 +18583,7 @@
                     <a:p>
                       <a:pPr algn="ctr" latinLnBrk="1"/>
                       <a:r>
-                        <a:rPr lang="en-US" altLang="ko-KR" sz="500" dirty="0" smtClean="0"/>
+                        <a:rPr lang="en-US" altLang="ko-KR" sz="500" dirty="0"/>
                         <a:t>0.3f, 0.6f</a:t>
                       </a:r>
                       <a:endParaRPr lang="ko-KR" altLang="en-US" sz="500" dirty="0"/>
@@ -19074,7 +18605,7 @@
                     <a:p>
                       <a:pPr algn="ctr" latinLnBrk="1"/>
                       <a:r>
-                        <a:rPr lang="en-US" altLang="ko-KR" sz="500" dirty="0" smtClean="0"/>
+                        <a:rPr lang="en-US" altLang="ko-KR" sz="500" dirty="0"/>
                         <a:t>0.5f, 0.6f</a:t>
                       </a:r>
                       <a:endParaRPr lang="ko-KR" altLang="en-US" sz="500" dirty="0"/>
@@ -19096,7 +18627,7 @@
                     <a:p>
                       <a:pPr algn="ctr" latinLnBrk="1"/>
                       <a:r>
-                        <a:rPr lang="en-US" altLang="ko-KR" sz="500" dirty="0" smtClean="0"/>
+                        <a:rPr lang="en-US" altLang="ko-KR" sz="500" dirty="0"/>
                         <a:t>0.7f, 0.6f</a:t>
                       </a:r>
                       <a:endParaRPr lang="ko-KR" altLang="en-US" sz="500" dirty="0"/>
@@ -19118,7 +18649,7 @@
                     <a:p>
                       <a:pPr algn="ctr" latinLnBrk="1"/>
                       <a:r>
-                        <a:rPr lang="en-US" altLang="ko-KR" sz="500" dirty="0" smtClean="0"/>
+                        <a:rPr lang="en-US" altLang="ko-KR" sz="500" dirty="0"/>
                         <a:t>0.8f, 0.6f</a:t>
                       </a:r>
                       <a:endParaRPr lang="ko-KR" altLang="en-US" sz="500" dirty="0"/>
@@ -19217,11 +18748,11 @@
                     <a:p>
                       <a:pPr algn="ctr" latinLnBrk="1"/>
                       <a:r>
-                        <a:rPr lang="en-US" altLang="ko-KR" sz="500" dirty="0" smtClean="0"/>
+                        <a:rPr lang="en-US" altLang="ko-KR" sz="500" dirty="0"/>
                         <a:t>0.0f,</a:t>
                       </a:r>
                       <a:r>
-                        <a:rPr lang="en-US" altLang="ko-KR" sz="500" baseline="0" dirty="0" smtClean="0"/>
+                        <a:rPr lang="en-US" altLang="ko-KR" sz="500" baseline="0" dirty="0"/>
                         <a:t> 0.4f</a:t>
                       </a:r>
                       <a:endParaRPr lang="ko-KR" altLang="en-US" sz="500" dirty="0"/>
@@ -19243,11 +18774,11 @@
                     <a:p>
                       <a:pPr algn="ctr" latinLnBrk="1"/>
                       <a:r>
-                        <a:rPr lang="en-US" altLang="ko-KR" sz="500" dirty="0" smtClean="0"/>
+                        <a:rPr lang="en-US" altLang="ko-KR" sz="500" dirty="0"/>
                         <a:t>0.2f,</a:t>
                       </a:r>
                       <a:r>
-                        <a:rPr lang="en-US" altLang="ko-KR" sz="500" baseline="0" dirty="0" smtClean="0"/>
+                        <a:rPr lang="en-US" altLang="ko-KR" sz="500" baseline="0" dirty="0"/>
                         <a:t> 0.4f</a:t>
                       </a:r>
                       <a:endParaRPr lang="ko-KR" altLang="en-US" sz="500" dirty="0"/>
@@ -19269,11 +18800,11 @@
                     <a:p>
                       <a:pPr algn="ctr" latinLnBrk="1"/>
                       <a:r>
-                        <a:rPr lang="en-US" altLang="ko-KR" sz="500" dirty="0" smtClean="0"/>
+                        <a:rPr lang="en-US" altLang="ko-KR" sz="500" dirty="0"/>
                         <a:t>0.3f,</a:t>
                       </a:r>
                       <a:r>
-                        <a:rPr lang="en-US" altLang="ko-KR" sz="500" baseline="0" dirty="0" smtClean="0"/>
+                        <a:rPr lang="en-US" altLang="ko-KR" sz="500" baseline="0" dirty="0"/>
                         <a:t> 0.4f</a:t>
                       </a:r>
                       <a:endParaRPr lang="ko-KR" altLang="en-US" sz="500" dirty="0"/>
@@ -19295,11 +18826,11 @@
                     <a:p>
                       <a:pPr algn="ctr" latinLnBrk="1"/>
                       <a:r>
-                        <a:rPr lang="en-US" altLang="ko-KR" sz="500" dirty="0" smtClean="0"/>
+                        <a:rPr lang="en-US" altLang="ko-KR" sz="500" dirty="0"/>
                         <a:t>0.5f,</a:t>
                       </a:r>
                       <a:r>
-                        <a:rPr lang="en-US" altLang="ko-KR" sz="500" baseline="0" dirty="0" smtClean="0"/>
+                        <a:rPr lang="en-US" altLang="ko-KR" sz="500" baseline="0" dirty="0"/>
                         <a:t> 0.4f</a:t>
                       </a:r>
                       <a:endParaRPr lang="ko-KR" altLang="en-US" sz="500" dirty="0"/>
@@ -19420,7 +18951,7 @@
                     <a:p>
                       <a:pPr algn="ctr" latinLnBrk="1"/>
                       <a:r>
-                        <a:rPr lang="en-US" altLang="ko-KR" sz="500" dirty="0" smtClean="0"/>
+                        <a:rPr lang="en-US" altLang="ko-KR" sz="500" dirty="0"/>
                         <a:t>0.0f, 0.2f</a:t>
                       </a:r>
                       <a:endParaRPr lang="ko-KR" altLang="en-US" sz="500" dirty="0"/>
@@ -19442,7 +18973,7 @@
                     <a:p>
                       <a:pPr algn="ctr" latinLnBrk="1"/>
                       <a:r>
-                        <a:rPr lang="en-US" altLang="ko-KR" sz="500" dirty="0" smtClean="0"/>
+                        <a:rPr lang="en-US" altLang="ko-KR" sz="500" dirty="0"/>
                         <a:t>0.2f, 0.2f</a:t>
                       </a:r>
                       <a:endParaRPr lang="ko-KR" altLang="en-US" sz="500" dirty="0"/>
@@ -19464,7 +18995,7 @@
                     <a:p>
                       <a:pPr algn="ctr" latinLnBrk="1"/>
                       <a:r>
-                        <a:rPr lang="en-US" altLang="ko-KR" sz="500" dirty="0" smtClean="0"/>
+                        <a:rPr lang="en-US" altLang="ko-KR" sz="500" dirty="0"/>
                         <a:t>0.3f, 0.2f</a:t>
                       </a:r>
                       <a:endParaRPr lang="ko-KR" altLang="en-US" sz="500" dirty="0"/>
@@ -19592,11 +19123,11 @@
                     <a:p>
                       <a:pPr algn="ctr" latinLnBrk="1"/>
                       <a:r>
-                        <a:rPr lang="en-US" altLang="ko-KR" sz="500" dirty="0" smtClean="0"/>
+                        <a:rPr lang="en-US" altLang="ko-KR" sz="500" dirty="0"/>
                         <a:t>0.0f,</a:t>
                       </a:r>
                       <a:r>
-                        <a:rPr lang="en-US" altLang="ko-KR" sz="500" baseline="0" dirty="0" smtClean="0"/>
+                        <a:rPr lang="en-US" altLang="ko-KR" sz="500" baseline="0" dirty="0"/>
                         <a:t> 0.0f</a:t>
                       </a:r>
                       <a:endParaRPr lang="ko-KR" altLang="en-US" sz="500" dirty="0"/>
@@ -21691,11 +21222,7 @@
           <a:p>
             <a:r>
               <a:rPr lang="en-US" altLang="ko-KR" sz="1400" dirty="0"/>
-              <a:t>#version </a:t>
-            </a:r>
-            <a:r>
-              <a:rPr lang="en-US" altLang="ko-KR" sz="1400" dirty="0"/>
-              <a:t>330</a:t>
+              <a:t>#version 330</a:t>
             </a:r>
           </a:p>
           <a:p>
@@ -24828,13 +24355,6 @@
   <p:clrMapOvr>
     <a:masterClrMapping/>
   </p:clrMapOvr>
-  <p:timing>
-    <p:tnLst>
-      <p:par>
-        <p:cTn id="1" dur="indefinite" restart="never" nodeType="tmRoot"/>
-      </p:par>
-    </p:tnLst>
-  </p:timing>
 </p:sld>
 </file>
 
@@ -24871,12 +24391,8 @@
           <a:lstStyle/>
           <a:p>
             <a:r>
-              <a:rPr lang="ko-KR" altLang="en-US" dirty="0" smtClean="0"/>
-              <a:t>실</a:t>
-            </a:r>
-            <a:r>
               <a:rPr lang="ko-KR" altLang="en-US" dirty="0"/>
-              <a:t>습</a:t>
+              <a:t>실습</a:t>
             </a:r>
           </a:p>
         </p:txBody>
@@ -24972,13 +24488,6 @@
   <p:clrMapOvr>
     <a:masterClrMapping/>
   </p:clrMapOvr>
-  <p:timing>
-    <p:tnLst>
-      <p:par>
-        <p:cTn id="1" dur="indefinite" restart="never" nodeType="tmRoot"/>
-      </p:par>
-    </p:tnLst>
-  </p:timing>
 </p:sld>
 </file>
 
@@ -25205,11 +24714,7 @@
           <a:p>
             <a:r>
               <a:rPr lang="ko-KR" altLang="en-US" dirty="0"/>
-              <a:t>실험 데이터 </a:t>
-            </a:r>
-            <a:r>
-              <a:rPr lang="ko-KR" altLang="en-US" dirty="0" smtClean="0"/>
-              <a:t>준비</a:t>
+              <a:t>실험 데이터 준비</a:t>
             </a:r>
             <a:r>
               <a:rPr lang="en-US" altLang="ko-KR" dirty="0"/>
@@ -28732,13 +28237,6 @@
   <p:clrMapOvr>
     <a:masterClrMapping/>
   </p:clrMapOvr>
-  <p:timing>
-    <p:tnLst>
-      <p:par>
-        <p:cTn id="1" dur="indefinite" restart="never" nodeType="tmRoot"/>
-      </p:par>
-    </p:tnLst>
-  </p:timing>
 </p:sld>
 </file>
 
@@ -28776,11 +28274,7 @@
           <a:p>
             <a:r>
               <a:rPr lang="ko-KR" altLang="en-US" dirty="0"/>
-              <a:t>실험 데이터 </a:t>
-            </a:r>
-            <a:r>
-              <a:rPr lang="ko-KR" altLang="en-US" dirty="0" smtClean="0"/>
-              <a:t>준비</a:t>
+              <a:t>실험 데이터 준비</a:t>
             </a:r>
             <a:r>
               <a:rPr lang="en-US" altLang="ko-KR" dirty="0"/>
@@ -28966,7 +28460,7 @@
                     <a:p>
                       <a:pPr latinLnBrk="1"/>
                       <a:r>
-                        <a:rPr lang="en-US" altLang="ko-KR" b="1" dirty="0" smtClean="0">
+                        <a:rPr lang="en-US" altLang="ko-KR" b="1" dirty="0">
                           <a:solidFill>
                             <a:srgbClr val="FF0000"/>
                           </a:solidFill>
@@ -29003,7 +28497,7 @@
                     <a:p>
                       <a:pPr latinLnBrk="1"/>
                       <a:r>
-                        <a:rPr lang="en-US" altLang="ko-KR" b="1" dirty="0" smtClean="0">
+                        <a:rPr lang="en-US" altLang="ko-KR" b="1" dirty="0">
                           <a:solidFill>
                             <a:srgbClr val="00B050"/>
                           </a:solidFill>
@@ -29040,7 +28534,7 @@
                     <a:p>
                       <a:pPr latinLnBrk="1"/>
                       <a:r>
-                        <a:rPr lang="en-US" altLang="ko-KR" b="1" dirty="0" smtClean="0">
+                        <a:rPr lang="en-US" altLang="ko-KR" b="1" dirty="0">
                           <a:solidFill>
                             <a:srgbClr val="0070C0"/>
                           </a:solidFill>
@@ -29077,7 +28571,7 @@
                     <a:p>
                       <a:pPr latinLnBrk="1"/>
                       <a:r>
-                        <a:rPr lang="en-US" altLang="ko-KR" b="1" dirty="0" smtClean="0">
+                        <a:rPr lang="en-US" altLang="ko-KR" b="1" dirty="0">
                           <a:solidFill>
                             <a:schemeClr val="tx1">
                               <a:lumMod val="50000"/>
@@ -29127,7 +28621,7 @@
                     <a:p>
                       <a:pPr latinLnBrk="1"/>
                       <a:r>
-                        <a:rPr lang="en-US" altLang="ko-KR" dirty="0" smtClean="0"/>
+                        <a:rPr lang="en-US" altLang="ko-KR" dirty="0"/>
                         <a:t>0~255 (0x00~0xFF)</a:t>
                       </a:r>
                       <a:endParaRPr lang="ko-KR" altLang="en-US" dirty="0"/>
@@ -29142,7 +28636,7 @@
                     <a:p>
                       <a:pPr latinLnBrk="1"/>
                       <a:r>
-                        <a:rPr lang="en-US" altLang="ko-KR" dirty="0" smtClean="0"/>
+                        <a:rPr lang="en-US" altLang="ko-KR" dirty="0"/>
                         <a:t>0~255 (0x00~0xFF)</a:t>
                       </a:r>
                       <a:endParaRPr lang="ko-KR" altLang="en-US" dirty="0"/>
@@ -29157,7 +28651,7 @@
                     <a:p>
                       <a:pPr latinLnBrk="1"/>
                       <a:r>
-                        <a:rPr lang="en-US" altLang="ko-KR" dirty="0" smtClean="0"/>
+                        <a:rPr lang="en-US" altLang="ko-KR" dirty="0"/>
                         <a:t>0~255 (0x00~0xFF)</a:t>
                       </a:r>
                       <a:endParaRPr lang="ko-KR" altLang="en-US" dirty="0"/>
@@ -29172,7 +28666,7 @@
                     <a:p>
                       <a:pPr latinLnBrk="1"/>
                       <a:r>
-                        <a:rPr lang="en-US" altLang="ko-KR" dirty="0" smtClean="0"/>
+                        <a:rPr lang="en-US" altLang="ko-KR" dirty="0"/>
                         <a:t>0~255 (0x00~0xFF)</a:t>
                       </a:r>
                       <a:endParaRPr lang="ko-KR" altLang="en-US" dirty="0"/>
@@ -29200,13 +28694,6 @@
   <p:clrMapOvr>
     <a:masterClrMapping/>
   </p:clrMapOvr>
-  <p:timing>
-    <p:tnLst>
-      <p:par>
-        <p:cTn id="1" dur="indefinite" restart="never" nodeType="tmRoot"/>
-      </p:par>
-    </p:tnLst>
-  </p:timing>
 </p:sld>
 </file>
 
@@ -29244,11 +28731,7 @@
           <a:p>
             <a:r>
               <a:rPr lang="ko-KR" altLang="en-US" dirty="0"/>
-              <a:t>실험 데이터 </a:t>
-            </a:r>
-            <a:r>
-              <a:rPr lang="ko-KR" altLang="en-US" dirty="0" smtClean="0"/>
-              <a:t>준비</a:t>
+              <a:t>실험 데이터 준비</a:t>
             </a:r>
             <a:r>
               <a:rPr lang="en-US" altLang="ko-KR" dirty="0"/>
@@ -29328,7 +28811,7 @@
                     <a:p>
                       <a:pPr latinLnBrk="1"/>
                       <a:r>
-                        <a:rPr lang="en-US" altLang="ko-KR" b="1" dirty="0" smtClean="0">
+                        <a:rPr lang="en-US" altLang="ko-KR" b="1" dirty="0">
                           <a:solidFill>
                             <a:srgbClr val="FF0000"/>
                           </a:solidFill>
@@ -29365,7 +28848,7 @@
                     <a:p>
                       <a:pPr latinLnBrk="1"/>
                       <a:r>
-                        <a:rPr lang="en-US" altLang="ko-KR" b="1" dirty="0" smtClean="0">
+                        <a:rPr lang="en-US" altLang="ko-KR" b="1" dirty="0">
                           <a:solidFill>
                             <a:srgbClr val="00B050"/>
                           </a:solidFill>
@@ -29402,7 +28885,7 @@
                     <a:p>
                       <a:pPr latinLnBrk="1"/>
                       <a:r>
-                        <a:rPr lang="en-US" altLang="ko-KR" b="1" dirty="0" smtClean="0">
+                        <a:rPr lang="en-US" altLang="ko-KR" b="1" dirty="0">
                           <a:solidFill>
                             <a:srgbClr val="0070C0"/>
                           </a:solidFill>
@@ -29439,7 +28922,7 @@
                     <a:p>
                       <a:pPr latinLnBrk="1"/>
                       <a:r>
-                        <a:rPr lang="en-US" altLang="ko-KR" b="1" dirty="0" smtClean="0">
+                        <a:rPr lang="en-US" altLang="ko-KR" b="1" dirty="0">
                           <a:solidFill>
                             <a:schemeClr val="tx1">
                               <a:lumMod val="50000"/>
@@ -29489,11 +28972,11 @@
                     <a:p>
                       <a:pPr latinLnBrk="1"/>
                       <a:r>
-                        <a:rPr lang="en-US" altLang="ko-KR" dirty="0" smtClean="0"/>
+                        <a:rPr lang="en-US" altLang="ko-KR" dirty="0"/>
                         <a:t>FF </a:t>
                       </a:r>
                       <a:r>
-                        <a:rPr lang="en-US" altLang="ko-KR" dirty="0" smtClean="0">
+                        <a:rPr lang="en-US" altLang="ko-KR" dirty="0">
                           <a:sym typeface="Wingdings" pitchFamily="2" charset="2"/>
                         </a:rPr>
                         <a:t> 255</a:t>
@@ -29510,11 +28993,11 @@
                     <a:p>
                       <a:pPr latinLnBrk="1"/>
                       <a:r>
-                        <a:rPr lang="en-US" altLang="ko-KR" dirty="0" smtClean="0"/>
+                        <a:rPr lang="en-US" altLang="ko-KR" dirty="0"/>
                         <a:t>FF </a:t>
                       </a:r>
                       <a:r>
-                        <a:rPr lang="en-US" altLang="ko-KR" dirty="0" smtClean="0">
+                        <a:rPr lang="en-US" altLang="ko-KR" dirty="0">
                           <a:sym typeface="Wingdings" pitchFamily="2" charset="2"/>
                         </a:rPr>
                         <a:t> 255</a:t>
@@ -29531,11 +29014,11 @@
                     <a:p>
                       <a:pPr latinLnBrk="1"/>
                       <a:r>
-                        <a:rPr lang="en-US" altLang="ko-KR" dirty="0" smtClean="0"/>
+                        <a:rPr lang="en-US" altLang="ko-KR" dirty="0"/>
                         <a:t>FF </a:t>
                       </a:r>
                       <a:r>
-                        <a:rPr lang="en-US" altLang="ko-KR" dirty="0" smtClean="0">
+                        <a:rPr lang="en-US" altLang="ko-KR" dirty="0">
                           <a:sym typeface="Wingdings" pitchFamily="2" charset="2"/>
                         </a:rPr>
                         <a:t> 255</a:t>
@@ -29552,11 +29035,11 @@
                     <a:p>
                       <a:pPr latinLnBrk="1"/>
                       <a:r>
-                        <a:rPr lang="en-US" altLang="ko-KR" dirty="0" smtClean="0"/>
+                        <a:rPr lang="en-US" altLang="ko-KR" dirty="0"/>
                         <a:t>FF </a:t>
                       </a:r>
                       <a:r>
-                        <a:rPr lang="en-US" altLang="ko-KR" dirty="0" smtClean="0">
+                        <a:rPr lang="en-US" altLang="ko-KR" dirty="0">
                           <a:sym typeface="Wingdings" pitchFamily="2" charset="2"/>
                         </a:rPr>
                         <a:t> 255</a:t>
@@ -30307,7 +29790,7 @@
                     <a:p>
                       <a:pPr latinLnBrk="1"/>
                       <a:r>
-                        <a:rPr lang="en-US" altLang="ko-KR" b="1" dirty="0" smtClean="0">
+                        <a:rPr lang="en-US" altLang="ko-KR" b="1" dirty="0">
                           <a:solidFill>
                             <a:srgbClr val="FF0000"/>
                           </a:solidFill>
@@ -30344,7 +29827,7 @@
                     <a:p>
                       <a:pPr latinLnBrk="1"/>
                       <a:r>
-                        <a:rPr lang="en-US" altLang="ko-KR" b="1" dirty="0" smtClean="0">
+                        <a:rPr lang="en-US" altLang="ko-KR" b="1" dirty="0">
                           <a:solidFill>
                             <a:srgbClr val="00B050"/>
                           </a:solidFill>
@@ -30381,7 +29864,7 @@
                     <a:p>
                       <a:pPr latinLnBrk="1"/>
                       <a:r>
-                        <a:rPr lang="en-US" altLang="ko-KR" b="1" dirty="0" smtClean="0">
+                        <a:rPr lang="en-US" altLang="ko-KR" b="1" dirty="0">
                           <a:solidFill>
                             <a:srgbClr val="0070C0"/>
                           </a:solidFill>
@@ -30418,7 +29901,7 @@
                     <a:p>
                       <a:pPr latinLnBrk="1"/>
                       <a:r>
-                        <a:rPr lang="en-US" altLang="ko-KR" b="1" dirty="0" smtClean="0">
+                        <a:rPr lang="en-US" altLang="ko-KR" b="1" dirty="0">
                           <a:solidFill>
                             <a:schemeClr val="tx1">
                               <a:lumMod val="50000"/>
@@ -30468,11 +29951,11 @@
                     <a:p>
                       <a:pPr latinLnBrk="1"/>
                       <a:r>
-                        <a:rPr lang="en-US" altLang="ko-KR" dirty="0" smtClean="0"/>
+                        <a:rPr lang="en-US" altLang="ko-KR" dirty="0"/>
                         <a:t>FF </a:t>
                       </a:r>
                       <a:r>
-                        <a:rPr lang="en-US" altLang="ko-KR" dirty="0" smtClean="0">
+                        <a:rPr lang="en-US" altLang="ko-KR" dirty="0">
                           <a:sym typeface="Wingdings" pitchFamily="2" charset="2"/>
                         </a:rPr>
                         <a:t> 255</a:t>
@@ -30489,11 +29972,11 @@
                     <a:p>
                       <a:pPr latinLnBrk="1"/>
                       <a:r>
-                        <a:rPr lang="en-US" altLang="ko-KR" dirty="0" smtClean="0"/>
+                        <a:rPr lang="en-US" altLang="ko-KR" dirty="0"/>
                         <a:t>FF </a:t>
                       </a:r>
                       <a:r>
-                        <a:rPr lang="en-US" altLang="ko-KR" dirty="0" smtClean="0">
+                        <a:rPr lang="en-US" altLang="ko-KR" dirty="0">
                           <a:sym typeface="Wingdings" pitchFamily="2" charset="2"/>
                         </a:rPr>
                         <a:t> 255</a:t>
@@ -30510,11 +29993,11 @@
                     <a:p>
                       <a:pPr latinLnBrk="1"/>
                       <a:r>
-                        <a:rPr lang="en-US" altLang="ko-KR" dirty="0" smtClean="0"/>
+                        <a:rPr lang="en-US" altLang="ko-KR" dirty="0"/>
                         <a:t>FF </a:t>
                       </a:r>
                       <a:r>
-                        <a:rPr lang="en-US" altLang="ko-KR" dirty="0" smtClean="0">
+                        <a:rPr lang="en-US" altLang="ko-KR" dirty="0">
                           <a:sym typeface="Wingdings" pitchFamily="2" charset="2"/>
                         </a:rPr>
                         <a:t> 255</a:t>
@@ -30531,11 +30014,11 @@
                     <a:p>
                       <a:pPr latinLnBrk="1"/>
                       <a:r>
-                        <a:rPr lang="en-US" altLang="ko-KR" dirty="0" smtClean="0"/>
+                        <a:rPr lang="en-US" altLang="ko-KR" dirty="0"/>
                         <a:t>FF </a:t>
                       </a:r>
                       <a:r>
-                        <a:rPr lang="en-US" altLang="ko-KR" dirty="0" smtClean="0">
+                        <a:rPr lang="en-US" altLang="ko-KR" dirty="0">
                           <a:sym typeface="Wingdings" pitchFamily="2" charset="2"/>
                         </a:rPr>
                         <a:t> 255</a:t>
@@ -31368,7 +30851,7 @@
                     <a:p>
                       <a:pPr latinLnBrk="1"/>
                       <a:r>
-                        <a:rPr lang="en-US" altLang="ko-KR" b="1" dirty="0" smtClean="0">
+                        <a:rPr lang="en-US" altLang="ko-KR" b="1" dirty="0">
                           <a:solidFill>
                             <a:srgbClr val="FF0000"/>
                           </a:solidFill>
@@ -31405,7 +30888,7 @@
                     <a:p>
                       <a:pPr latinLnBrk="1"/>
                       <a:r>
-                        <a:rPr lang="en-US" altLang="ko-KR" b="1" dirty="0" smtClean="0">
+                        <a:rPr lang="en-US" altLang="ko-KR" b="1" dirty="0">
                           <a:solidFill>
                             <a:srgbClr val="00B050"/>
                           </a:solidFill>
@@ -31442,7 +30925,7 @@
                     <a:p>
                       <a:pPr latinLnBrk="1"/>
                       <a:r>
-                        <a:rPr lang="en-US" altLang="ko-KR" b="1" dirty="0" smtClean="0">
+                        <a:rPr lang="en-US" altLang="ko-KR" b="1" dirty="0">
                           <a:solidFill>
                             <a:srgbClr val="0070C0"/>
                           </a:solidFill>
@@ -31479,7 +30962,7 @@
                     <a:p>
                       <a:pPr latinLnBrk="1"/>
                       <a:r>
-                        <a:rPr lang="en-US" altLang="ko-KR" b="1" dirty="0" smtClean="0">
+                        <a:rPr lang="en-US" altLang="ko-KR" b="1" dirty="0">
                           <a:solidFill>
                             <a:schemeClr val="tx1">
                               <a:lumMod val="50000"/>
@@ -31529,11 +31012,11 @@
                     <a:p>
                       <a:pPr latinLnBrk="1"/>
                       <a:r>
-                        <a:rPr lang="en-US" altLang="ko-KR" dirty="0" smtClean="0"/>
+                        <a:rPr lang="en-US" altLang="ko-KR" dirty="0"/>
                         <a:t>FF </a:t>
                       </a:r>
                       <a:r>
-                        <a:rPr lang="en-US" altLang="ko-KR" dirty="0" smtClean="0">
+                        <a:rPr lang="en-US" altLang="ko-KR" dirty="0">
                           <a:sym typeface="Wingdings" pitchFamily="2" charset="2"/>
                         </a:rPr>
                         <a:t> 255</a:t>
@@ -31550,11 +31033,11 @@
                     <a:p>
                       <a:pPr latinLnBrk="1"/>
                       <a:r>
-                        <a:rPr lang="en-US" altLang="ko-KR" dirty="0" smtClean="0"/>
+                        <a:rPr lang="en-US" altLang="ko-KR" dirty="0"/>
                         <a:t>FF </a:t>
                       </a:r>
                       <a:r>
-                        <a:rPr lang="en-US" altLang="ko-KR" dirty="0" smtClean="0">
+                        <a:rPr lang="en-US" altLang="ko-KR" dirty="0">
                           <a:sym typeface="Wingdings" pitchFamily="2" charset="2"/>
                         </a:rPr>
                         <a:t> 255</a:t>
@@ -31571,11 +31054,11 @@
                     <a:p>
                       <a:pPr latinLnBrk="1"/>
                       <a:r>
-                        <a:rPr lang="en-US" altLang="ko-KR" dirty="0" smtClean="0"/>
+                        <a:rPr lang="en-US" altLang="ko-KR" dirty="0"/>
                         <a:t>FF </a:t>
                       </a:r>
                       <a:r>
-                        <a:rPr lang="en-US" altLang="ko-KR" dirty="0" smtClean="0">
+                        <a:rPr lang="en-US" altLang="ko-KR" dirty="0">
                           <a:sym typeface="Wingdings" pitchFamily="2" charset="2"/>
                         </a:rPr>
                         <a:t> 255</a:t>
@@ -31592,11 +31075,11 @@
                     <a:p>
                       <a:pPr latinLnBrk="1"/>
                       <a:r>
-                        <a:rPr lang="en-US" altLang="ko-KR" dirty="0" smtClean="0"/>
+                        <a:rPr lang="en-US" altLang="ko-KR" dirty="0"/>
                         <a:t>FF </a:t>
                       </a:r>
                       <a:r>
-                        <a:rPr lang="en-US" altLang="ko-KR" dirty="0" smtClean="0">
+                        <a:rPr lang="en-US" altLang="ko-KR" dirty="0">
                           <a:sym typeface="Wingdings" pitchFamily="2" charset="2"/>
                         </a:rPr>
                         <a:t> 255</a:t>
@@ -31716,7 +31199,7 @@
                     <a:p>
                       <a:pPr latinLnBrk="1"/>
                       <a:r>
-                        <a:rPr lang="en-US" altLang="ko-KR" b="1" dirty="0" smtClean="0">
+                        <a:rPr lang="en-US" altLang="ko-KR" b="1" dirty="0">
                           <a:solidFill>
                             <a:srgbClr val="FF0000"/>
                           </a:solidFill>
@@ -31753,7 +31236,7 @@
                     <a:p>
                       <a:pPr latinLnBrk="1"/>
                       <a:r>
-                        <a:rPr lang="en-US" altLang="ko-KR" b="1" dirty="0" smtClean="0">
+                        <a:rPr lang="en-US" altLang="ko-KR" b="1" dirty="0">
                           <a:solidFill>
                             <a:srgbClr val="00B050"/>
                           </a:solidFill>
@@ -31790,7 +31273,7 @@
                     <a:p>
                       <a:pPr latinLnBrk="1"/>
                       <a:r>
-                        <a:rPr lang="en-US" altLang="ko-KR" b="1" dirty="0" smtClean="0">
+                        <a:rPr lang="en-US" altLang="ko-KR" b="1" dirty="0">
                           <a:solidFill>
                             <a:srgbClr val="0070C0"/>
                           </a:solidFill>
@@ -31827,7 +31310,7 @@
                     <a:p>
                       <a:pPr latinLnBrk="1"/>
                       <a:r>
-                        <a:rPr lang="en-US" altLang="ko-KR" b="1" dirty="0" smtClean="0">
+                        <a:rPr lang="en-US" altLang="ko-KR" b="1" dirty="0">
                           <a:solidFill>
                             <a:schemeClr val="tx1">
                               <a:lumMod val="50000"/>
@@ -31877,11 +31360,11 @@
                     <a:p>
                       <a:pPr latinLnBrk="1"/>
                       <a:r>
-                        <a:rPr lang="en-US" altLang="ko-KR" dirty="0" smtClean="0"/>
+                        <a:rPr lang="en-US" altLang="ko-KR" dirty="0"/>
                         <a:t>255 </a:t>
                       </a:r>
                       <a:r>
-                        <a:rPr lang="en-US" altLang="ko-KR" dirty="0" smtClean="0">
+                        <a:rPr lang="en-US" altLang="ko-KR" dirty="0">
                           <a:sym typeface="Wingdings" pitchFamily="2" charset="2"/>
                         </a:rPr>
                         <a:t> 1.0f</a:t>
@@ -31898,11 +31381,11 @@
                     <a:p>
                       <a:pPr latinLnBrk="1"/>
                       <a:r>
-                        <a:rPr lang="en-US" altLang="ko-KR" dirty="0" smtClean="0"/>
+                        <a:rPr lang="en-US" altLang="ko-KR" dirty="0"/>
                         <a:t>255 </a:t>
                       </a:r>
                       <a:r>
-                        <a:rPr lang="en-US" altLang="ko-KR" dirty="0" smtClean="0">
+                        <a:rPr lang="en-US" altLang="ko-KR" dirty="0">
                           <a:sym typeface="Wingdings" pitchFamily="2" charset="2"/>
                         </a:rPr>
                         <a:t> 1.0f</a:t>
@@ -31919,11 +31402,11 @@
                     <a:p>
                       <a:pPr latinLnBrk="1"/>
                       <a:r>
-                        <a:rPr lang="en-US" altLang="ko-KR" dirty="0" smtClean="0"/>
+                        <a:rPr lang="en-US" altLang="ko-KR" dirty="0"/>
                         <a:t>255 </a:t>
                       </a:r>
                       <a:r>
-                        <a:rPr lang="en-US" altLang="ko-KR" dirty="0" smtClean="0">
+                        <a:rPr lang="en-US" altLang="ko-KR" dirty="0">
                           <a:sym typeface="Wingdings" pitchFamily="2" charset="2"/>
                         </a:rPr>
                         <a:t> 1.0f</a:t>
@@ -31940,11 +31423,11 @@
                     <a:p>
                       <a:pPr latinLnBrk="1"/>
                       <a:r>
-                        <a:rPr lang="en-US" altLang="ko-KR" dirty="0" smtClean="0"/>
+                        <a:rPr lang="en-US" altLang="ko-KR" dirty="0"/>
                         <a:t>255 </a:t>
                       </a:r>
                       <a:r>
-                        <a:rPr lang="en-US" altLang="ko-KR" dirty="0" smtClean="0">
+                        <a:rPr lang="en-US" altLang="ko-KR" dirty="0">
                           <a:sym typeface="Wingdings" pitchFamily="2" charset="2"/>
                         </a:rPr>
                         <a:t> 1.0f</a:t>
@@ -32053,11 +31536,7 @@
           <a:p>
             <a:r>
               <a:rPr lang="ko-KR" altLang="en-US" dirty="0"/>
-              <a:t>실험 데이터 </a:t>
-            </a:r>
-            <a:r>
-              <a:rPr lang="ko-KR" altLang="en-US" dirty="0" smtClean="0"/>
-              <a:t>준비</a:t>
+              <a:t>실험 데이터 준비</a:t>
             </a:r>
             <a:r>
               <a:rPr lang="en-US" altLang="ko-KR" dirty="0"/>
@@ -32129,91 +31608,55 @@
           <a:p>
             <a:r>
               <a:rPr lang="en-US" altLang="ko-KR" sz="1200" dirty="0"/>
-              <a:t>  0xFFFFFFFF</a:t>
-            </a:r>
+              <a:t>  0xFFFFFFFF, 0xFFFFFFFF, 0xFFFFFFFF, 0xFFFFFFFF, 0xFFFFFFFF, 0xFFFFFFFF, 0xFFFFFFFF, 0xFFFFFFFF,</a:t>
+            </a:r>
+          </a:p>
+          <a:p>
             <a:r>
               <a:rPr lang="en-US" altLang="ko-KR" sz="1200" dirty="0"/>
-              <a:t>, 0xFFFFFFFF, 0xFFFFFFFF, 0xFFFFFFFF, 0xFFFFFFFF, 0xFFFFFFFF, 0xFFFFFFFF, 0xFFFFFFFF,</a:t>
+              <a:t>  0xFF0000FF, 0xFF0000FF, 0xFFFFFFFF, 0xFFFFFFFF, 0xFFFFFFFF, 0xFFFFFFFF, 0xFFFF0000, 0xFFFF0000,</a:t>
             </a:r>
           </a:p>
           <a:p>
             <a:r>
               <a:rPr lang="en-US" altLang="ko-KR" sz="1200" dirty="0"/>
-              <a:t>  0xFF0000FF</a:t>
-            </a:r>
+              <a:t>  0xFF0000FF, 0xFF0000FF, 0xFFFFFFFF, 0xFFFFFFFF, 0xFFFFFFFF, 0xFFFFFFFF, 0xFFFF0000, 0xFFFF0000,</a:t>
+            </a:r>
+          </a:p>
+          <a:p>
             <a:r>
               <a:rPr lang="en-US" altLang="ko-KR" sz="1200" dirty="0"/>
-              <a:t>, 0xFF0000FF, 0xFFFFFFFF, 0xFFFFFFFF, 0xFFFFFFFF, 0xFFFFFFFF, 0xFFFF0000, 0xFFFF0000,</a:t>
+              <a:t>  0xFFFFFFFF, 0xFFFFFFFF, 0xFFFFFFFF, 0xFFFFFFFF, 0xFFFFFFFF, 0xFFFFFFFF, 0xFFFFFFFF, 0xFFFFFFFF,</a:t>
             </a:r>
           </a:p>
           <a:p>
             <a:r>
               <a:rPr lang="en-US" altLang="ko-KR" sz="1200" dirty="0"/>
-              <a:t>  0xFF0000FF</a:t>
-            </a:r>
+              <a:t>  0xFF00FF00, 0xFFFFFFFF, 0xFFFFFFFF, 0xFFFFFFFF, 0xFFFFFFFF, 0xFFFFFFFF, 0xFFFFFFFF, 0xFF00FF00,</a:t>
+            </a:r>
+          </a:p>
+          <a:p>
             <a:r>
               <a:rPr lang="en-US" altLang="ko-KR" sz="1200" dirty="0"/>
-              <a:t>, 0xFF0000FF, 0xFFFFFFFF, 0xFFFFFFFF, 0xFFFFFFFF, 0xFFFFFFFF, 0xFFFF0000, 0xFFFF0000,</a:t>
+              <a:t>  0xFF00FF00, 0xFF00FF00, 0xFF00FF00, 0xFF00FF00, 0xFF00FF00, 0xFF00FF00, 0xFF00FF00, 0xFF00FF00,</a:t>
             </a:r>
           </a:p>
           <a:p>
             <a:r>
               <a:rPr lang="en-US" altLang="ko-KR" sz="1200" dirty="0"/>
-              <a:t>  0xFFFFFFFF</a:t>
-            </a:r>
+              <a:t>  0xFFFFFFFF, 0xFF00FF00, 0xFF00FF00, 0xFF00FF00, 0xFF00FF00, 0xFF00FF00, 0xFF00FF00, 0xFFFFFFFF,</a:t>
+            </a:r>
+          </a:p>
+          <a:p>
             <a:r>
               <a:rPr lang="en-US" altLang="ko-KR" sz="1200" dirty="0"/>
-              <a:t>, 0xFFFFFFFF, 0xFFFFFFFF, 0xFFFFFFFF, 0xFFFFFFFF, 0xFFFFFFFF, 0xFFFFFFFF, 0xFFFFFFFF,</a:t>
+              <a:t>  0xFFFFFFFF, 0xFFFFFFFF, 0xFFFFFFFF, 0xFFFFFFFF, 0xFFFFFFFF, 0xFFFFFFFF, 0xFFFFFFFF, 0xFFFFFFFF,</a:t>
             </a:r>
           </a:p>
           <a:p>
             <a:r>
               <a:rPr lang="en-US" altLang="ko-KR" sz="1200" dirty="0"/>
-              <a:t>  0xFF00FF00</a:t>
-            </a:r>
-            <a:r>
-              <a:rPr lang="en-US" altLang="ko-KR" sz="1200" dirty="0"/>
-              <a:t>, 0xFFFFFFFF, 0xFFFFFFFF, 0xFFFFFFFF, 0xFFFFFFFF, 0xFFFFFFFF, 0xFFFFFFFF, 0xFF00FF00,</a:t>
-            </a:r>
-          </a:p>
-          <a:p>
-            <a:r>
-              <a:rPr lang="en-US" altLang="ko-KR" sz="1200" dirty="0"/>
-              <a:t>  0xFF00FF00</a:t>
-            </a:r>
-            <a:r>
-              <a:rPr lang="en-US" altLang="ko-KR" sz="1200" dirty="0"/>
-              <a:t>, 0xFF00FF00, 0xFF00FF00, 0xFF00FF00, 0xFF00FF00, 0xFF00FF00, 0xFF00FF00, 0xFF00FF00,</a:t>
-            </a:r>
-          </a:p>
-          <a:p>
-            <a:r>
-              <a:rPr lang="en-US" altLang="ko-KR" sz="1200" dirty="0"/>
-              <a:t>  0xFFFFFFFF</a:t>
-            </a:r>
-            <a:r>
-              <a:rPr lang="en-US" altLang="ko-KR" sz="1200" dirty="0"/>
-              <a:t>, 0xFF00FF00, 0xFF00FF00, 0xFF00FF00, 0xFF00FF00, 0xFF00FF00, 0xFF00FF00, 0xFFFFFFFF,</a:t>
-            </a:r>
-          </a:p>
-          <a:p>
-            <a:r>
-              <a:rPr lang="en-US" altLang="ko-KR" sz="1200" dirty="0"/>
-              <a:t>  0xFFFFFFFF</a:t>
-            </a:r>
-            <a:r>
-              <a:rPr lang="en-US" altLang="ko-KR" sz="1200" dirty="0"/>
-              <a:t>, 0xFFFFFFFF, 0xFFFFFFFF, 0xFFFFFFFF, 0xFFFFFFFF, 0xFFFFFFFF, 0xFFFFFFFF, 0xFFFFFFFF,</a:t>
-            </a:r>
-          </a:p>
-          <a:p>
-            <a:r>
-              <a:rPr lang="en-US" altLang="ko-KR" sz="1200" dirty="0"/>
-              <a:t>};</a:t>
-            </a:r>
-            <a:r>
-              <a:rPr lang="en-US" altLang="ko-KR" sz="1200" dirty="0"/>
-              <a:t> </a:t>
+              <a:t>}; </a:t>
             </a:r>
             <a:endParaRPr lang="ko-KR" altLang="en-US" sz="1200" dirty="0"/>
           </a:p>
@@ -32317,7 +31760,7 @@
                     <a:p>
                       <a:pPr algn="ctr" latinLnBrk="1"/>
                       <a:r>
-                        <a:rPr lang="en-US" altLang="ko-KR" sz="900" dirty="0" smtClean="0"/>
+                        <a:rPr lang="en-US" altLang="ko-KR" sz="900" dirty="0"/>
                         <a:t>0xFFFFFFFF</a:t>
                       </a:r>
                       <a:endParaRPr lang="ko-KR" altLang="en-US" sz="900" dirty="0"/>
@@ -32332,7 +31775,7 @@
                     <a:p>
                       <a:pPr algn="ctr" latinLnBrk="1"/>
                       <a:r>
-                        <a:rPr lang="en-US" altLang="ko-KR" sz="900" dirty="0" smtClean="0"/>
+                        <a:rPr lang="en-US" altLang="ko-KR" sz="900" dirty="0"/>
                         <a:t>0xFFFFFFFF</a:t>
                       </a:r>
                       <a:endParaRPr lang="ko-KR" altLang="en-US" sz="900" dirty="0"/>
@@ -32347,7 +31790,7 @@
                     <a:p>
                       <a:pPr algn="ctr" latinLnBrk="1"/>
                       <a:r>
-                        <a:rPr lang="en-US" altLang="ko-KR" sz="900" dirty="0" smtClean="0"/>
+                        <a:rPr lang="en-US" altLang="ko-KR" sz="900" dirty="0"/>
                         <a:t>0xFFFFFFFF</a:t>
                       </a:r>
                       <a:endParaRPr lang="ko-KR" altLang="en-US" sz="900" dirty="0"/>
@@ -32362,7 +31805,7 @@
                     <a:p>
                       <a:pPr algn="ctr" latinLnBrk="1"/>
                       <a:r>
-                        <a:rPr lang="en-US" altLang="ko-KR" sz="900" dirty="0" smtClean="0"/>
+                        <a:rPr lang="en-US" altLang="ko-KR" sz="900" dirty="0"/>
                         <a:t>0xFFFFFFFF</a:t>
                       </a:r>
                       <a:endParaRPr lang="ko-KR" altLang="en-US" sz="900" dirty="0"/>
@@ -32377,7 +31820,7 @@
                     <a:p>
                       <a:pPr algn="ctr" latinLnBrk="1"/>
                       <a:r>
-                        <a:rPr lang="en-US" altLang="ko-KR" sz="900" dirty="0" smtClean="0"/>
+                        <a:rPr lang="en-US" altLang="ko-KR" sz="900" dirty="0"/>
                         <a:t>0xFFFFFFFF</a:t>
                       </a:r>
                       <a:endParaRPr lang="ko-KR" altLang="en-US" sz="900" dirty="0"/>
@@ -32392,7 +31835,7 @@
                     <a:p>
                       <a:pPr algn="ctr" latinLnBrk="1"/>
                       <a:r>
-                        <a:rPr lang="en-US" altLang="ko-KR" sz="900" dirty="0" smtClean="0"/>
+                        <a:rPr lang="en-US" altLang="ko-KR" sz="900" dirty="0"/>
                         <a:t>0xFFFFFFFF</a:t>
                       </a:r>
                       <a:endParaRPr lang="ko-KR" altLang="en-US" sz="900" dirty="0"/>
@@ -32407,7 +31850,7 @@
                     <a:p>
                       <a:pPr algn="ctr" latinLnBrk="1"/>
                       <a:r>
-                        <a:rPr lang="en-US" altLang="ko-KR" sz="900" dirty="0" smtClean="0"/>
+                        <a:rPr lang="en-US" altLang="ko-KR" sz="900" dirty="0"/>
                         <a:t>0xFFFFFFFF</a:t>
                       </a:r>
                       <a:endParaRPr lang="ko-KR" altLang="en-US" sz="900" dirty="0"/>
@@ -32422,7 +31865,7 @@
                     <a:p>
                       <a:pPr algn="ctr" latinLnBrk="1"/>
                       <a:r>
-                        <a:rPr lang="en-US" altLang="ko-KR" sz="900" dirty="0" smtClean="0"/>
+                        <a:rPr lang="en-US" altLang="ko-KR" sz="900" dirty="0"/>
                         <a:t>0xFFFFFFFF</a:t>
                       </a:r>
                       <a:endParaRPr lang="ko-KR" altLang="en-US" sz="900" dirty="0"/>
@@ -32444,7 +31887,7 @@
                     <a:p>
                       <a:pPr algn="ctr" latinLnBrk="1"/>
                       <a:r>
-                        <a:rPr lang="en-US" altLang="ko-KR" sz="900" dirty="0" smtClean="0"/>
+                        <a:rPr lang="en-US" altLang="ko-KR" sz="900" dirty="0"/>
                         <a:t>0xFFFFFFFF</a:t>
                       </a:r>
                       <a:endParaRPr lang="ko-KR" altLang="en-US" sz="900" dirty="0"/>
@@ -32463,7 +31906,7 @@
                     <a:p>
                       <a:pPr algn="ctr" latinLnBrk="1"/>
                       <a:r>
-                        <a:rPr lang="en-US" altLang="ko-KR" sz="900" dirty="0" smtClean="0"/>
+                        <a:rPr lang="en-US" altLang="ko-KR" sz="900" dirty="0"/>
                         <a:t>0xFF00FF00</a:t>
                       </a:r>
                       <a:endParaRPr lang="ko-KR" altLang="en-US" sz="900" dirty="0"/>
@@ -32482,7 +31925,7 @@
                     <a:p>
                       <a:pPr algn="ctr" latinLnBrk="1"/>
                       <a:r>
-                        <a:rPr lang="en-US" altLang="ko-KR" sz="900" dirty="0" smtClean="0"/>
+                        <a:rPr lang="en-US" altLang="ko-KR" sz="900" dirty="0"/>
                         <a:t>0xFF00FF00</a:t>
                       </a:r>
                       <a:endParaRPr lang="ko-KR" altLang="en-US" sz="900" dirty="0"/>
@@ -32501,7 +31944,7 @@
                     <a:p>
                       <a:pPr algn="ctr" latinLnBrk="1"/>
                       <a:r>
-                        <a:rPr lang="en-US" altLang="ko-KR" sz="900" dirty="0" smtClean="0"/>
+                        <a:rPr lang="en-US" altLang="ko-KR" sz="900" dirty="0"/>
                         <a:t>0xFF00FF00</a:t>
                       </a:r>
                       <a:endParaRPr lang="ko-KR" altLang="en-US" sz="900" dirty="0"/>
@@ -32520,7 +31963,7 @@
                     <a:p>
                       <a:pPr algn="ctr" latinLnBrk="1"/>
                       <a:r>
-                        <a:rPr lang="en-US" altLang="ko-KR" sz="900" dirty="0" smtClean="0"/>
+                        <a:rPr lang="en-US" altLang="ko-KR" sz="900" dirty="0"/>
                         <a:t>0xFF00FF00</a:t>
                       </a:r>
                       <a:endParaRPr lang="ko-KR" altLang="en-US" sz="900" dirty="0"/>
@@ -32539,7 +31982,7 @@
                     <a:p>
                       <a:pPr algn="ctr" latinLnBrk="1"/>
                       <a:r>
-                        <a:rPr lang="en-US" altLang="ko-KR" sz="900" dirty="0" smtClean="0"/>
+                        <a:rPr lang="en-US" altLang="ko-KR" sz="900" dirty="0"/>
                         <a:t>0xFF00FF00</a:t>
                       </a:r>
                       <a:endParaRPr lang="ko-KR" altLang="en-US" sz="900" dirty="0"/>
@@ -32558,7 +32001,7 @@
                     <a:p>
                       <a:pPr algn="ctr" latinLnBrk="1"/>
                       <a:r>
-                        <a:rPr lang="en-US" altLang="ko-KR" sz="900" dirty="0" smtClean="0"/>
+                        <a:rPr lang="en-US" altLang="ko-KR" sz="900" dirty="0"/>
                         <a:t>0xFF00FF00</a:t>
                       </a:r>
                       <a:endParaRPr lang="ko-KR" altLang="en-US" sz="900" dirty="0"/>
@@ -32577,7 +32020,7 @@
                     <a:p>
                       <a:pPr algn="ctr" latinLnBrk="1"/>
                       <a:r>
-                        <a:rPr lang="en-US" altLang="ko-KR" sz="900" dirty="0" smtClean="0"/>
+                        <a:rPr lang="en-US" altLang="ko-KR" sz="900" dirty="0"/>
                         <a:t>0xFFFFFFFF</a:t>
                       </a:r>
                       <a:endParaRPr lang="ko-KR" altLang="en-US" sz="900" dirty="0"/>
@@ -32603,7 +32046,7 @@
                     <a:p>
                       <a:pPr algn="ctr" latinLnBrk="1"/>
                       <a:r>
-                        <a:rPr lang="en-US" altLang="ko-KR" sz="900" dirty="0" smtClean="0"/>
+                        <a:rPr lang="en-US" altLang="ko-KR" sz="900" dirty="0"/>
                         <a:t>0xFF00FF00</a:t>
                       </a:r>
                       <a:endParaRPr lang="ko-KR" altLang="en-US" sz="900" dirty="0"/>
@@ -32622,7 +32065,7 @@
                     <a:p>
                       <a:pPr algn="ctr" latinLnBrk="1"/>
                       <a:r>
-                        <a:rPr lang="en-US" altLang="ko-KR" sz="900" dirty="0" smtClean="0"/>
+                        <a:rPr lang="en-US" altLang="ko-KR" sz="900" dirty="0"/>
                         <a:t>0xFF00FF00</a:t>
                       </a:r>
                       <a:endParaRPr lang="ko-KR" altLang="en-US" sz="900" dirty="0"/>
@@ -32641,7 +32084,7 @@
                     <a:p>
                       <a:pPr algn="ctr" latinLnBrk="1"/>
                       <a:r>
-                        <a:rPr lang="en-US" altLang="ko-KR" sz="900" dirty="0" smtClean="0"/>
+                        <a:rPr lang="en-US" altLang="ko-KR" sz="900" dirty="0"/>
                         <a:t>0xFF00FF00</a:t>
                       </a:r>
                       <a:endParaRPr lang="ko-KR" altLang="en-US" sz="900" dirty="0"/>
@@ -32660,7 +32103,7 @@
                     <a:p>
                       <a:pPr algn="ctr" latinLnBrk="1"/>
                       <a:r>
-                        <a:rPr lang="en-US" altLang="ko-KR" sz="900" dirty="0" smtClean="0"/>
+                        <a:rPr lang="en-US" altLang="ko-KR" sz="900" dirty="0"/>
                         <a:t>0xFF00FF00</a:t>
                       </a:r>
                       <a:endParaRPr lang="ko-KR" altLang="en-US" sz="900" dirty="0"/>
@@ -32679,7 +32122,7 @@
                     <a:p>
                       <a:pPr algn="ctr" latinLnBrk="1"/>
                       <a:r>
-                        <a:rPr lang="en-US" altLang="ko-KR" sz="900" dirty="0" smtClean="0"/>
+                        <a:rPr lang="en-US" altLang="ko-KR" sz="900" dirty="0"/>
                         <a:t>0xFF00FF00</a:t>
                       </a:r>
                       <a:endParaRPr lang="ko-KR" altLang="en-US" sz="900" dirty="0"/>
@@ -32698,7 +32141,7 @@
                     <a:p>
                       <a:pPr algn="ctr" latinLnBrk="1"/>
                       <a:r>
-                        <a:rPr lang="en-US" altLang="ko-KR" sz="900" dirty="0" smtClean="0"/>
+                        <a:rPr lang="en-US" altLang="ko-KR" sz="900" dirty="0"/>
                         <a:t>0xFF00FF00</a:t>
                       </a:r>
                       <a:endParaRPr lang="ko-KR" altLang="en-US" sz="900" dirty="0"/>
@@ -32717,7 +32160,7 @@
                     <a:p>
                       <a:pPr algn="ctr" latinLnBrk="1"/>
                       <a:r>
-                        <a:rPr lang="en-US" altLang="ko-KR" sz="900" dirty="0" smtClean="0"/>
+                        <a:rPr lang="en-US" altLang="ko-KR" sz="900" dirty="0"/>
                         <a:t>0xFF00FF00</a:t>
                       </a:r>
                       <a:endParaRPr lang="ko-KR" altLang="en-US" sz="900" dirty="0"/>
@@ -32736,7 +32179,7 @@
                     <a:p>
                       <a:pPr algn="ctr" latinLnBrk="1"/>
                       <a:r>
-                        <a:rPr lang="en-US" altLang="ko-KR" sz="900" dirty="0" smtClean="0"/>
+                        <a:rPr lang="en-US" altLang="ko-KR" sz="900" dirty="0"/>
                         <a:t>0xFF00FF00</a:t>
                       </a:r>
                       <a:endParaRPr lang="ko-KR" altLang="en-US" sz="900" dirty="0"/>
@@ -32762,7 +32205,7 @@
                     <a:p>
                       <a:pPr algn="ctr" latinLnBrk="1"/>
                       <a:r>
-                        <a:rPr lang="en-US" altLang="ko-KR" sz="900" dirty="0" smtClean="0"/>
+                        <a:rPr lang="en-US" altLang="ko-KR" sz="900" dirty="0"/>
                         <a:t>0xFF00FF00</a:t>
                       </a:r>
                       <a:endParaRPr lang="ko-KR" altLang="en-US" sz="900" dirty="0"/>
@@ -32781,7 +32224,7 @@
                     <a:p>
                       <a:pPr algn="ctr" latinLnBrk="1"/>
                       <a:r>
-                        <a:rPr lang="en-US" altLang="ko-KR" sz="900" dirty="0" smtClean="0"/>
+                        <a:rPr lang="en-US" altLang="ko-KR" sz="900" dirty="0"/>
                         <a:t>0xFFFFFFFF</a:t>
                       </a:r>
                       <a:endParaRPr lang="ko-KR" altLang="en-US" sz="900" dirty="0"/>
@@ -32796,7 +32239,7 @@
                     <a:p>
                       <a:pPr algn="ctr" latinLnBrk="1"/>
                       <a:r>
-                        <a:rPr lang="en-US" altLang="ko-KR" sz="900" dirty="0" smtClean="0"/>
+                        <a:rPr lang="en-US" altLang="ko-KR" sz="900" dirty="0"/>
                         <a:t>0xFFFFFFFF</a:t>
                       </a:r>
                       <a:endParaRPr lang="ko-KR" altLang="en-US" sz="900" dirty="0"/>
@@ -32811,7 +32254,7 @@
                     <a:p>
                       <a:pPr algn="ctr" latinLnBrk="1"/>
                       <a:r>
-                        <a:rPr lang="en-US" altLang="ko-KR" sz="900" dirty="0" smtClean="0"/>
+                        <a:rPr lang="en-US" altLang="ko-KR" sz="900" dirty="0"/>
                         <a:t>0xFFFFFFFF</a:t>
                       </a:r>
                       <a:endParaRPr lang="ko-KR" altLang="en-US" sz="900" dirty="0"/>
@@ -32826,7 +32269,7 @@
                     <a:p>
                       <a:pPr algn="ctr" latinLnBrk="1"/>
                       <a:r>
-                        <a:rPr lang="en-US" altLang="ko-KR" sz="900" dirty="0" smtClean="0"/>
+                        <a:rPr lang="en-US" altLang="ko-KR" sz="900" dirty="0"/>
                         <a:t>0xFFFFFFFF</a:t>
                       </a:r>
                       <a:endParaRPr lang="ko-KR" altLang="en-US" sz="900" dirty="0"/>
@@ -32841,7 +32284,7 @@
                     <a:p>
                       <a:pPr algn="ctr" latinLnBrk="1"/>
                       <a:r>
-                        <a:rPr lang="en-US" altLang="ko-KR" sz="900" dirty="0" smtClean="0"/>
+                        <a:rPr lang="en-US" altLang="ko-KR" sz="900" dirty="0"/>
                         <a:t>0xFFFFFFFF</a:t>
                       </a:r>
                       <a:endParaRPr lang="ko-KR" altLang="en-US" sz="900" dirty="0"/>
@@ -32856,7 +32299,7 @@
                     <a:p>
                       <a:pPr algn="ctr" latinLnBrk="1"/>
                       <a:r>
-                        <a:rPr lang="en-US" altLang="ko-KR" sz="900" dirty="0" smtClean="0"/>
+                        <a:rPr lang="en-US" altLang="ko-KR" sz="900" dirty="0"/>
                         <a:t>0xFFFFFFFF</a:t>
                       </a:r>
                       <a:endParaRPr lang="ko-KR" altLang="en-US" sz="900" dirty="0"/>
@@ -32871,7 +32314,7 @@
                     <a:p>
                       <a:pPr algn="ctr" latinLnBrk="1"/>
                       <a:r>
-                        <a:rPr lang="en-US" altLang="ko-KR" sz="900" dirty="0" smtClean="0"/>
+                        <a:rPr lang="en-US" altLang="ko-KR" sz="900" dirty="0"/>
                         <a:t>0xFF00FF00</a:t>
                       </a:r>
                       <a:endParaRPr lang="ko-KR" altLang="en-US" sz="900" dirty="0"/>
@@ -32897,7 +32340,7 @@
                     <a:p>
                       <a:pPr algn="ctr" latinLnBrk="1"/>
                       <a:r>
-                        <a:rPr lang="en-US" altLang="ko-KR" sz="900" dirty="0" smtClean="0"/>
+                        <a:rPr lang="en-US" altLang="ko-KR" sz="900" dirty="0"/>
                         <a:t>0xFFFFFFFF</a:t>
                       </a:r>
                       <a:endParaRPr lang="ko-KR" altLang="en-US" sz="900" dirty="0"/>
@@ -32916,7 +32359,7 @@
                     <a:p>
                       <a:pPr algn="ctr" latinLnBrk="1"/>
                       <a:r>
-                        <a:rPr lang="en-US" altLang="ko-KR" sz="900" dirty="0" smtClean="0"/>
+                        <a:rPr lang="en-US" altLang="ko-KR" sz="900" dirty="0"/>
                         <a:t>0xFFFFFFFF</a:t>
                       </a:r>
                       <a:endParaRPr lang="ko-KR" altLang="en-US" sz="900" dirty="0"/>
@@ -32935,7 +32378,7 @@
                     <a:p>
                       <a:pPr algn="ctr" latinLnBrk="1"/>
                       <a:r>
-                        <a:rPr lang="en-US" altLang="ko-KR" sz="900" dirty="0" smtClean="0"/>
+                        <a:rPr lang="en-US" altLang="ko-KR" sz="900" dirty="0"/>
                         <a:t>0xFFFFFFFF</a:t>
                       </a:r>
                       <a:endParaRPr lang="ko-KR" altLang="en-US" sz="900" dirty="0"/>
@@ -32954,7 +32397,7 @@
                     <a:p>
                       <a:pPr algn="ctr" latinLnBrk="1"/>
                       <a:r>
-                        <a:rPr lang="en-US" altLang="ko-KR" sz="900" dirty="0" smtClean="0"/>
+                        <a:rPr lang="en-US" altLang="ko-KR" sz="900" dirty="0"/>
                         <a:t>0xFFFFFFFF</a:t>
                       </a:r>
                       <a:endParaRPr lang="ko-KR" altLang="en-US" sz="900" dirty="0"/>
@@ -32973,7 +32416,7 @@
                     <a:p>
                       <a:pPr algn="ctr" latinLnBrk="1"/>
                       <a:r>
-                        <a:rPr lang="en-US" altLang="ko-KR" sz="900" dirty="0" smtClean="0"/>
+                        <a:rPr lang="en-US" altLang="ko-KR" sz="900" dirty="0"/>
                         <a:t>0xFFFFFFFF</a:t>
                       </a:r>
                       <a:endParaRPr lang="ko-KR" altLang="en-US" sz="900" dirty="0"/>
@@ -32992,7 +32435,7 @@
                     <a:p>
                       <a:pPr algn="ctr" latinLnBrk="1"/>
                       <a:r>
-                        <a:rPr lang="en-US" altLang="ko-KR" sz="900" dirty="0" smtClean="0"/>
+                        <a:rPr lang="en-US" altLang="ko-KR" sz="900" dirty="0"/>
                         <a:t>0xFFFFFFFF</a:t>
                       </a:r>
                       <a:endParaRPr lang="ko-KR" altLang="en-US" sz="900" dirty="0"/>
@@ -33011,7 +32454,7 @@
                     <a:p>
                       <a:pPr algn="ctr" latinLnBrk="1"/>
                       <a:r>
-                        <a:rPr lang="en-US" altLang="ko-KR" sz="900" dirty="0" smtClean="0"/>
+                        <a:rPr lang="en-US" altLang="ko-KR" sz="900" dirty="0"/>
                         <a:t>0xFFFFFFFF</a:t>
                       </a:r>
                       <a:endParaRPr lang="ko-KR" altLang="en-US" sz="900" dirty="0"/>
@@ -33030,7 +32473,7 @@
                     <a:p>
                       <a:pPr algn="ctr" latinLnBrk="1"/>
                       <a:r>
-                        <a:rPr lang="en-US" altLang="ko-KR" sz="900" dirty="0" smtClean="0"/>
+                        <a:rPr lang="en-US" altLang="ko-KR" sz="900" dirty="0"/>
                         <a:t>0xFFFFFFFF</a:t>
                       </a:r>
                       <a:endParaRPr lang="ko-KR" altLang="en-US" sz="900" dirty="0"/>
@@ -33056,7 +32499,7 @@
                     <a:p>
                       <a:pPr algn="ctr" latinLnBrk="1"/>
                       <a:r>
-                        <a:rPr lang="en-US" altLang="ko-KR" sz="900" dirty="0" smtClean="0"/>
+                        <a:rPr lang="en-US" altLang="ko-KR" sz="900" dirty="0"/>
                         <a:t>0xFF0000FF</a:t>
                       </a:r>
                       <a:endParaRPr lang="ko-KR" altLang="en-US" sz="900" dirty="0"/>
@@ -33075,7 +32518,7 @@
                     <a:p>
                       <a:pPr algn="ctr" latinLnBrk="1"/>
                       <a:r>
-                        <a:rPr lang="en-US" altLang="ko-KR" sz="900" dirty="0" smtClean="0"/>
+                        <a:rPr lang="en-US" altLang="ko-KR" sz="900" dirty="0"/>
                         <a:t>0xFF0000FF</a:t>
                       </a:r>
                       <a:endParaRPr lang="ko-KR" altLang="en-US" sz="900" dirty="0"/>
@@ -33094,7 +32537,7 @@
                     <a:p>
                       <a:pPr algn="ctr" latinLnBrk="1"/>
                       <a:r>
-                        <a:rPr lang="en-US" altLang="ko-KR" sz="900" dirty="0" smtClean="0"/>
+                        <a:rPr lang="en-US" altLang="ko-KR" sz="900" dirty="0"/>
                         <a:t>0xFFFFFFFF</a:t>
                       </a:r>
                       <a:endParaRPr lang="ko-KR" altLang="en-US" sz="900" dirty="0"/>
@@ -33113,7 +32556,7 @@
                     <a:p>
                       <a:pPr algn="ctr" latinLnBrk="1"/>
                       <a:r>
-                        <a:rPr lang="en-US" altLang="ko-KR" sz="900" dirty="0" smtClean="0"/>
+                        <a:rPr lang="en-US" altLang="ko-KR" sz="900" dirty="0"/>
                         <a:t>0xFFFFFFFF</a:t>
                       </a:r>
                       <a:endParaRPr lang="ko-KR" altLang="en-US" sz="900" dirty="0"/>
@@ -33132,7 +32575,7 @@
                     <a:p>
                       <a:pPr algn="ctr" latinLnBrk="1"/>
                       <a:r>
-                        <a:rPr lang="en-US" altLang="ko-KR" sz="900" dirty="0" smtClean="0"/>
+                        <a:rPr lang="en-US" altLang="ko-KR" sz="900" dirty="0"/>
                         <a:t>0xFFFFFFFF</a:t>
                       </a:r>
                       <a:endParaRPr lang="ko-KR" altLang="en-US" sz="900" dirty="0"/>
@@ -33151,7 +32594,7 @@
                     <a:p>
                       <a:pPr algn="ctr" latinLnBrk="1"/>
                       <a:r>
-                        <a:rPr lang="en-US" altLang="ko-KR" sz="900" dirty="0" smtClean="0"/>
+                        <a:rPr lang="en-US" altLang="ko-KR" sz="900" dirty="0"/>
                         <a:t>0xFFFFFFFF</a:t>
                       </a:r>
                       <a:endParaRPr lang="ko-KR" altLang="en-US" sz="900" dirty="0"/>
@@ -33170,7 +32613,7 @@
                     <a:p>
                       <a:pPr algn="ctr" latinLnBrk="1"/>
                       <a:r>
-                        <a:rPr lang="en-US" altLang="ko-KR" sz="900" dirty="0" smtClean="0"/>
+                        <a:rPr lang="en-US" altLang="ko-KR" sz="900" dirty="0"/>
                         <a:t>0xFFFF0000</a:t>
                       </a:r>
                       <a:endParaRPr lang="ko-KR" altLang="en-US" sz="900" dirty="0"/>
@@ -33189,7 +32632,7 @@
                     <a:p>
                       <a:pPr algn="ctr" latinLnBrk="1"/>
                       <a:r>
-                        <a:rPr lang="en-US" altLang="ko-KR" sz="900" dirty="0" smtClean="0"/>
+                        <a:rPr lang="en-US" altLang="ko-KR" sz="900" dirty="0"/>
                         <a:t>0xFFFF0000</a:t>
                       </a:r>
                       <a:endParaRPr lang="ko-KR" altLang="en-US" sz="900" dirty="0"/>
@@ -33215,7 +32658,7 @@
                     <a:p>
                       <a:pPr algn="ctr" latinLnBrk="1"/>
                       <a:r>
-                        <a:rPr lang="en-US" altLang="ko-KR" sz="900" dirty="0" smtClean="0"/>
+                        <a:rPr lang="en-US" altLang="ko-KR" sz="900" dirty="0"/>
                         <a:t>0xFF0000FF</a:t>
                       </a:r>
                       <a:endParaRPr lang="ko-KR" altLang="en-US" sz="900" dirty="0"/>
@@ -33234,7 +32677,7 @@
                     <a:p>
                       <a:pPr algn="ctr"/>
                       <a:r>
-                        <a:rPr lang="en-US" altLang="ko-KR" sz="900" dirty="0" smtClean="0"/>
+                        <a:rPr lang="en-US" altLang="ko-KR" sz="900" dirty="0"/>
                         <a:t>0xFF0000FF</a:t>
                       </a:r>
                       <a:endParaRPr lang="ko-KR" altLang="en-US" sz="900" dirty="0"/>
@@ -33253,7 +32696,7 @@
                     <a:p>
                       <a:pPr algn="ctr" latinLnBrk="1"/>
                       <a:r>
-                        <a:rPr lang="en-US" altLang="ko-KR" sz="900" dirty="0" smtClean="0"/>
+                        <a:rPr lang="en-US" altLang="ko-KR" sz="900" dirty="0"/>
                         <a:t>0xFFFFFFFF</a:t>
                       </a:r>
                       <a:endParaRPr lang="ko-KR" altLang="en-US" sz="900" dirty="0"/>
@@ -33272,7 +32715,7 @@
                     <a:p>
                       <a:pPr algn="ctr" latinLnBrk="1"/>
                       <a:r>
-                        <a:rPr lang="en-US" altLang="ko-KR" sz="900" dirty="0" smtClean="0"/>
+                        <a:rPr lang="en-US" altLang="ko-KR" sz="900" dirty="0"/>
                         <a:t>0xFFFFFFFF</a:t>
                       </a:r>
                       <a:endParaRPr lang="ko-KR" altLang="en-US" sz="900" dirty="0"/>
@@ -33291,7 +32734,7 @@
                     <a:p>
                       <a:pPr algn="ctr" latinLnBrk="1"/>
                       <a:r>
-                        <a:rPr lang="en-US" altLang="ko-KR" sz="900" dirty="0" smtClean="0"/>
+                        <a:rPr lang="en-US" altLang="ko-KR" sz="900" dirty="0"/>
                         <a:t>0xFFFFFFFF</a:t>
                       </a:r>
                       <a:endParaRPr lang="ko-KR" altLang="en-US" sz="900" dirty="0"/>
@@ -33310,7 +32753,7 @@
                     <a:p>
                       <a:pPr algn="ctr" latinLnBrk="1"/>
                       <a:r>
-                        <a:rPr lang="en-US" altLang="ko-KR" sz="900" dirty="0" smtClean="0"/>
+                        <a:rPr lang="en-US" altLang="ko-KR" sz="900" dirty="0"/>
                         <a:t>0xFFFFFFFF</a:t>
                       </a:r>
                       <a:endParaRPr lang="ko-KR" altLang="en-US" sz="900" dirty="0"/>
@@ -33329,7 +32772,7 @@
                     <a:p>
                       <a:pPr algn="ctr" latinLnBrk="1"/>
                       <a:r>
-                        <a:rPr lang="en-US" altLang="ko-KR" sz="900" dirty="0" smtClean="0"/>
+                        <a:rPr lang="en-US" altLang="ko-KR" sz="900" dirty="0"/>
                         <a:t>0xFFFF0000</a:t>
                       </a:r>
                       <a:endParaRPr lang="ko-KR" altLang="en-US" sz="900" dirty="0"/>
@@ -33348,7 +32791,7 @@
                     <a:p>
                       <a:pPr algn="ctr" latinLnBrk="1"/>
                       <a:r>
-                        <a:rPr lang="en-US" altLang="ko-KR" sz="900" dirty="0" smtClean="0"/>
+                        <a:rPr lang="en-US" altLang="ko-KR" sz="900" dirty="0"/>
                         <a:t>0xFFFF0000</a:t>
                       </a:r>
                       <a:endParaRPr lang="ko-KR" altLang="en-US" sz="900" dirty="0"/>
@@ -33374,7 +32817,7 @@
                     <a:p>
                       <a:pPr algn="ctr" latinLnBrk="1"/>
                       <a:r>
-                        <a:rPr lang="en-US" altLang="ko-KR" sz="900" dirty="0" smtClean="0"/>
+                        <a:rPr lang="en-US" altLang="ko-KR" sz="900" dirty="0"/>
                         <a:t>0xFFFFFFFF</a:t>
                       </a:r>
                       <a:endParaRPr lang="ko-KR" altLang="en-US" sz="900" dirty="0"/>
@@ -33393,7 +32836,7 @@
                     <a:p>
                       <a:pPr algn="ctr" latinLnBrk="1"/>
                       <a:r>
-                        <a:rPr lang="en-US" altLang="ko-KR" sz="900" dirty="0" smtClean="0"/>
+                        <a:rPr lang="en-US" altLang="ko-KR" sz="900" dirty="0"/>
                         <a:t>0xFFFFFFFF</a:t>
                       </a:r>
                       <a:endParaRPr lang="ko-KR" altLang="en-US" sz="900" dirty="0"/>
@@ -33412,7 +32855,7 @@
                     <a:p>
                       <a:pPr algn="ctr" latinLnBrk="1"/>
                       <a:r>
-                        <a:rPr lang="en-US" altLang="ko-KR" sz="900" dirty="0" smtClean="0"/>
+                        <a:rPr lang="en-US" altLang="ko-KR" sz="900" dirty="0"/>
                         <a:t>0xFFFFFFFF</a:t>
                       </a:r>
                       <a:endParaRPr lang="ko-KR" altLang="en-US" sz="900" dirty="0"/>
@@ -33431,7 +32874,7 @@
                     <a:p>
                       <a:pPr algn="ctr" latinLnBrk="1"/>
                       <a:r>
-                        <a:rPr lang="en-US" altLang="ko-KR" sz="900" dirty="0" smtClean="0"/>
+                        <a:rPr lang="en-US" altLang="ko-KR" sz="900" dirty="0"/>
                         <a:t>0xFFFFFFFF</a:t>
                       </a:r>
                       <a:endParaRPr lang="ko-KR" altLang="en-US" sz="900" dirty="0"/>
@@ -33450,7 +32893,7 @@
                     <a:p>
                       <a:pPr algn="ctr" latinLnBrk="1"/>
                       <a:r>
-                        <a:rPr lang="en-US" altLang="ko-KR" sz="900" dirty="0" smtClean="0"/>
+                        <a:rPr lang="en-US" altLang="ko-KR" sz="900" dirty="0"/>
                         <a:t>0xFFFFFFFF</a:t>
                       </a:r>
                       <a:endParaRPr lang="ko-KR" altLang="en-US" sz="900" dirty="0"/>
@@ -33469,7 +32912,7 @@
                     <a:p>
                       <a:pPr algn="ctr" latinLnBrk="1"/>
                       <a:r>
-                        <a:rPr lang="en-US" altLang="ko-KR" sz="900" dirty="0" smtClean="0"/>
+                        <a:rPr lang="en-US" altLang="ko-KR" sz="900" dirty="0"/>
                         <a:t>0xFFFFFFFF</a:t>
                       </a:r>
                       <a:endParaRPr lang="ko-KR" altLang="en-US" sz="900" dirty="0"/>
@@ -33488,7 +32931,7 @@
                     <a:p>
                       <a:pPr algn="ctr" latinLnBrk="1"/>
                       <a:r>
-                        <a:rPr lang="en-US" altLang="ko-KR" sz="900" dirty="0" smtClean="0"/>
+                        <a:rPr lang="en-US" altLang="ko-KR" sz="900" dirty="0"/>
                         <a:t>0xFFFFFFFF</a:t>
                       </a:r>
                       <a:endParaRPr lang="ko-KR" altLang="en-US" sz="900" dirty="0"/>
@@ -33507,7 +32950,7 @@
                     <a:p>
                       <a:pPr algn="ctr" latinLnBrk="1"/>
                       <a:r>
-                        <a:rPr lang="en-US" altLang="ko-KR" sz="900" dirty="0" smtClean="0"/>
+                        <a:rPr lang="en-US" altLang="ko-KR" sz="900" dirty="0"/>
                         <a:t>0xFFFFFFFF</a:t>
                       </a:r>
                       <a:endParaRPr lang="ko-KR" altLang="en-US" sz="900" dirty="0"/>
@@ -33576,11 +33019,7 @@
           <a:p>
             <a:r>
               <a:rPr lang="ko-KR" altLang="en-US" dirty="0"/>
-              <a:t>실험 데이터 </a:t>
-            </a:r>
-            <a:r>
-              <a:rPr lang="ko-KR" altLang="en-US" dirty="0" smtClean="0"/>
-              <a:t>준비</a:t>
+              <a:t>실험 데이터 준비</a:t>
             </a:r>
             <a:r>
               <a:rPr lang="en-US" altLang="ko-KR" dirty="0"/>
@@ -33648,97 +33087,53 @@
               <a:rPr lang="en-US" altLang="ko-KR" sz="1200" dirty="0"/>
               <a:t>{</a:t>
             </a:r>
-            <a:endParaRPr lang="en-US" altLang="ko-KR" sz="1200" dirty="0"/>
+          </a:p>
+          <a:p>
+            <a:r>
+              <a:rPr lang="en-US" altLang="ko-KR" sz="1200" dirty="0"/>
+              <a:t>  0xFFFFFFFF, 0xFFFFFFFF, 0xFFFFFFFF, 0xFFFFFFFF, 0xFFFFFFFF, 0xFFFFFFFF, 0xFFFFFFFF, 0xFFFFFFFF,</a:t>
+            </a:r>
+          </a:p>
+          <a:p>
+            <a:r>
+              <a:rPr lang="en-US" altLang="ko-KR" sz="1200" dirty="0"/>
+              <a:t>  0xFFFFFFFF, 0xFF00FF00, 0xFF00FF00, 0xFF00FF00, 0xFF00FF00, 0xFF00FF00, 0xFF00FF00, 0xFFFFFFFF,</a:t>
+            </a:r>
+          </a:p>
+          <a:p>
+            <a:r>
+              <a:rPr lang="en-US" altLang="ko-KR" sz="1200" dirty="0"/>
+              <a:t>  0xFF00FF00, 0xFF00FF00, 0xFF00FF00, 0xFF00FF00, 0xFF00FF00, 0xFF00FF00, 0xFF00FF00, 0xFF00FF00,</a:t>
+            </a:r>
+          </a:p>
+          <a:p>
+            <a:r>
+              <a:rPr lang="en-US" altLang="ko-KR" sz="1200" dirty="0"/>
+              <a:t>  0xFF00FF00, 0xFFFFFFFF, 0xFFFFFFFF, 0xFFFFFFFF, 0xFFFFFFFF, 0xFFFFFFFF, 0xFFFFFFFF, 0xFF00FF00,</a:t>
+            </a:r>
+          </a:p>
+          <a:p>
+            <a:r>
+              <a:rPr lang="en-US" altLang="ko-KR" sz="1200" dirty="0"/>
+              <a:t>  0xFFFFFFFF, 0xFFFFFFFF, 0xFFFFFFFF, 0xFFFFFFFF, 0xFFFFFFFF, 0xFFFFFFFF, 0xFFFFFFFF, 0xFFFFFFFF,</a:t>
+            </a:r>
+          </a:p>
+          <a:p>
+            <a:r>
+              <a:rPr lang="en-US" altLang="ko-KR" sz="1200" dirty="0"/>
+              <a:t>  0xFF0000FF, 0xFF0000FF, 0xFFFFFFFF, 0xFFFFFFFF, 0xFFFFFFFF, 0xFFFFFFFF, 0xFFFF0000, 0xFFFF0000,</a:t>
+            </a:r>
+          </a:p>
+          <a:p>
+            <a:r>
+              <a:rPr lang="en-US" altLang="ko-KR" sz="1200" dirty="0"/>
+              <a:t>  0xFF0000FF, 0xFF0000FF, 0xFFFFFFFF, 0xFFFFFFFF, 0xFFFFFFFF, 0xFFFFFFFF, 0xFFFF0000, 0xFFFF0000,</a:t>
+            </a:r>
           </a:p>
           <a:p>
             <a:r>
               <a:rPr lang="en-US" altLang="ko-KR" sz="1200" dirty="0"/>
               <a:t>  0xFFFFFFFF, 0xFFFFFFFF, 0xFFFFFFFF, 0xFFFFFFFF, 0xFFFFFFFF, 0xFFFFFFFF, 0xFFFFFFFF, 0xFFFFFFFF</a:t>
-            </a:r>
-            <a:r>
-              <a:rPr lang="en-US" altLang="ko-KR" sz="1200" dirty="0"/>
-              <a:t>,</a:t>
-            </a:r>
-            <a:endParaRPr lang="en-US" altLang="ko-KR" sz="1200" dirty="0"/>
-          </a:p>
-          <a:p>
-            <a:r>
-              <a:rPr lang="en-US" altLang="ko-KR" sz="1200" dirty="0"/>
-              <a:t>  0xFFFFFFFF, 0xFF00FF00, 0xFF00FF00, 0xFF00FF00, 0xFF00FF00, 0xFF00FF00, 0xFF00FF00, </a:t>
-            </a:r>
-            <a:r>
-              <a:rPr lang="en-US" altLang="ko-KR" sz="1200" dirty="0"/>
-              <a:t>0xFFFFFFFF,</a:t>
-            </a:r>
-            <a:endParaRPr lang="en-US" altLang="ko-KR" sz="1200" dirty="0"/>
-          </a:p>
-          <a:p>
-            <a:r>
-              <a:rPr lang="en-US" altLang="ko-KR" sz="1200" dirty="0"/>
-              <a:t>  0xFF00FF00, 0xFF00FF00, 0xFF00FF00, 0xFF00FF00, 0xFF00FF00, 0xFF00FF00, 0xFF00FF00, </a:t>
-            </a:r>
-            <a:r>
-              <a:rPr lang="en-US" altLang="ko-KR" sz="1200" dirty="0"/>
-              <a:t>0xFF00FF00,</a:t>
-            </a:r>
-            <a:endParaRPr lang="en-US" altLang="ko-KR" sz="1200" dirty="0"/>
-          </a:p>
-          <a:p>
-            <a:r>
-              <a:rPr lang="en-US" altLang="ko-KR" sz="1200" dirty="0"/>
-              <a:t>  0xFF00FF00, 0xFFFFFFFF, 0xFFFFFFFF, 0xFFFFFFFF, 0xFFFFFFFF, 0xFFFFFFFF, 0xFFFFFFFF, </a:t>
-            </a:r>
-            <a:r>
-              <a:rPr lang="en-US" altLang="ko-KR" sz="1200" dirty="0"/>
-              <a:t>0xFF00FF00,</a:t>
-            </a:r>
-            <a:endParaRPr lang="en-US" altLang="ko-KR" sz="1200" dirty="0"/>
-          </a:p>
-          <a:p>
-            <a:r>
-              <a:rPr lang="en-US" altLang="ko-KR" sz="1200" dirty="0"/>
-              <a:t>  0xFFFFFFFF, 0xFFFFFFFF, 0xFFFFFFFF, 0xFFFFFFFF, 0xFFFFFFFF, 0xFFFFFFFF, 0xFFFFFFFF, </a:t>
-            </a:r>
-            <a:r>
-              <a:rPr lang="en-US" altLang="ko-KR" sz="1200" dirty="0"/>
-              <a:t>0xFFFFFFFF,</a:t>
-            </a:r>
-            <a:endParaRPr lang="en-US" altLang="ko-KR" sz="1200" dirty="0"/>
-          </a:p>
-          <a:p>
-            <a:r>
-              <a:rPr lang="en-US" altLang="ko-KR" sz="1200" dirty="0"/>
-              <a:t>  0xFF0000FF, 0xFF0000FF, 0xFFFFFFFF, 0xFFFFFFFF, 0xFFFFFFFF, 0xFFFFFFFF, 0xFFFF0000, </a:t>
-            </a:r>
-            <a:r>
-              <a:rPr lang="en-US" altLang="ko-KR" sz="1200" dirty="0"/>
-              <a:t>0xFFFF0000,</a:t>
-            </a:r>
-            <a:endParaRPr lang="en-US" altLang="ko-KR" sz="1200" dirty="0"/>
-          </a:p>
-          <a:p>
-            <a:r>
-              <a:rPr lang="en-US" altLang="ko-KR" sz="1200" dirty="0"/>
-              <a:t>  0xFF0000FF, 0xFF0000FF, 0xFFFFFFFF, 0xFFFFFFFF, 0xFFFFFFFF, 0xFFFFFFFF, 0xFFFF0000, </a:t>
-            </a:r>
-            <a:r>
-              <a:rPr lang="en-US" altLang="ko-KR" sz="1200" dirty="0"/>
-              <a:t>0xFFFF0000,</a:t>
-            </a:r>
-            <a:endParaRPr lang="en-US" altLang="ko-KR" sz="1200" dirty="0"/>
-          </a:p>
-          <a:p>
-            <a:r>
-              <a:rPr lang="en-US" altLang="ko-KR" sz="1200" dirty="0"/>
-              <a:t>  0xFFFFFFFF</a:t>
-            </a:r>
-            <a:r>
-              <a:rPr lang="en-US" altLang="ko-KR" sz="1200" dirty="0"/>
-              <a:t>, 0xFFFFFFFF, 0xFFFFFFFF, 0xFFFFFFFF, 0xFFFFFFFF, 0xFFFFFFFF, 0xFFFFFFFF, </a:t>
-            </a:r>
-            <a:r>
-              <a:rPr lang="en-US" altLang="ko-KR" sz="1200" dirty="0"/>
-              <a:t>0xFFFFFFFF</a:t>
             </a:r>
           </a:p>
           <a:p>
@@ -33886,7 +33281,7 @@
                     <a:p>
                       <a:pPr algn="ctr" latinLnBrk="1"/>
                       <a:r>
-                        <a:rPr lang="en-US" altLang="ko-KR" sz="900" dirty="0" smtClean="0"/>
+                        <a:rPr lang="en-US" altLang="ko-KR" sz="900" dirty="0"/>
                         <a:t>0xFFFFFFFF</a:t>
                       </a:r>
                       <a:endParaRPr lang="ko-KR" altLang="en-US" sz="900" dirty="0"/>
@@ -33901,7 +33296,7 @@
                     <a:p>
                       <a:pPr algn="ctr" latinLnBrk="1"/>
                       <a:r>
-                        <a:rPr lang="en-US" altLang="ko-KR" sz="900" dirty="0" smtClean="0"/>
+                        <a:rPr lang="en-US" altLang="ko-KR" sz="900" dirty="0"/>
                         <a:t>0xFFFFFFFF</a:t>
                       </a:r>
                       <a:endParaRPr lang="ko-KR" altLang="en-US" sz="900" dirty="0"/>
@@ -33916,7 +33311,7 @@
                     <a:p>
                       <a:pPr algn="ctr" latinLnBrk="1"/>
                       <a:r>
-                        <a:rPr lang="en-US" altLang="ko-KR" sz="900" dirty="0" smtClean="0"/>
+                        <a:rPr lang="en-US" altLang="ko-KR" sz="900" dirty="0"/>
                         <a:t>0xFFFFFFFF</a:t>
                       </a:r>
                       <a:endParaRPr lang="ko-KR" altLang="en-US" sz="900" dirty="0"/>
@@ -33931,7 +33326,7 @@
                     <a:p>
                       <a:pPr algn="ctr" latinLnBrk="1"/>
                       <a:r>
-                        <a:rPr lang="en-US" altLang="ko-KR" sz="900" dirty="0" smtClean="0"/>
+                        <a:rPr lang="en-US" altLang="ko-KR" sz="900" dirty="0"/>
                         <a:t>0xFFFFFFFF</a:t>
                       </a:r>
                       <a:endParaRPr lang="ko-KR" altLang="en-US" sz="900" dirty="0"/>
@@ -33946,7 +33341,7 @@
                     <a:p>
                       <a:pPr algn="ctr" latinLnBrk="1"/>
                       <a:r>
-                        <a:rPr lang="en-US" altLang="ko-KR" sz="900" dirty="0" smtClean="0"/>
+                        <a:rPr lang="en-US" altLang="ko-KR" sz="900" dirty="0"/>
                         <a:t>0xFFFFFFFF</a:t>
                       </a:r>
                       <a:endParaRPr lang="ko-KR" altLang="en-US" sz="900" dirty="0"/>
@@ -33961,7 +33356,7 @@
                     <a:p>
                       <a:pPr algn="ctr" latinLnBrk="1"/>
                       <a:r>
-                        <a:rPr lang="en-US" altLang="ko-KR" sz="900" dirty="0" smtClean="0"/>
+                        <a:rPr lang="en-US" altLang="ko-KR" sz="900" dirty="0"/>
                         <a:t>0xFFFFFFFF</a:t>
                       </a:r>
                       <a:endParaRPr lang="ko-KR" altLang="en-US" sz="900" dirty="0"/>
@@ -33976,7 +33371,7 @@
                     <a:p>
                       <a:pPr algn="ctr" latinLnBrk="1"/>
                       <a:r>
-                        <a:rPr lang="en-US" altLang="ko-KR" sz="900" dirty="0" smtClean="0"/>
+                        <a:rPr lang="en-US" altLang="ko-KR" sz="900" dirty="0"/>
                         <a:t>0xFFFFFFFF</a:t>
                       </a:r>
                       <a:endParaRPr lang="ko-KR" altLang="en-US" sz="900" dirty="0"/>
@@ -33991,7 +33386,7 @@
                     <a:p>
                       <a:pPr algn="ctr" latinLnBrk="1"/>
                       <a:r>
-                        <a:rPr lang="en-US" altLang="ko-KR" sz="900" dirty="0" smtClean="0"/>
+                        <a:rPr lang="en-US" altLang="ko-KR" sz="900" dirty="0"/>
                         <a:t>0xFFFFFFFF</a:t>
                       </a:r>
                       <a:endParaRPr lang="ko-KR" altLang="en-US" sz="900" dirty="0"/>
@@ -34013,7 +33408,7 @@
                     <a:p>
                       <a:pPr algn="ctr" latinLnBrk="1"/>
                       <a:r>
-                        <a:rPr lang="en-US" altLang="ko-KR" sz="900" dirty="0" smtClean="0"/>
+                        <a:rPr lang="en-US" altLang="ko-KR" sz="900" dirty="0"/>
                         <a:t>0xFF0000FF</a:t>
                       </a:r>
                       <a:endParaRPr lang="ko-KR" altLang="en-US" sz="900" dirty="0"/>
@@ -34032,7 +33427,7 @@
                     <a:p>
                       <a:pPr algn="ctr"/>
                       <a:r>
-                        <a:rPr lang="en-US" altLang="ko-KR" sz="900" dirty="0" smtClean="0"/>
+                        <a:rPr lang="en-US" altLang="ko-KR" sz="900" dirty="0"/>
                         <a:t>0xFF0000FF</a:t>
                       </a:r>
                       <a:endParaRPr lang="ko-KR" altLang="en-US" sz="900" dirty="0"/>
@@ -34051,7 +33446,7 @@
                     <a:p>
                       <a:pPr algn="ctr" latinLnBrk="1"/>
                       <a:r>
-                        <a:rPr lang="en-US" altLang="ko-KR" sz="900" dirty="0" smtClean="0"/>
+                        <a:rPr lang="en-US" altLang="ko-KR" sz="900" dirty="0"/>
                         <a:t>0xFFFFFFFF</a:t>
                       </a:r>
                       <a:endParaRPr lang="ko-KR" altLang="en-US" sz="900" dirty="0"/>
@@ -34066,7 +33461,7 @@
                     <a:p>
                       <a:pPr algn="ctr" latinLnBrk="1"/>
                       <a:r>
-                        <a:rPr lang="en-US" altLang="ko-KR" sz="900" dirty="0" smtClean="0"/>
+                        <a:rPr lang="en-US" altLang="ko-KR" sz="900" dirty="0"/>
                         <a:t>0xFFFFFFFF</a:t>
                       </a:r>
                       <a:endParaRPr lang="ko-KR" altLang="en-US" sz="900" dirty="0"/>
@@ -34081,7 +33476,7 @@
                     <a:p>
                       <a:pPr algn="ctr" latinLnBrk="1"/>
                       <a:r>
-                        <a:rPr lang="en-US" altLang="ko-KR" sz="900" dirty="0" smtClean="0"/>
+                        <a:rPr lang="en-US" altLang="ko-KR" sz="900" dirty="0"/>
                         <a:t>0xFFFFFFFF</a:t>
                       </a:r>
                       <a:endParaRPr lang="ko-KR" altLang="en-US" sz="900" dirty="0"/>
@@ -34096,7 +33491,7 @@
                     <a:p>
                       <a:pPr algn="ctr" latinLnBrk="1"/>
                       <a:r>
-                        <a:rPr lang="en-US" altLang="ko-KR" sz="900" dirty="0" smtClean="0"/>
+                        <a:rPr lang="en-US" altLang="ko-KR" sz="900" dirty="0"/>
                         <a:t>0xFFFFFFFF</a:t>
                       </a:r>
                       <a:endParaRPr lang="ko-KR" altLang="en-US" sz="900" dirty="0"/>
@@ -34111,7 +33506,7 @@
                     <a:p>
                       <a:pPr algn="ctr" latinLnBrk="1"/>
                       <a:r>
-                        <a:rPr lang="en-US" altLang="ko-KR" sz="900" dirty="0" smtClean="0"/>
+                        <a:rPr lang="en-US" altLang="ko-KR" sz="900" dirty="0"/>
                         <a:t>0xFFFF0000</a:t>
                       </a:r>
                       <a:endParaRPr lang="ko-KR" altLang="en-US" sz="900" dirty="0"/>
@@ -34130,7 +33525,7 @@
                     <a:p>
                       <a:pPr algn="ctr" latinLnBrk="1"/>
                       <a:r>
-                        <a:rPr lang="en-US" altLang="ko-KR" sz="900" dirty="0" smtClean="0"/>
+                        <a:rPr lang="en-US" altLang="ko-KR" sz="900" dirty="0"/>
                         <a:t>0xFFFF0000</a:t>
                       </a:r>
                       <a:endParaRPr lang="ko-KR" altLang="en-US" sz="900" dirty="0"/>
@@ -34156,7 +33551,7 @@
                     <a:p>
                       <a:pPr algn="ctr" latinLnBrk="1"/>
                       <a:r>
-                        <a:rPr lang="en-US" altLang="ko-KR" sz="900" dirty="0" smtClean="0"/>
+                        <a:rPr lang="en-US" altLang="ko-KR" sz="900" dirty="0"/>
                         <a:t>0xFF0000FF</a:t>
                       </a:r>
                       <a:endParaRPr lang="ko-KR" altLang="en-US" sz="900" dirty="0"/>
@@ -34175,7 +33570,7 @@
                     <a:p>
                       <a:pPr algn="ctr" latinLnBrk="1"/>
                       <a:r>
-                        <a:rPr lang="en-US" altLang="ko-KR" sz="900" dirty="0" smtClean="0"/>
+                        <a:rPr lang="en-US" altLang="ko-KR" sz="900" dirty="0"/>
                         <a:t>0xFF0000FF</a:t>
                       </a:r>
                       <a:endParaRPr lang="ko-KR" altLang="en-US" sz="900" dirty="0"/>
@@ -34194,7 +33589,7 @@
                     <a:p>
                       <a:pPr algn="ctr" latinLnBrk="1"/>
                       <a:r>
-                        <a:rPr lang="en-US" altLang="ko-KR" sz="900" dirty="0" smtClean="0"/>
+                        <a:rPr lang="en-US" altLang="ko-KR" sz="900" dirty="0"/>
                         <a:t>0xFFFFFFFF</a:t>
                       </a:r>
                       <a:endParaRPr lang="ko-KR" altLang="en-US" sz="900" dirty="0"/>
@@ -34209,7 +33604,7 @@
                     <a:p>
                       <a:pPr algn="ctr" latinLnBrk="1"/>
                       <a:r>
-                        <a:rPr lang="en-US" altLang="ko-KR" sz="900" dirty="0" smtClean="0"/>
+                        <a:rPr lang="en-US" altLang="ko-KR" sz="900" dirty="0"/>
                         <a:t>0xFFFFFFFF</a:t>
                       </a:r>
                       <a:endParaRPr lang="ko-KR" altLang="en-US" sz="900" dirty="0"/>
@@ -34224,7 +33619,7 @@
                     <a:p>
                       <a:pPr algn="ctr" latinLnBrk="1"/>
                       <a:r>
-                        <a:rPr lang="en-US" altLang="ko-KR" sz="900" dirty="0" smtClean="0"/>
+                        <a:rPr lang="en-US" altLang="ko-KR" sz="900" dirty="0"/>
                         <a:t>0xFFFFFFFF</a:t>
                       </a:r>
                       <a:endParaRPr lang="ko-KR" altLang="en-US" sz="900" dirty="0"/>
@@ -34239,7 +33634,7 @@
                     <a:p>
                       <a:pPr algn="ctr" latinLnBrk="1"/>
                       <a:r>
-                        <a:rPr lang="en-US" altLang="ko-KR" sz="900" dirty="0" smtClean="0"/>
+                        <a:rPr lang="en-US" altLang="ko-KR" sz="900" dirty="0"/>
                         <a:t>0xFFFFFFFF</a:t>
                       </a:r>
                       <a:endParaRPr lang="ko-KR" altLang="en-US" sz="900" dirty="0"/>
@@ -34254,7 +33649,7 @@
                     <a:p>
                       <a:pPr algn="ctr" latinLnBrk="1"/>
                       <a:r>
-                        <a:rPr lang="en-US" altLang="ko-KR" sz="900" dirty="0" smtClean="0"/>
+                        <a:rPr lang="en-US" altLang="ko-KR" sz="900" dirty="0"/>
                         <a:t>0xFFFF0000</a:t>
                       </a:r>
                       <a:endParaRPr lang="ko-KR" altLang="en-US" sz="900" dirty="0"/>
@@ -34273,7 +33668,7 @@
                     <a:p>
                       <a:pPr algn="ctr" latinLnBrk="1"/>
                       <a:r>
-                        <a:rPr lang="en-US" altLang="ko-KR" sz="900" dirty="0" smtClean="0"/>
+                        <a:rPr lang="en-US" altLang="ko-KR" sz="900" dirty="0"/>
                         <a:t>0xFFFF0000</a:t>
                       </a:r>
                       <a:endParaRPr lang="ko-KR" altLang="en-US" sz="900" dirty="0"/>
@@ -34299,7 +33694,7 @@
                     <a:p>
                       <a:pPr algn="ctr" latinLnBrk="1"/>
                       <a:r>
-                        <a:rPr lang="en-US" altLang="ko-KR" sz="900" dirty="0" smtClean="0"/>
+                        <a:rPr lang="en-US" altLang="ko-KR" sz="900" dirty="0"/>
                         <a:t>0xFFFFFFFF</a:t>
                       </a:r>
                       <a:endParaRPr lang="ko-KR" altLang="en-US" sz="900" dirty="0"/>
@@ -34314,7 +33709,7 @@
                     <a:p>
                       <a:pPr algn="ctr" latinLnBrk="1"/>
                       <a:r>
-                        <a:rPr lang="en-US" altLang="ko-KR" sz="900" dirty="0" smtClean="0"/>
+                        <a:rPr lang="en-US" altLang="ko-KR" sz="900" dirty="0"/>
                         <a:t>0xFFFFFFFF</a:t>
                       </a:r>
                       <a:endParaRPr lang="ko-KR" altLang="en-US" sz="900" dirty="0"/>
@@ -34329,7 +33724,7 @@
                     <a:p>
                       <a:pPr algn="ctr" latinLnBrk="1"/>
                       <a:r>
-                        <a:rPr lang="en-US" altLang="ko-KR" sz="900" dirty="0" smtClean="0"/>
+                        <a:rPr lang="en-US" altLang="ko-KR" sz="900" dirty="0"/>
                         <a:t>0xFFFFFFFF</a:t>
                       </a:r>
                       <a:endParaRPr lang="ko-KR" altLang="en-US" sz="900" dirty="0"/>
@@ -34344,7 +33739,7 @@
                     <a:p>
                       <a:pPr algn="ctr" latinLnBrk="1"/>
                       <a:r>
-                        <a:rPr lang="en-US" altLang="ko-KR" sz="900" dirty="0" smtClean="0"/>
+                        <a:rPr lang="en-US" altLang="ko-KR" sz="900" dirty="0"/>
                         <a:t>0xFFFFFFFF</a:t>
                       </a:r>
                       <a:endParaRPr lang="ko-KR" altLang="en-US" sz="900" dirty="0"/>
@@ -34359,7 +33754,7 @@
                     <a:p>
                       <a:pPr algn="ctr" latinLnBrk="1"/>
                       <a:r>
-                        <a:rPr lang="en-US" altLang="ko-KR" sz="900" dirty="0" smtClean="0"/>
+                        <a:rPr lang="en-US" altLang="ko-KR" sz="900" dirty="0"/>
                         <a:t>0xFFFFFFFF</a:t>
                       </a:r>
                       <a:endParaRPr lang="ko-KR" altLang="en-US" sz="900" dirty="0"/>
@@ -34374,7 +33769,7 @@
                     <a:p>
                       <a:pPr algn="ctr" latinLnBrk="1"/>
                       <a:r>
-                        <a:rPr lang="en-US" altLang="ko-KR" sz="900" dirty="0" smtClean="0"/>
+                        <a:rPr lang="en-US" altLang="ko-KR" sz="900" dirty="0"/>
                         <a:t>0xFFFFFFFF</a:t>
                       </a:r>
                       <a:endParaRPr lang="ko-KR" altLang="en-US" sz="900" dirty="0"/>
@@ -34389,7 +33784,7 @@
                     <a:p>
                       <a:pPr algn="ctr" latinLnBrk="1"/>
                       <a:r>
-                        <a:rPr lang="en-US" altLang="ko-KR" sz="900" dirty="0" smtClean="0"/>
+                        <a:rPr lang="en-US" altLang="ko-KR" sz="900" dirty="0"/>
                         <a:t>0xFFFFFFFF</a:t>
                       </a:r>
                       <a:endParaRPr lang="ko-KR" altLang="en-US" sz="900" dirty="0"/>
@@ -34404,7 +33799,7 @@
                     <a:p>
                       <a:pPr algn="ctr" latinLnBrk="1"/>
                       <a:r>
-                        <a:rPr lang="en-US" altLang="ko-KR" sz="900" dirty="0" smtClean="0"/>
+                        <a:rPr lang="en-US" altLang="ko-KR" sz="900" dirty="0"/>
                         <a:t>0xFFFFFFFF</a:t>
                       </a:r>
                       <a:endParaRPr lang="ko-KR" altLang="en-US" sz="900" dirty="0"/>
@@ -34426,7 +33821,7 @@
                     <a:p>
                       <a:pPr algn="ctr" latinLnBrk="1"/>
                       <a:r>
-                        <a:rPr lang="en-US" altLang="ko-KR" sz="900" dirty="0" smtClean="0"/>
+                        <a:rPr lang="en-US" altLang="ko-KR" sz="900" dirty="0"/>
                         <a:t>0xFF00FF00</a:t>
                       </a:r>
                       <a:endParaRPr lang="ko-KR" altLang="en-US" sz="900" dirty="0"/>
@@ -34445,7 +33840,7 @@
                     <a:p>
                       <a:pPr algn="ctr" latinLnBrk="1"/>
                       <a:r>
-                        <a:rPr lang="en-US" altLang="ko-KR" sz="900" dirty="0" smtClean="0"/>
+                        <a:rPr lang="en-US" altLang="ko-KR" sz="900" dirty="0"/>
                         <a:t>0xFFFFFFFF</a:t>
                       </a:r>
                       <a:endParaRPr lang="ko-KR" altLang="en-US" sz="900" dirty="0"/>
@@ -34460,7 +33855,7 @@
                     <a:p>
                       <a:pPr algn="ctr" latinLnBrk="1"/>
                       <a:r>
-                        <a:rPr lang="en-US" altLang="ko-KR" sz="900" dirty="0" smtClean="0"/>
+                        <a:rPr lang="en-US" altLang="ko-KR" sz="900" dirty="0"/>
                         <a:t>0xFFFFFFFF</a:t>
                       </a:r>
                       <a:endParaRPr lang="ko-KR" altLang="en-US" sz="900" dirty="0"/>
@@ -34475,7 +33870,7 @@
                     <a:p>
                       <a:pPr algn="ctr" latinLnBrk="1"/>
                       <a:r>
-                        <a:rPr lang="en-US" altLang="ko-KR" sz="900" dirty="0" smtClean="0"/>
+                        <a:rPr lang="en-US" altLang="ko-KR" sz="900" dirty="0"/>
                         <a:t>0xFFFFFFFF</a:t>
                       </a:r>
                       <a:endParaRPr lang="ko-KR" altLang="en-US" sz="900" dirty="0"/>
@@ -34490,7 +33885,7 @@
                     <a:p>
                       <a:pPr algn="ctr" latinLnBrk="1"/>
                       <a:r>
-                        <a:rPr lang="en-US" altLang="ko-KR" sz="900" dirty="0" smtClean="0"/>
+                        <a:rPr lang="en-US" altLang="ko-KR" sz="900" dirty="0"/>
                         <a:t>0xFFFFFFFF</a:t>
                       </a:r>
                       <a:endParaRPr lang="ko-KR" altLang="en-US" sz="900" dirty="0"/>
@@ -34505,7 +33900,7 @@
                     <a:p>
                       <a:pPr algn="ctr" latinLnBrk="1"/>
                       <a:r>
-                        <a:rPr lang="en-US" altLang="ko-KR" sz="900" dirty="0" smtClean="0"/>
+                        <a:rPr lang="en-US" altLang="ko-KR" sz="900" dirty="0"/>
                         <a:t>0xFFFFFFFF</a:t>
                       </a:r>
                       <a:endParaRPr lang="ko-KR" altLang="en-US" sz="900" dirty="0"/>
@@ -34520,7 +33915,7 @@
                     <a:p>
                       <a:pPr algn="ctr" latinLnBrk="1"/>
                       <a:r>
-                        <a:rPr lang="en-US" altLang="ko-KR" sz="900" dirty="0" smtClean="0"/>
+                        <a:rPr lang="en-US" altLang="ko-KR" sz="900" dirty="0"/>
                         <a:t>0xFFFFFFFF</a:t>
                       </a:r>
                       <a:endParaRPr lang="ko-KR" altLang="en-US" sz="900" dirty="0"/>
@@ -34535,7 +33930,7 @@
                     <a:p>
                       <a:pPr algn="ctr" latinLnBrk="1"/>
                       <a:r>
-                        <a:rPr lang="en-US" altLang="ko-KR" sz="900" dirty="0" smtClean="0"/>
+                        <a:rPr lang="en-US" altLang="ko-KR" sz="900" dirty="0"/>
                         <a:t>0xFF00FF00</a:t>
                       </a:r>
                       <a:endParaRPr lang="ko-KR" altLang="en-US" sz="900" dirty="0"/>
@@ -34561,7 +33956,7 @@
                     <a:p>
                       <a:pPr algn="ctr" latinLnBrk="1"/>
                       <a:r>
-                        <a:rPr lang="en-US" altLang="ko-KR" sz="900" dirty="0" smtClean="0"/>
+                        <a:rPr lang="en-US" altLang="ko-KR" sz="900" dirty="0"/>
                         <a:t>0xFF00FF00</a:t>
                       </a:r>
                       <a:endParaRPr lang="ko-KR" altLang="en-US" sz="900" dirty="0"/>
@@ -34580,7 +33975,7 @@
                     <a:p>
                       <a:pPr algn="ctr" latinLnBrk="1"/>
                       <a:r>
-                        <a:rPr lang="en-US" altLang="ko-KR" sz="900" dirty="0" smtClean="0"/>
+                        <a:rPr lang="en-US" altLang="ko-KR" sz="900" dirty="0"/>
                         <a:t>0xFF00FF00</a:t>
                       </a:r>
                       <a:endParaRPr lang="ko-KR" altLang="en-US" sz="900" dirty="0"/>
@@ -34599,7 +33994,7 @@
                     <a:p>
                       <a:pPr algn="ctr" latinLnBrk="1"/>
                       <a:r>
-                        <a:rPr lang="en-US" altLang="ko-KR" sz="900" dirty="0" smtClean="0"/>
+                        <a:rPr lang="en-US" altLang="ko-KR" sz="900" dirty="0"/>
                         <a:t>0xFF00FF00</a:t>
                       </a:r>
                       <a:endParaRPr lang="ko-KR" altLang="en-US" sz="900" dirty="0"/>
@@ -34618,7 +34013,7 @@
                     <a:p>
                       <a:pPr algn="ctr" latinLnBrk="1"/>
                       <a:r>
-                        <a:rPr lang="en-US" altLang="ko-KR" sz="900" dirty="0" smtClean="0"/>
+                        <a:rPr lang="en-US" altLang="ko-KR" sz="900" dirty="0"/>
                         <a:t>0xFF00FF00</a:t>
                       </a:r>
                       <a:endParaRPr lang="ko-KR" altLang="en-US" sz="900" dirty="0"/>
@@ -34637,7 +34032,7 @@
                     <a:p>
                       <a:pPr algn="ctr" latinLnBrk="1"/>
                       <a:r>
-                        <a:rPr lang="en-US" altLang="ko-KR" sz="900" dirty="0" smtClean="0"/>
+                        <a:rPr lang="en-US" altLang="ko-KR" sz="900" dirty="0"/>
                         <a:t>0xFF00FF00</a:t>
                       </a:r>
                       <a:endParaRPr lang="ko-KR" altLang="en-US" sz="900" dirty="0"/>
@@ -34656,7 +34051,7 @@
                     <a:p>
                       <a:pPr algn="ctr" latinLnBrk="1"/>
                       <a:r>
-                        <a:rPr lang="en-US" altLang="ko-KR" sz="900" dirty="0" smtClean="0"/>
+                        <a:rPr lang="en-US" altLang="ko-KR" sz="900" dirty="0"/>
                         <a:t>0xFF00FF00</a:t>
                       </a:r>
                       <a:endParaRPr lang="ko-KR" altLang="en-US" sz="900" dirty="0"/>
@@ -34675,7 +34070,7 @@
                     <a:p>
                       <a:pPr algn="ctr" latinLnBrk="1"/>
                       <a:r>
-                        <a:rPr lang="en-US" altLang="ko-KR" sz="900" dirty="0" smtClean="0"/>
+                        <a:rPr lang="en-US" altLang="ko-KR" sz="900" dirty="0"/>
                         <a:t>0xFF00FF00</a:t>
                       </a:r>
                       <a:endParaRPr lang="ko-KR" altLang="en-US" sz="900" dirty="0"/>
@@ -34694,7 +34089,7 @@
                     <a:p>
                       <a:pPr algn="ctr" latinLnBrk="1"/>
                       <a:r>
-                        <a:rPr lang="en-US" altLang="ko-KR" sz="900" dirty="0" smtClean="0"/>
+                        <a:rPr lang="en-US" altLang="ko-KR" sz="900" dirty="0"/>
                         <a:t>0xFF00FF00</a:t>
                       </a:r>
                       <a:endParaRPr lang="ko-KR" altLang="en-US" sz="900" dirty="0"/>
@@ -34720,7 +34115,7 @@
                     <a:p>
                       <a:pPr algn="ctr" latinLnBrk="1"/>
                       <a:r>
-                        <a:rPr lang="en-US" altLang="ko-KR" sz="900" dirty="0" smtClean="0"/>
+                        <a:rPr lang="en-US" altLang="ko-KR" sz="900" dirty="0"/>
                         <a:t>0xFFFFFFFF</a:t>
                       </a:r>
                       <a:endParaRPr lang="ko-KR" altLang="en-US" sz="900" dirty="0"/>
@@ -34735,7 +34130,7 @@
                     <a:p>
                       <a:pPr algn="ctr" latinLnBrk="1"/>
                       <a:r>
-                        <a:rPr lang="en-US" altLang="ko-KR" sz="900" dirty="0" smtClean="0"/>
+                        <a:rPr lang="en-US" altLang="ko-KR" sz="900" dirty="0"/>
                         <a:t>0xFF00FF00</a:t>
                       </a:r>
                       <a:endParaRPr lang="ko-KR" altLang="en-US" sz="900" dirty="0"/>
@@ -34754,7 +34149,7 @@
                     <a:p>
                       <a:pPr algn="ctr" latinLnBrk="1"/>
                       <a:r>
-                        <a:rPr lang="en-US" altLang="ko-KR" sz="900" dirty="0" smtClean="0"/>
+                        <a:rPr lang="en-US" altLang="ko-KR" sz="900" dirty="0"/>
                         <a:t>0xFF00FF00</a:t>
                       </a:r>
                       <a:endParaRPr lang="ko-KR" altLang="en-US" sz="900" dirty="0"/>
@@ -34773,7 +34168,7 @@
                     <a:p>
                       <a:pPr algn="ctr" latinLnBrk="1"/>
                       <a:r>
-                        <a:rPr lang="en-US" altLang="ko-KR" sz="900" dirty="0" smtClean="0"/>
+                        <a:rPr lang="en-US" altLang="ko-KR" sz="900" dirty="0"/>
                         <a:t>0xFF00FF00</a:t>
                       </a:r>
                       <a:endParaRPr lang="ko-KR" altLang="en-US" sz="900" dirty="0"/>
@@ -34792,7 +34187,7 @@
                     <a:p>
                       <a:pPr algn="ctr" latinLnBrk="1"/>
                       <a:r>
-                        <a:rPr lang="en-US" altLang="ko-KR" sz="900" dirty="0" smtClean="0"/>
+                        <a:rPr lang="en-US" altLang="ko-KR" sz="900" dirty="0"/>
                         <a:t>0xFF00FF00</a:t>
                       </a:r>
                       <a:endParaRPr lang="ko-KR" altLang="en-US" sz="900" dirty="0"/>
@@ -34811,7 +34206,7 @@
                     <a:p>
                       <a:pPr algn="ctr" latinLnBrk="1"/>
                       <a:r>
-                        <a:rPr lang="en-US" altLang="ko-KR" sz="900" dirty="0" smtClean="0"/>
+                        <a:rPr lang="en-US" altLang="ko-KR" sz="900" dirty="0"/>
                         <a:t>0xFF00FF00</a:t>
                       </a:r>
                       <a:endParaRPr lang="ko-KR" altLang="en-US" sz="900" dirty="0"/>
@@ -34830,7 +34225,7 @@
                     <a:p>
                       <a:pPr algn="ctr" latinLnBrk="1"/>
                       <a:r>
-                        <a:rPr lang="en-US" altLang="ko-KR" sz="900" dirty="0" smtClean="0"/>
+                        <a:rPr lang="en-US" altLang="ko-KR" sz="900" dirty="0"/>
                         <a:t>0xFF00FF00</a:t>
                       </a:r>
                       <a:endParaRPr lang="ko-KR" altLang="en-US" sz="900" dirty="0"/>
@@ -34849,7 +34244,7 @@
                     <a:p>
                       <a:pPr algn="ctr" latinLnBrk="1"/>
                       <a:r>
-                        <a:rPr lang="en-US" altLang="ko-KR" sz="900" dirty="0" smtClean="0"/>
+                        <a:rPr lang="en-US" altLang="ko-KR" sz="900" dirty="0"/>
                         <a:t>0xFFFFFFFF</a:t>
                       </a:r>
                       <a:endParaRPr lang="ko-KR" altLang="en-US" sz="900" dirty="0"/>
@@ -34871,7 +34266,7 @@
                     <a:p>
                       <a:pPr algn="ctr" latinLnBrk="1"/>
                       <a:r>
-                        <a:rPr lang="en-US" altLang="ko-KR" sz="900" dirty="0" smtClean="0"/>
+                        <a:rPr lang="en-US" altLang="ko-KR" sz="900" dirty="0"/>
                         <a:t>0xFFFFFFFF</a:t>
                       </a:r>
                       <a:endParaRPr lang="ko-KR" altLang="en-US" sz="900" dirty="0"/>
@@ -34886,7 +34281,7 @@
                     <a:p>
                       <a:pPr algn="ctr" latinLnBrk="1"/>
                       <a:r>
-                        <a:rPr lang="en-US" altLang="ko-KR" sz="900" dirty="0" smtClean="0"/>
+                        <a:rPr lang="en-US" altLang="ko-KR" sz="900" dirty="0"/>
                         <a:t>0xFFFFFFFF</a:t>
                       </a:r>
                       <a:endParaRPr lang="ko-KR" altLang="en-US" sz="900" dirty="0"/>
@@ -34901,7 +34296,7 @@
                     <a:p>
                       <a:pPr algn="ctr" latinLnBrk="1"/>
                       <a:r>
-                        <a:rPr lang="en-US" altLang="ko-KR" sz="900" dirty="0" smtClean="0"/>
+                        <a:rPr lang="en-US" altLang="ko-KR" sz="900" dirty="0"/>
                         <a:t>0xFFFFFFFF</a:t>
                       </a:r>
                       <a:endParaRPr lang="ko-KR" altLang="en-US" sz="900" dirty="0"/>
@@ -34916,7 +34311,7 @@
                     <a:p>
                       <a:pPr algn="ctr" latinLnBrk="1"/>
                       <a:r>
-                        <a:rPr lang="en-US" altLang="ko-KR" sz="900" dirty="0" smtClean="0"/>
+                        <a:rPr lang="en-US" altLang="ko-KR" sz="900" dirty="0"/>
                         <a:t>0xFFFFFFFF</a:t>
                       </a:r>
                       <a:endParaRPr lang="ko-KR" altLang="en-US" sz="900" dirty="0"/>
@@ -34931,7 +34326,7 @@
                     <a:p>
                       <a:pPr algn="ctr" latinLnBrk="1"/>
                       <a:r>
-                        <a:rPr lang="en-US" altLang="ko-KR" sz="900" dirty="0" smtClean="0"/>
+                        <a:rPr lang="en-US" altLang="ko-KR" sz="900" dirty="0"/>
                         <a:t>0xFFFFFFFF</a:t>
                       </a:r>
                       <a:endParaRPr lang="ko-KR" altLang="en-US" sz="900" dirty="0"/>
@@ -34946,7 +34341,7 @@
                     <a:p>
                       <a:pPr algn="ctr" latinLnBrk="1"/>
                       <a:r>
-                        <a:rPr lang="en-US" altLang="ko-KR" sz="900" dirty="0" smtClean="0"/>
+                        <a:rPr lang="en-US" altLang="ko-KR" sz="900" dirty="0"/>
                         <a:t>0xFFFFFFFF</a:t>
                       </a:r>
                       <a:endParaRPr lang="ko-KR" altLang="en-US" sz="900" dirty="0"/>
@@ -34961,7 +34356,7 @@
                     <a:p>
                       <a:pPr algn="ctr" latinLnBrk="1"/>
                       <a:r>
-                        <a:rPr lang="en-US" altLang="ko-KR" sz="900" dirty="0" smtClean="0"/>
+                        <a:rPr lang="en-US" altLang="ko-KR" sz="900" dirty="0"/>
                         <a:t>0xFFFFFFFF</a:t>
                       </a:r>
                       <a:endParaRPr lang="ko-KR" altLang="en-US" sz="900" dirty="0"/>
@@ -34976,7 +34371,7 @@
                     <a:p>
                       <a:pPr algn="ctr" latinLnBrk="1"/>
                       <a:r>
-                        <a:rPr lang="en-US" altLang="ko-KR" sz="900" dirty="0" smtClean="0"/>
+                        <a:rPr lang="en-US" altLang="ko-KR" sz="900" dirty="0"/>
                         <a:t>0xFFFFFFFF</a:t>
                       </a:r>
                       <a:endParaRPr lang="ko-KR" altLang="en-US" sz="900" dirty="0"/>
@@ -35223,7 +34618,7 @@
                     <a:p>
                       <a:pPr algn="ctr" latinLnBrk="1"/>
                       <a:r>
-                        <a:rPr lang="en-US" altLang="ko-KR" sz="900" dirty="0" smtClean="0"/>
+                        <a:rPr lang="en-US" altLang="ko-KR" sz="900" dirty="0"/>
                         <a:t>0xFFFFFFFF</a:t>
                       </a:r>
                       <a:endParaRPr lang="ko-KR" altLang="en-US" sz="900" dirty="0"/>
@@ -35242,7 +34637,7 @@
                     <a:p>
                       <a:pPr algn="ctr" latinLnBrk="1"/>
                       <a:r>
-                        <a:rPr lang="en-US" altLang="ko-KR" sz="900" dirty="0" smtClean="0"/>
+                        <a:rPr lang="en-US" altLang="ko-KR" sz="900" dirty="0"/>
                         <a:t>0xFFFFFFFF</a:t>
                       </a:r>
                       <a:endParaRPr lang="ko-KR" altLang="en-US" sz="900" dirty="0"/>
@@ -35257,7 +34652,7 @@
                     <a:p>
                       <a:pPr algn="ctr" latinLnBrk="1"/>
                       <a:r>
-                        <a:rPr lang="en-US" altLang="ko-KR" sz="900" dirty="0" smtClean="0"/>
+                        <a:rPr lang="en-US" altLang="ko-KR" sz="900" dirty="0"/>
                         <a:t>0xFFFFFFFF</a:t>
                       </a:r>
                       <a:endParaRPr lang="ko-KR" altLang="en-US" sz="900" dirty="0"/>
@@ -35272,7 +34667,7 @@
                     <a:p>
                       <a:pPr algn="ctr" latinLnBrk="1"/>
                       <a:r>
-                        <a:rPr lang="en-US" altLang="ko-KR" sz="900" dirty="0" smtClean="0"/>
+                        <a:rPr lang="en-US" altLang="ko-KR" sz="900" dirty="0"/>
                         <a:t>0xFFFFFFFF</a:t>
                       </a:r>
                       <a:endParaRPr lang="ko-KR" altLang="en-US" sz="900" dirty="0"/>
@@ -35287,7 +34682,7 @@
                     <a:p>
                       <a:pPr algn="ctr" latinLnBrk="1"/>
                       <a:r>
-                        <a:rPr lang="en-US" altLang="ko-KR" sz="900" dirty="0" smtClean="0"/>
+                        <a:rPr lang="en-US" altLang="ko-KR" sz="900" dirty="0"/>
                         <a:t>0xFFFFFFFF</a:t>
                       </a:r>
                       <a:endParaRPr lang="ko-KR" altLang="en-US" sz="900" dirty="0"/>
@@ -35302,7 +34697,7 @@
                     <a:p>
                       <a:pPr algn="ctr" latinLnBrk="1"/>
                       <a:r>
-                        <a:rPr lang="en-US" altLang="ko-KR" sz="900" dirty="0" smtClean="0"/>
+                        <a:rPr lang="en-US" altLang="ko-KR" sz="900" dirty="0"/>
                         <a:t>0xFFFFFFFF</a:t>
                       </a:r>
                       <a:endParaRPr lang="ko-KR" altLang="en-US" sz="900" dirty="0"/>
@@ -35317,7 +34712,7 @@
                     <a:p>
                       <a:pPr algn="ctr" latinLnBrk="1"/>
                       <a:r>
-                        <a:rPr lang="en-US" altLang="ko-KR" sz="900" dirty="0" smtClean="0"/>
+                        <a:rPr lang="en-US" altLang="ko-KR" sz="900" dirty="0"/>
                         <a:t>0xFFFFFFFF</a:t>
                       </a:r>
                       <a:endParaRPr lang="ko-KR" altLang="en-US" sz="900" dirty="0"/>
@@ -35332,7 +34727,7 @@
                     <a:p>
                       <a:pPr algn="ctr" latinLnBrk="1"/>
                       <a:r>
-                        <a:rPr lang="en-US" altLang="ko-KR" sz="900" dirty="0" smtClean="0"/>
+                        <a:rPr lang="en-US" altLang="ko-KR" sz="900" dirty="0"/>
                         <a:t>0xFFFFFFFF</a:t>
                       </a:r>
                       <a:endParaRPr lang="ko-KR" altLang="en-US" sz="900" dirty="0"/>
@@ -35354,7 +34749,7 @@
                     <a:p>
                       <a:pPr algn="ctr" latinLnBrk="1"/>
                       <a:r>
-                        <a:rPr lang="en-US" altLang="ko-KR" sz="900" dirty="0" smtClean="0"/>
+                        <a:rPr lang="en-US" altLang="ko-KR" sz="900" dirty="0"/>
                         <a:t>0xFF0000FF</a:t>
                       </a:r>
                       <a:endParaRPr lang="ko-KR" altLang="en-US" sz="900" dirty="0"/>
@@ -35373,7 +34768,7 @@
                     <a:p>
                       <a:pPr algn="ctr"/>
                       <a:r>
-                        <a:rPr lang="en-US" altLang="ko-KR" sz="900" dirty="0" smtClean="0"/>
+                        <a:rPr lang="en-US" altLang="ko-KR" sz="900" dirty="0"/>
                         <a:t>0xFF0000FF</a:t>
                       </a:r>
                       <a:endParaRPr lang="ko-KR" altLang="en-US" sz="900" dirty="0"/>
@@ -35392,7 +34787,7 @@
                     <a:p>
                       <a:pPr algn="ctr" latinLnBrk="1"/>
                       <a:r>
-                        <a:rPr lang="en-US" altLang="ko-KR" sz="900" dirty="0" smtClean="0"/>
+                        <a:rPr lang="en-US" altLang="ko-KR" sz="900" dirty="0"/>
                         <a:t>0xFFFFFFFF</a:t>
                       </a:r>
                       <a:endParaRPr lang="ko-KR" altLang="en-US" sz="900" dirty="0"/>
@@ -35407,7 +34802,7 @@
                     <a:p>
                       <a:pPr algn="ctr" latinLnBrk="1"/>
                       <a:r>
-                        <a:rPr lang="en-US" altLang="ko-KR" sz="900" dirty="0" smtClean="0"/>
+                        <a:rPr lang="en-US" altLang="ko-KR" sz="900" dirty="0"/>
                         <a:t>0xFFFFFFFF</a:t>
                       </a:r>
                       <a:endParaRPr lang="ko-KR" altLang="en-US" sz="900" dirty="0"/>
@@ -35422,7 +34817,7 @@
                     <a:p>
                       <a:pPr algn="ctr" latinLnBrk="1"/>
                       <a:r>
-                        <a:rPr lang="en-US" altLang="ko-KR" sz="900" dirty="0" smtClean="0"/>
+                        <a:rPr lang="en-US" altLang="ko-KR" sz="900" dirty="0"/>
                         <a:t>0xFFFFFFFF</a:t>
                       </a:r>
                       <a:endParaRPr lang="ko-KR" altLang="en-US" sz="900" dirty="0"/>
@@ -35437,7 +34832,7 @@
                     <a:p>
                       <a:pPr algn="ctr" latinLnBrk="1"/>
                       <a:r>
-                        <a:rPr lang="en-US" altLang="ko-KR" sz="900" dirty="0" smtClean="0"/>
+                        <a:rPr lang="en-US" altLang="ko-KR" sz="900" dirty="0"/>
                         <a:t>0xFFFFFFFF</a:t>
                       </a:r>
                       <a:endParaRPr lang="ko-KR" altLang="en-US" sz="900" dirty="0"/>
@@ -35452,7 +34847,7 @@
                     <a:p>
                       <a:pPr algn="ctr" latinLnBrk="1"/>
                       <a:r>
-                        <a:rPr lang="en-US" altLang="ko-KR" sz="900" dirty="0" smtClean="0"/>
+                        <a:rPr lang="en-US" altLang="ko-KR" sz="900" dirty="0"/>
                         <a:t>0xFFFF0000</a:t>
                       </a:r>
                       <a:endParaRPr lang="ko-KR" altLang="en-US" sz="900" dirty="0"/>
@@ -35471,7 +34866,7 @@
                     <a:p>
                       <a:pPr algn="ctr" latinLnBrk="1"/>
                       <a:r>
-                        <a:rPr lang="en-US" altLang="ko-KR" sz="900" dirty="0" smtClean="0"/>
+                        <a:rPr lang="en-US" altLang="ko-KR" sz="900" dirty="0"/>
                         <a:t>0xFFFF0000</a:t>
                       </a:r>
                       <a:endParaRPr lang="ko-KR" altLang="en-US" sz="900" dirty="0"/>
@@ -35497,7 +34892,7 @@
                     <a:p>
                       <a:pPr algn="ctr" latinLnBrk="1"/>
                       <a:r>
-                        <a:rPr lang="en-US" altLang="ko-KR" sz="900" dirty="0" smtClean="0"/>
+                        <a:rPr lang="en-US" altLang="ko-KR" sz="900" dirty="0"/>
                         <a:t>0xFF0000FF</a:t>
                       </a:r>
                       <a:endParaRPr lang="ko-KR" altLang="en-US" sz="900" dirty="0"/>
@@ -35516,7 +34911,7 @@
                     <a:p>
                       <a:pPr algn="ctr" latinLnBrk="1"/>
                       <a:r>
-                        <a:rPr lang="en-US" altLang="ko-KR" sz="900" dirty="0" smtClean="0"/>
+                        <a:rPr lang="en-US" altLang="ko-KR" sz="900" dirty="0"/>
                         <a:t>0xFF0000FF</a:t>
                       </a:r>
                       <a:endParaRPr lang="ko-KR" altLang="en-US" sz="900" dirty="0"/>
@@ -35535,7 +34930,7 @@
                     <a:p>
                       <a:pPr algn="ctr" latinLnBrk="1"/>
                       <a:r>
-                        <a:rPr lang="en-US" altLang="ko-KR" sz="900" dirty="0" smtClean="0"/>
+                        <a:rPr lang="en-US" altLang="ko-KR" sz="900" dirty="0"/>
                         <a:t>0xFFFFFFFF</a:t>
                       </a:r>
                       <a:endParaRPr lang="ko-KR" altLang="en-US" sz="900" dirty="0"/>
@@ -35550,7 +34945,7 @@
                     <a:p>
                       <a:pPr algn="ctr" latinLnBrk="1"/>
                       <a:r>
-                        <a:rPr lang="en-US" altLang="ko-KR" sz="900" dirty="0" smtClean="0"/>
+                        <a:rPr lang="en-US" altLang="ko-KR" sz="900" dirty="0"/>
                         <a:t>0xFFFFFFFF</a:t>
                       </a:r>
                       <a:endParaRPr lang="ko-KR" altLang="en-US" sz="900" dirty="0"/>
@@ -35565,7 +34960,7 @@
                     <a:p>
                       <a:pPr algn="ctr" latinLnBrk="1"/>
                       <a:r>
-                        <a:rPr lang="en-US" altLang="ko-KR" sz="900" dirty="0" smtClean="0"/>
+                        <a:rPr lang="en-US" altLang="ko-KR" sz="900" dirty="0"/>
                         <a:t>0xFFFFFFFF</a:t>
                       </a:r>
                       <a:endParaRPr lang="ko-KR" altLang="en-US" sz="900" dirty="0"/>
@@ -35580,7 +34975,7 @@
                     <a:p>
                       <a:pPr algn="ctr" latinLnBrk="1"/>
                       <a:r>
-                        <a:rPr lang="en-US" altLang="ko-KR" sz="900" dirty="0" smtClean="0"/>
+                        <a:rPr lang="en-US" altLang="ko-KR" sz="900" dirty="0"/>
                         <a:t>0xFFFFFFFF</a:t>
                       </a:r>
                       <a:endParaRPr lang="ko-KR" altLang="en-US" sz="900" dirty="0"/>
@@ -35595,7 +34990,7 @@
                     <a:p>
                       <a:pPr algn="ctr" latinLnBrk="1"/>
                       <a:r>
-                        <a:rPr lang="en-US" altLang="ko-KR" sz="900" dirty="0" smtClean="0"/>
+                        <a:rPr lang="en-US" altLang="ko-KR" sz="900" dirty="0"/>
                         <a:t>0xFFFF0000</a:t>
                       </a:r>
                       <a:endParaRPr lang="ko-KR" altLang="en-US" sz="900" dirty="0"/>
@@ -35614,7 +35009,7 @@
                     <a:p>
                       <a:pPr algn="ctr" latinLnBrk="1"/>
                       <a:r>
-                        <a:rPr lang="en-US" altLang="ko-KR" sz="900" dirty="0" smtClean="0"/>
+                        <a:rPr lang="en-US" altLang="ko-KR" sz="900" dirty="0"/>
                         <a:t>0xFFFF0000</a:t>
                       </a:r>
                       <a:endParaRPr lang="ko-KR" altLang="en-US" sz="900" dirty="0"/>
@@ -35640,7 +35035,7 @@
                     <a:p>
                       <a:pPr algn="ctr" latinLnBrk="1"/>
                       <a:r>
-                        <a:rPr lang="en-US" altLang="ko-KR" sz="900" dirty="0" smtClean="0"/>
+                        <a:rPr lang="en-US" altLang="ko-KR" sz="900" dirty="0"/>
                         <a:t>0xFFFFFFFF</a:t>
                       </a:r>
                       <a:endParaRPr lang="ko-KR" altLang="en-US" sz="900" dirty="0"/>
@@ -35659,7 +35054,7 @@
                     <a:p>
                       <a:pPr algn="ctr" latinLnBrk="1"/>
                       <a:r>
-                        <a:rPr lang="en-US" altLang="ko-KR" sz="900" dirty="0" smtClean="0"/>
+                        <a:rPr lang="en-US" altLang="ko-KR" sz="900" dirty="0"/>
                         <a:t>0xFFFFFFFF</a:t>
                       </a:r>
                       <a:endParaRPr lang="ko-KR" altLang="en-US" sz="900" dirty="0"/>
@@ -35674,7 +35069,7 @@
                     <a:p>
                       <a:pPr algn="ctr" latinLnBrk="1"/>
                       <a:r>
-                        <a:rPr lang="en-US" altLang="ko-KR" sz="900" dirty="0" smtClean="0"/>
+                        <a:rPr lang="en-US" altLang="ko-KR" sz="900" dirty="0"/>
                         <a:t>0xFFFFFFFF</a:t>
                       </a:r>
                       <a:endParaRPr lang="ko-KR" altLang="en-US" sz="900" dirty="0"/>
@@ -35689,7 +35084,7 @@
                     <a:p>
                       <a:pPr algn="ctr" latinLnBrk="1"/>
                       <a:r>
-                        <a:rPr lang="en-US" altLang="ko-KR" sz="900" dirty="0" smtClean="0"/>
+                        <a:rPr lang="en-US" altLang="ko-KR" sz="900" dirty="0"/>
                         <a:t>0xFFFFFFFF</a:t>
                       </a:r>
                       <a:endParaRPr lang="ko-KR" altLang="en-US" sz="900" dirty="0"/>
@@ -35704,7 +35099,7 @@
                     <a:p>
                       <a:pPr algn="ctr" latinLnBrk="1"/>
                       <a:r>
-                        <a:rPr lang="en-US" altLang="ko-KR" sz="900" dirty="0" smtClean="0"/>
+                        <a:rPr lang="en-US" altLang="ko-KR" sz="900" dirty="0"/>
                         <a:t>0xFFFFFFFF</a:t>
                       </a:r>
                       <a:endParaRPr lang="ko-KR" altLang="en-US" sz="900" dirty="0"/>
@@ -35719,7 +35114,7 @@
                     <a:p>
                       <a:pPr algn="ctr" latinLnBrk="1"/>
                       <a:r>
-                        <a:rPr lang="en-US" altLang="ko-KR" sz="900" dirty="0" smtClean="0"/>
+                        <a:rPr lang="en-US" altLang="ko-KR" sz="900" dirty="0"/>
                         <a:t>0xFFFFFFFF</a:t>
                       </a:r>
                       <a:endParaRPr lang="ko-KR" altLang="en-US" sz="900" dirty="0"/>
@@ -35734,7 +35129,7 @@
                     <a:p>
                       <a:pPr algn="ctr" latinLnBrk="1"/>
                       <a:r>
-                        <a:rPr lang="en-US" altLang="ko-KR" sz="900" dirty="0" smtClean="0"/>
+                        <a:rPr lang="en-US" altLang="ko-KR" sz="900" dirty="0"/>
                         <a:t>0xFFFFFFFF</a:t>
                       </a:r>
                       <a:endParaRPr lang="ko-KR" altLang="en-US" sz="900" dirty="0"/>
@@ -35749,7 +35144,7 @@
                     <a:p>
                       <a:pPr algn="ctr" latinLnBrk="1"/>
                       <a:r>
-                        <a:rPr lang="en-US" altLang="ko-KR" sz="900" dirty="0" smtClean="0"/>
+                        <a:rPr lang="en-US" altLang="ko-KR" sz="900" dirty="0"/>
                         <a:t>0xFFFFFFFF</a:t>
                       </a:r>
                       <a:endParaRPr lang="ko-KR" altLang="en-US" sz="900" dirty="0"/>
@@ -35771,7 +35166,7 @@
                     <a:p>
                       <a:pPr algn="ctr" latinLnBrk="1"/>
                       <a:r>
-                        <a:rPr lang="en-US" altLang="ko-KR" sz="900" dirty="0" smtClean="0"/>
+                        <a:rPr lang="en-US" altLang="ko-KR" sz="900" dirty="0"/>
                         <a:t>0xFF00FF00</a:t>
                       </a:r>
                       <a:endParaRPr lang="ko-KR" altLang="en-US" sz="900" dirty="0"/>
@@ -35790,7 +35185,7 @@
                     <a:p>
                       <a:pPr algn="ctr" latinLnBrk="1"/>
                       <a:r>
-                        <a:rPr lang="en-US" altLang="ko-KR" sz="900" dirty="0" smtClean="0"/>
+                        <a:rPr lang="en-US" altLang="ko-KR" sz="900" dirty="0"/>
                         <a:t>0xFFFFFFFF</a:t>
                       </a:r>
                       <a:endParaRPr lang="ko-KR" altLang="en-US" sz="900" dirty="0"/>
@@ -35805,7 +35200,7 @@
                     <a:p>
                       <a:pPr algn="ctr" latinLnBrk="1"/>
                       <a:r>
-                        <a:rPr lang="en-US" altLang="ko-KR" sz="900" dirty="0" smtClean="0"/>
+                        <a:rPr lang="en-US" altLang="ko-KR" sz="900" dirty="0"/>
                         <a:t>0xFFFFFFFF</a:t>
                       </a:r>
                       <a:endParaRPr lang="ko-KR" altLang="en-US" sz="900" dirty="0"/>
@@ -35820,7 +35215,7 @@
                     <a:p>
                       <a:pPr algn="ctr" latinLnBrk="1"/>
                       <a:r>
-                        <a:rPr lang="en-US" altLang="ko-KR" sz="900" dirty="0" smtClean="0"/>
+                        <a:rPr lang="en-US" altLang="ko-KR" sz="900" dirty="0"/>
                         <a:t>0xFFFFFFFF</a:t>
                       </a:r>
                       <a:endParaRPr lang="ko-KR" altLang="en-US" sz="900" dirty="0"/>
@@ -35835,7 +35230,7 @@
                     <a:p>
                       <a:pPr algn="ctr" latinLnBrk="1"/>
                       <a:r>
-                        <a:rPr lang="en-US" altLang="ko-KR" sz="900" dirty="0" smtClean="0"/>
+                        <a:rPr lang="en-US" altLang="ko-KR" sz="900" dirty="0"/>
                         <a:t>0xFFFFFFFF</a:t>
                       </a:r>
                       <a:endParaRPr lang="ko-KR" altLang="en-US" sz="900" dirty="0"/>
@@ -35850,7 +35245,7 @@
                     <a:p>
                       <a:pPr algn="ctr" latinLnBrk="1"/>
                       <a:r>
-                        <a:rPr lang="en-US" altLang="ko-KR" sz="900" dirty="0" smtClean="0"/>
+                        <a:rPr lang="en-US" altLang="ko-KR" sz="900" dirty="0"/>
                         <a:t>0xFFFFFFFF</a:t>
                       </a:r>
                       <a:endParaRPr lang="ko-KR" altLang="en-US" sz="900" dirty="0"/>
@@ -35865,7 +35260,7 @@
                     <a:p>
                       <a:pPr algn="ctr" latinLnBrk="1"/>
                       <a:r>
-                        <a:rPr lang="en-US" altLang="ko-KR" sz="900" dirty="0" smtClean="0"/>
+                        <a:rPr lang="en-US" altLang="ko-KR" sz="900" dirty="0"/>
                         <a:t>0xFFFFFFFF</a:t>
                       </a:r>
                       <a:endParaRPr lang="ko-KR" altLang="en-US" sz="900" dirty="0"/>
@@ -35880,7 +35275,7 @@
                     <a:p>
                       <a:pPr algn="ctr" latinLnBrk="1"/>
                       <a:r>
-                        <a:rPr lang="en-US" altLang="ko-KR" sz="900" dirty="0" smtClean="0"/>
+                        <a:rPr lang="en-US" altLang="ko-KR" sz="900" dirty="0"/>
                         <a:t>0xFF00FF00</a:t>
                       </a:r>
                       <a:endParaRPr lang="ko-KR" altLang="en-US" sz="900" dirty="0"/>
@@ -35906,7 +35301,7 @@
                     <a:p>
                       <a:pPr algn="ctr" latinLnBrk="1"/>
                       <a:r>
-                        <a:rPr lang="en-US" altLang="ko-KR" sz="900" dirty="0" smtClean="0"/>
+                        <a:rPr lang="en-US" altLang="ko-KR" sz="900" dirty="0"/>
                         <a:t>0xFF00FF00</a:t>
                       </a:r>
                       <a:endParaRPr lang="ko-KR" altLang="en-US" sz="900" dirty="0"/>
@@ -35925,7 +35320,7 @@
                     <a:p>
                       <a:pPr algn="ctr" latinLnBrk="1"/>
                       <a:r>
-                        <a:rPr lang="en-US" altLang="ko-KR" sz="900" dirty="0" smtClean="0"/>
+                        <a:rPr lang="en-US" altLang="ko-KR" sz="900" dirty="0"/>
                         <a:t>0xFF00FF00</a:t>
                       </a:r>
                       <a:endParaRPr lang="ko-KR" altLang="en-US" sz="900" dirty="0"/>
@@ -35944,7 +35339,7 @@
                     <a:p>
                       <a:pPr algn="ctr" latinLnBrk="1"/>
                       <a:r>
-                        <a:rPr lang="en-US" altLang="ko-KR" sz="900" dirty="0" smtClean="0"/>
+                        <a:rPr lang="en-US" altLang="ko-KR" sz="900" dirty="0"/>
                         <a:t>0xFF00FF00</a:t>
                       </a:r>
                       <a:endParaRPr lang="ko-KR" altLang="en-US" sz="900" dirty="0"/>
@@ -35963,7 +35358,7 @@
                     <a:p>
                       <a:pPr algn="ctr" latinLnBrk="1"/>
                       <a:r>
-                        <a:rPr lang="en-US" altLang="ko-KR" sz="900" dirty="0" smtClean="0"/>
+                        <a:rPr lang="en-US" altLang="ko-KR" sz="900" dirty="0"/>
                         <a:t>0xFF00FF00</a:t>
                       </a:r>
                       <a:endParaRPr lang="ko-KR" altLang="en-US" sz="900" dirty="0"/>
@@ -35982,7 +35377,7 @@
                     <a:p>
                       <a:pPr algn="ctr" latinLnBrk="1"/>
                       <a:r>
-                        <a:rPr lang="en-US" altLang="ko-KR" sz="900" dirty="0" smtClean="0"/>
+                        <a:rPr lang="en-US" altLang="ko-KR" sz="900" dirty="0"/>
                         <a:t>0xFF00FF00</a:t>
                       </a:r>
                       <a:endParaRPr lang="ko-KR" altLang="en-US" sz="900" dirty="0"/>
@@ -36001,7 +35396,7 @@
                     <a:p>
                       <a:pPr algn="ctr" latinLnBrk="1"/>
                       <a:r>
-                        <a:rPr lang="en-US" altLang="ko-KR" sz="900" dirty="0" smtClean="0"/>
+                        <a:rPr lang="en-US" altLang="ko-KR" sz="900" dirty="0"/>
                         <a:t>0xFF00FF00</a:t>
                       </a:r>
                       <a:endParaRPr lang="ko-KR" altLang="en-US" sz="900" dirty="0"/>
@@ -36020,7 +35415,7 @@
                     <a:p>
                       <a:pPr algn="ctr" latinLnBrk="1"/>
                       <a:r>
-                        <a:rPr lang="en-US" altLang="ko-KR" sz="900" dirty="0" smtClean="0"/>
+                        <a:rPr lang="en-US" altLang="ko-KR" sz="900" dirty="0"/>
                         <a:t>0xFF00FF00</a:t>
                       </a:r>
                       <a:endParaRPr lang="ko-KR" altLang="en-US" sz="900" dirty="0"/>
@@ -36039,7 +35434,7 @@
                     <a:p>
                       <a:pPr algn="ctr" latinLnBrk="1"/>
                       <a:r>
-                        <a:rPr lang="en-US" altLang="ko-KR" sz="900" dirty="0" smtClean="0"/>
+                        <a:rPr lang="en-US" altLang="ko-KR" sz="900" dirty="0"/>
                         <a:t>0xFF00FF00</a:t>
                       </a:r>
                       <a:endParaRPr lang="ko-KR" altLang="en-US" sz="900" dirty="0"/>
@@ -36065,7 +35460,7 @@
                     <a:p>
                       <a:pPr algn="ctr" latinLnBrk="1"/>
                       <a:r>
-                        <a:rPr lang="en-US" altLang="ko-KR" sz="900" dirty="0" smtClean="0"/>
+                        <a:rPr lang="en-US" altLang="ko-KR" sz="900" dirty="0"/>
                         <a:t>0xFFFFFFFF</a:t>
                       </a:r>
                       <a:endParaRPr lang="ko-KR" altLang="en-US" sz="900" dirty="0"/>
@@ -36084,7 +35479,7 @@
                     <a:p>
                       <a:pPr algn="ctr" latinLnBrk="1"/>
                       <a:r>
-                        <a:rPr lang="en-US" altLang="ko-KR" sz="900" dirty="0" smtClean="0"/>
+                        <a:rPr lang="en-US" altLang="ko-KR" sz="900" dirty="0"/>
                         <a:t>0xFF00FF00</a:t>
                       </a:r>
                       <a:endParaRPr lang="ko-KR" altLang="en-US" sz="900" dirty="0"/>
@@ -36103,7 +35498,7 @@
                     <a:p>
                       <a:pPr algn="ctr" latinLnBrk="1"/>
                       <a:r>
-                        <a:rPr lang="en-US" altLang="ko-KR" sz="900" dirty="0" smtClean="0"/>
+                        <a:rPr lang="en-US" altLang="ko-KR" sz="900" dirty="0"/>
                         <a:t>0xFF00FF00</a:t>
                       </a:r>
                       <a:endParaRPr lang="ko-KR" altLang="en-US" sz="900" dirty="0"/>
@@ -36122,7 +35517,7 @@
                     <a:p>
                       <a:pPr algn="ctr" latinLnBrk="1"/>
                       <a:r>
-                        <a:rPr lang="en-US" altLang="ko-KR" sz="900" dirty="0" smtClean="0"/>
+                        <a:rPr lang="en-US" altLang="ko-KR" sz="900" dirty="0"/>
                         <a:t>0xFF00FF00</a:t>
                       </a:r>
                       <a:endParaRPr lang="ko-KR" altLang="en-US" sz="900" dirty="0"/>
@@ -36141,7 +35536,7 @@
                     <a:p>
                       <a:pPr algn="ctr" latinLnBrk="1"/>
                       <a:r>
-                        <a:rPr lang="en-US" altLang="ko-KR" sz="900" dirty="0" smtClean="0"/>
+                        <a:rPr lang="en-US" altLang="ko-KR" sz="900" dirty="0"/>
                         <a:t>0xFF00FF00</a:t>
                       </a:r>
                       <a:endParaRPr lang="ko-KR" altLang="en-US" sz="900" dirty="0"/>
@@ -36160,7 +35555,7 @@
                     <a:p>
                       <a:pPr algn="ctr" latinLnBrk="1"/>
                       <a:r>
-                        <a:rPr lang="en-US" altLang="ko-KR" sz="900" dirty="0" smtClean="0"/>
+                        <a:rPr lang="en-US" altLang="ko-KR" sz="900" dirty="0"/>
                         <a:t>0xFF00FF00</a:t>
                       </a:r>
                       <a:endParaRPr lang="ko-KR" altLang="en-US" sz="900" dirty="0"/>
@@ -36179,7 +35574,7 @@
                     <a:p>
                       <a:pPr algn="ctr" latinLnBrk="1"/>
                       <a:r>
-                        <a:rPr lang="en-US" altLang="ko-KR" sz="900" dirty="0" smtClean="0"/>
+                        <a:rPr lang="en-US" altLang="ko-KR" sz="900" dirty="0"/>
                         <a:t>0xFF00FF00</a:t>
                       </a:r>
                       <a:endParaRPr lang="ko-KR" altLang="en-US" sz="900" dirty="0"/>
@@ -36198,7 +35593,7 @@
                     <a:p>
                       <a:pPr algn="ctr" latinLnBrk="1"/>
                       <a:r>
-                        <a:rPr lang="en-US" altLang="ko-KR" sz="900" dirty="0" smtClean="0"/>
+                        <a:rPr lang="en-US" altLang="ko-KR" sz="900" dirty="0"/>
                         <a:t>0xFFFFFFFF</a:t>
                       </a:r>
                       <a:endParaRPr lang="ko-KR" altLang="en-US" sz="900" dirty="0"/>
@@ -36220,7 +35615,7 @@
                     <a:p>
                       <a:pPr algn="ctr" latinLnBrk="1"/>
                       <a:r>
-                        <a:rPr lang="en-US" altLang="ko-KR" sz="900" dirty="0" smtClean="0"/>
+                        <a:rPr lang="en-US" altLang="ko-KR" sz="900" dirty="0"/>
                         <a:t>0xFFFFFFFF</a:t>
                       </a:r>
                       <a:endParaRPr lang="ko-KR" altLang="en-US" sz="900" dirty="0"/>
@@ -36239,7 +35634,7 @@
                     <a:p>
                       <a:pPr algn="ctr" latinLnBrk="1"/>
                       <a:r>
-                        <a:rPr lang="en-US" altLang="ko-KR" sz="900" dirty="0" smtClean="0"/>
+                        <a:rPr lang="en-US" altLang="ko-KR" sz="900" dirty="0"/>
                         <a:t>0xFFFFFFFF</a:t>
                       </a:r>
                       <a:endParaRPr lang="ko-KR" altLang="en-US" sz="900" dirty="0"/>
@@ -36258,7 +35653,7 @@
                     <a:p>
                       <a:pPr algn="ctr" latinLnBrk="1"/>
                       <a:r>
-                        <a:rPr lang="en-US" altLang="ko-KR" sz="900" dirty="0" smtClean="0"/>
+                        <a:rPr lang="en-US" altLang="ko-KR" sz="900" dirty="0"/>
                         <a:t>0xFFFFFFFF</a:t>
                       </a:r>
                       <a:endParaRPr lang="ko-KR" altLang="en-US" sz="900" dirty="0"/>
@@ -36277,7 +35672,7 @@
                     <a:p>
                       <a:pPr algn="ctr" latinLnBrk="1"/>
                       <a:r>
-                        <a:rPr lang="en-US" altLang="ko-KR" sz="900" dirty="0" smtClean="0"/>
+                        <a:rPr lang="en-US" altLang="ko-KR" sz="900" dirty="0"/>
                         <a:t>0xFFFFFFFF</a:t>
                       </a:r>
                       <a:endParaRPr lang="ko-KR" altLang="en-US" sz="900" dirty="0"/>
@@ -36296,7 +35691,7 @@
                     <a:p>
                       <a:pPr algn="ctr" latinLnBrk="1"/>
                       <a:r>
-                        <a:rPr lang="en-US" altLang="ko-KR" sz="900" dirty="0" smtClean="0"/>
+                        <a:rPr lang="en-US" altLang="ko-KR" sz="900" dirty="0"/>
                         <a:t>0xFFFFFFFF</a:t>
                       </a:r>
                       <a:endParaRPr lang="ko-KR" altLang="en-US" sz="900" dirty="0"/>
@@ -36315,7 +35710,7 @@
                     <a:p>
                       <a:pPr algn="ctr" latinLnBrk="1"/>
                       <a:r>
-                        <a:rPr lang="en-US" altLang="ko-KR" sz="900" dirty="0" smtClean="0"/>
+                        <a:rPr lang="en-US" altLang="ko-KR" sz="900" dirty="0"/>
                         <a:t>0xFFFFFFFF</a:t>
                       </a:r>
                       <a:endParaRPr lang="ko-KR" altLang="en-US" sz="900" dirty="0"/>
@@ -36334,7 +35729,7 @@
                     <a:p>
                       <a:pPr algn="ctr" latinLnBrk="1"/>
                       <a:r>
-                        <a:rPr lang="en-US" altLang="ko-KR" sz="900" dirty="0" smtClean="0"/>
+                        <a:rPr lang="en-US" altLang="ko-KR" sz="900" dirty="0"/>
                         <a:t>0xFFFFFFFF</a:t>
                       </a:r>
                       <a:endParaRPr lang="ko-KR" altLang="en-US" sz="900" dirty="0"/>
@@ -36353,7 +35748,7 @@
                     <a:p>
                       <a:pPr algn="ctr" latinLnBrk="1"/>
                       <a:r>
-                        <a:rPr lang="en-US" altLang="ko-KR" sz="900" dirty="0" smtClean="0"/>
+                        <a:rPr lang="en-US" altLang="ko-KR" sz="900" dirty="0"/>
                         <a:t>0xFFFFFFFF</a:t>
                       </a:r>
                       <a:endParaRPr lang="ko-KR" altLang="en-US" sz="900" dirty="0"/>
